--- a/memo.pptx
+++ b/memo.pptx
@@ -5,10 +5,11 @@
     <p:sldMasterId id="2147483648" r:id="rId1"/>
   </p:sldMasterIdLst>
   <p:notesMasterIdLst>
-    <p:notesMasterId r:id="rId3"/>
+    <p:notesMasterId r:id="rId4"/>
   </p:notesMasterIdLst>
   <p:sldIdLst>
     <p:sldId id="256" r:id="rId2"/>
+    <p:sldId id="257" r:id="rId3"/>
   </p:sldIdLst>
   <p:sldSz cx="12192000" cy="6858000"/>
   <p:notesSz cx="6858000" cy="9144000"/>
@@ -107,6 +108,11 @@
       </a:defRPr>
     </a:lvl9pPr>
   </p:defaultTextStyle>
+  <p:extLst>
+    <p:ext uri="{EFAFB233-063F-42B5-8137-9DF3F51BA10A}">
+      <p15:sldGuideLst xmlns:p15="http://schemas.microsoft.com/office/powerpoint/2012/main"/>
+    </p:ext>
+  </p:extLst>
 </p:presentation>
 </file>
 
@@ -192,7 +198,7 @@
           <a:p>
             <a:fld id="{A2654F65-B460-4D6E-92BA-CEA3AFED7124}" type="datetimeFigureOut">
               <a:rPr lang="en-US" smtClean="0"/>
-              <a:t>11/17/2021</a:t>
+              <a:t>11/19/2021</a:t>
             </a:fld>
             <a:endParaRPr lang="en-US"/>
           </a:p>
@@ -606,7 +612,7 @@
           <a:p>
             <a:fld id="{DEED0FA9-D346-4179-BC36-5044D4754E7C}" type="datetimeFigureOut">
               <a:rPr lang="en-US" smtClean="0"/>
-              <a:t>11/17/2021</a:t>
+              <a:t>11/19/2021</a:t>
             </a:fld>
             <a:endParaRPr lang="en-US"/>
           </a:p>
@@ -804,7 +810,7 @@
           <a:p>
             <a:fld id="{DEED0FA9-D346-4179-BC36-5044D4754E7C}" type="datetimeFigureOut">
               <a:rPr lang="en-US" smtClean="0"/>
-              <a:t>11/17/2021</a:t>
+              <a:t>11/19/2021</a:t>
             </a:fld>
             <a:endParaRPr lang="en-US"/>
           </a:p>
@@ -1012,7 +1018,7 @@
           <a:p>
             <a:fld id="{DEED0FA9-D346-4179-BC36-5044D4754E7C}" type="datetimeFigureOut">
               <a:rPr lang="en-US" smtClean="0"/>
-              <a:t>11/17/2021</a:t>
+              <a:t>11/19/2021</a:t>
             </a:fld>
             <a:endParaRPr lang="en-US"/>
           </a:p>
@@ -1210,7 +1216,7 @@
           <a:p>
             <a:fld id="{DEED0FA9-D346-4179-BC36-5044D4754E7C}" type="datetimeFigureOut">
               <a:rPr lang="en-US" smtClean="0"/>
-              <a:t>11/17/2021</a:t>
+              <a:t>11/19/2021</a:t>
             </a:fld>
             <a:endParaRPr lang="en-US"/>
           </a:p>
@@ -1485,7 +1491,7 @@
           <a:p>
             <a:fld id="{DEED0FA9-D346-4179-BC36-5044D4754E7C}" type="datetimeFigureOut">
               <a:rPr lang="en-US" smtClean="0"/>
-              <a:t>11/17/2021</a:t>
+              <a:t>11/19/2021</a:t>
             </a:fld>
             <a:endParaRPr lang="en-US"/>
           </a:p>
@@ -1750,7 +1756,7 @@
           <a:p>
             <a:fld id="{DEED0FA9-D346-4179-BC36-5044D4754E7C}" type="datetimeFigureOut">
               <a:rPr lang="en-US" smtClean="0"/>
-              <a:t>11/17/2021</a:t>
+              <a:t>11/19/2021</a:t>
             </a:fld>
             <a:endParaRPr lang="en-US"/>
           </a:p>
@@ -2162,7 +2168,7 @@
           <a:p>
             <a:fld id="{DEED0FA9-D346-4179-BC36-5044D4754E7C}" type="datetimeFigureOut">
               <a:rPr lang="en-US" smtClean="0"/>
-              <a:t>11/17/2021</a:t>
+              <a:t>11/19/2021</a:t>
             </a:fld>
             <a:endParaRPr lang="en-US"/>
           </a:p>
@@ -2303,7 +2309,7 @@
           <a:p>
             <a:fld id="{DEED0FA9-D346-4179-BC36-5044D4754E7C}" type="datetimeFigureOut">
               <a:rPr lang="en-US" smtClean="0"/>
-              <a:t>11/17/2021</a:t>
+              <a:t>11/19/2021</a:t>
             </a:fld>
             <a:endParaRPr lang="en-US"/>
           </a:p>
@@ -2416,7 +2422,7 @@
           <a:p>
             <a:fld id="{DEED0FA9-D346-4179-BC36-5044D4754E7C}" type="datetimeFigureOut">
               <a:rPr lang="en-US" smtClean="0"/>
-              <a:t>11/17/2021</a:t>
+              <a:t>11/19/2021</a:t>
             </a:fld>
             <a:endParaRPr lang="en-US"/>
           </a:p>
@@ -2727,7 +2733,7 @@
           <a:p>
             <a:fld id="{DEED0FA9-D346-4179-BC36-5044D4754E7C}" type="datetimeFigureOut">
               <a:rPr lang="en-US" smtClean="0"/>
-              <a:t>11/17/2021</a:t>
+              <a:t>11/19/2021</a:t>
             </a:fld>
             <a:endParaRPr lang="en-US"/>
           </a:p>
@@ -3015,7 +3021,7 @@
           <a:p>
             <a:fld id="{DEED0FA9-D346-4179-BC36-5044D4754E7C}" type="datetimeFigureOut">
               <a:rPr lang="en-US" smtClean="0"/>
-              <a:t>11/17/2021</a:t>
+              <a:t>11/19/2021</a:t>
             </a:fld>
             <a:endParaRPr lang="en-US"/>
           </a:p>
@@ -3256,7 +3262,7 @@
           <a:p>
             <a:fld id="{DEED0FA9-D346-4179-BC36-5044D4754E7C}" type="datetimeFigureOut">
               <a:rPr lang="en-US" smtClean="0"/>
-              <a:t>11/17/2021</a:t>
+              <a:t>11/19/2021</a:t>
             </a:fld>
             <a:endParaRPr lang="en-US"/>
           </a:p>
@@ -3968,6 +3974,1780 @@
     <p:extLst>
       <p:ext uri="{BB962C8B-B14F-4D97-AF65-F5344CB8AC3E}">
         <p14:creationId xmlns:p14="http://schemas.microsoft.com/office/powerpoint/2010/main" val="127976376"/>
+      </p:ext>
+    </p:extLst>
+  </p:cSld>
+  <p:clrMapOvr>
+    <a:masterClrMapping/>
+  </p:clrMapOvr>
+</p:sld>
+</file>
+
+<file path=ppt/slides/slide2.xml><?xml version="1.0" encoding="utf-8"?>
+<p:sld xmlns:a="http://schemas.openxmlformats.org/drawingml/2006/main" xmlns:r="http://schemas.openxmlformats.org/officeDocument/2006/relationships" xmlns:p="http://schemas.openxmlformats.org/presentationml/2006/main">
+  <p:cSld>
+    <p:spTree>
+      <p:nvGrpSpPr>
+        <p:cNvPr id="1" name=""/>
+        <p:cNvGrpSpPr/>
+        <p:nvPr/>
+      </p:nvGrpSpPr>
+      <p:grpSpPr>
+        <a:xfrm>
+          <a:off x="0" y="0"/>
+          <a:ext cx="0" cy="0"/>
+          <a:chOff x="0" y="0"/>
+          <a:chExt cx="0" cy="0"/>
+        </a:xfrm>
+      </p:grpSpPr>
+      <p:pic>
+        <p:nvPicPr>
+          <p:cNvPr id="5" name="Picture 4">
+            <a:extLst>
+              <a:ext uri="{FF2B5EF4-FFF2-40B4-BE49-F238E27FC236}">
+                <a16:creationId xmlns:a16="http://schemas.microsoft.com/office/drawing/2014/main" id="{3BE48393-D687-4D52-97AB-FAC37279DF21}"/>
+              </a:ext>
+            </a:extLst>
+          </p:cNvPr>
+          <p:cNvPicPr>
+            <a:picLocks noChangeAspect="1"/>
+          </p:cNvPicPr>
+          <p:nvPr/>
+        </p:nvPicPr>
+        <p:blipFill rotWithShape="1">
+          <a:blip r:embed="rId2"/>
+          <a:srcRect l="-1727" r="45973"/>
+          <a:stretch/>
+        </p:blipFill>
+        <p:spPr>
+          <a:xfrm>
+            <a:off x="-46374" y="0"/>
+            <a:ext cx="3975100" cy="3831666"/>
+          </a:xfrm>
+          <a:prstGeom prst="rect">
+            <a:avLst/>
+          </a:prstGeom>
+        </p:spPr>
+      </p:pic>
+      <p:pic>
+        <p:nvPicPr>
+          <p:cNvPr id="6" name="Picture 5">
+            <a:extLst>
+              <a:ext uri="{FF2B5EF4-FFF2-40B4-BE49-F238E27FC236}">
+                <a16:creationId xmlns:a16="http://schemas.microsoft.com/office/drawing/2014/main" id="{789274D6-1C33-4A04-AFAB-D2B939E7D7F6}"/>
+              </a:ext>
+            </a:extLst>
+          </p:cNvPr>
+          <p:cNvPicPr>
+            <a:picLocks noChangeAspect="1"/>
+          </p:cNvPicPr>
+          <p:nvPr/>
+        </p:nvPicPr>
+        <p:blipFill rotWithShape="1">
+          <a:blip r:embed="rId2"/>
+          <a:srcRect l="54151" t="33984" r="1263" b="4884"/>
+          <a:stretch/>
+        </p:blipFill>
+        <p:spPr>
+          <a:xfrm>
+            <a:off x="20928" y="3701424"/>
+            <a:ext cx="4205411" cy="3098800"/>
+          </a:xfrm>
+          <a:prstGeom prst="rect">
+            <a:avLst/>
+          </a:prstGeom>
+        </p:spPr>
+      </p:pic>
+      <p:sp>
+        <p:nvSpPr>
+          <p:cNvPr id="7" name="TextBox 6">
+            <a:extLst>
+              <a:ext uri="{FF2B5EF4-FFF2-40B4-BE49-F238E27FC236}">
+                <a16:creationId xmlns:a16="http://schemas.microsoft.com/office/drawing/2014/main" id="{9A336AEB-DE49-4412-BF4E-72F4763DEEEC}"/>
+              </a:ext>
+            </a:extLst>
+          </p:cNvPr>
+          <p:cNvSpPr txBox="1"/>
+          <p:nvPr/>
+        </p:nvSpPr>
+        <p:spPr>
+          <a:xfrm>
+            <a:off x="5461002" y="2401435"/>
+            <a:ext cx="911468" cy="369332"/>
+          </a:xfrm>
+          <a:prstGeom prst="rect">
+            <a:avLst/>
+          </a:prstGeom>
+          <a:noFill/>
+        </p:spPr>
+        <p:txBody>
+          <a:bodyPr wrap="none" rtlCol="0">
+            <a:spAutoFit/>
+          </a:bodyPr>
+          <a:lstStyle/>
+          <a:p>
+            <a:r>
+              <a:rPr lang="en-US" dirty="0">
+                <a:solidFill>
+                  <a:schemeClr val="accent6"/>
+                </a:solidFill>
+              </a:rPr>
+              <a:t>weights</a:t>
+            </a:r>
+          </a:p>
+        </p:txBody>
+      </p:sp>
+      <p:cxnSp>
+        <p:nvCxnSpPr>
+          <p:cNvPr id="9" name="Straight Arrow Connector 8">
+            <a:extLst>
+              <a:ext uri="{FF2B5EF4-FFF2-40B4-BE49-F238E27FC236}">
+                <a16:creationId xmlns:a16="http://schemas.microsoft.com/office/drawing/2014/main" id="{21A6C80A-5253-4DCF-BB43-DAACE93F1320}"/>
+              </a:ext>
+            </a:extLst>
+          </p:cNvPr>
+          <p:cNvCxnSpPr>
+            <a:cxnSpLocks/>
+            <a:stCxn id="7" idx="3"/>
+            <a:endCxn id="11" idx="1"/>
+          </p:cNvCxnSpPr>
+          <p:nvPr/>
+        </p:nvCxnSpPr>
+        <p:spPr>
+          <a:xfrm>
+            <a:off x="6372470" y="2586101"/>
+            <a:ext cx="691664" cy="0"/>
+          </a:xfrm>
+          <a:prstGeom prst="straightConnector1">
+            <a:avLst/>
+          </a:prstGeom>
+          <a:ln w="28575">
+            <a:solidFill>
+              <a:schemeClr val="tx1"/>
+            </a:solidFill>
+            <a:tailEnd type="triangle"/>
+          </a:ln>
+        </p:spPr>
+        <p:style>
+          <a:lnRef idx="1">
+            <a:schemeClr val="accent1"/>
+          </a:lnRef>
+          <a:fillRef idx="0">
+            <a:schemeClr val="accent1"/>
+          </a:fillRef>
+          <a:effectRef idx="0">
+            <a:schemeClr val="accent1"/>
+          </a:effectRef>
+          <a:fontRef idx="minor">
+            <a:schemeClr val="tx1"/>
+          </a:fontRef>
+        </p:style>
+      </p:cxnSp>
+      <p:sp>
+        <p:nvSpPr>
+          <p:cNvPr id="11" name="TextBox 10">
+            <a:extLst>
+              <a:ext uri="{FF2B5EF4-FFF2-40B4-BE49-F238E27FC236}">
+                <a16:creationId xmlns:a16="http://schemas.microsoft.com/office/drawing/2014/main" id="{03752C92-8DD5-429E-9DFF-AA94085C9B73}"/>
+              </a:ext>
+            </a:extLst>
+          </p:cNvPr>
+          <p:cNvSpPr txBox="1"/>
+          <p:nvPr/>
+        </p:nvSpPr>
+        <p:spPr>
+          <a:xfrm>
+            <a:off x="7064134" y="2124436"/>
+            <a:ext cx="911468" cy="923330"/>
+          </a:xfrm>
+          <a:prstGeom prst="rect">
+            <a:avLst/>
+          </a:prstGeom>
+        </p:spPr>
+        <p:style>
+          <a:lnRef idx="2">
+            <a:schemeClr val="dk1"/>
+          </a:lnRef>
+          <a:fillRef idx="1">
+            <a:schemeClr val="lt1"/>
+          </a:fillRef>
+          <a:effectRef idx="0">
+            <a:schemeClr val="dk1"/>
+          </a:effectRef>
+          <a:fontRef idx="minor">
+            <a:schemeClr val="dk1"/>
+          </a:fontRef>
+        </p:style>
+        <p:txBody>
+          <a:bodyPr wrap="square" rtlCol="0">
+            <a:spAutoFit/>
+          </a:bodyPr>
+          <a:lstStyle/>
+          <a:p>
+            <a:pPr algn="ctr"/>
+            <a:endParaRPr lang="en-US" dirty="0"/>
+          </a:p>
+          <a:p>
+            <a:pPr algn="ctr"/>
+            <a:r>
+              <a:rPr lang="en-US" dirty="0"/>
+              <a:t>ANN</a:t>
+            </a:r>
+          </a:p>
+          <a:p>
+            <a:pPr algn="ctr"/>
+            <a:endParaRPr lang="en-US" dirty="0"/>
+          </a:p>
+        </p:txBody>
+      </p:sp>
+      <p:cxnSp>
+        <p:nvCxnSpPr>
+          <p:cNvPr id="13" name="Straight Arrow Connector 12">
+            <a:extLst>
+              <a:ext uri="{FF2B5EF4-FFF2-40B4-BE49-F238E27FC236}">
+                <a16:creationId xmlns:a16="http://schemas.microsoft.com/office/drawing/2014/main" id="{BB9D0E90-4719-4C82-95C8-52F7E9ACE23D}"/>
+              </a:ext>
+            </a:extLst>
+          </p:cNvPr>
+          <p:cNvCxnSpPr>
+            <a:cxnSpLocks/>
+            <a:stCxn id="11" idx="3"/>
+            <a:endCxn id="17" idx="1"/>
+          </p:cNvCxnSpPr>
+          <p:nvPr/>
+        </p:nvCxnSpPr>
+        <p:spPr>
+          <a:xfrm>
+            <a:off x="7975602" y="2586101"/>
+            <a:ext cx="2295717" cy="13835"/>
+          </a:xfrm>
+          <a:prstGeom prst="straightConnector1">
+            <a:avLst/>
+          </a:prstGeom>
+          <a:ln w="28575">
+            <a:solidFill>
+              <a:schemeClr val="tx1"/>
+            </a:solidFill>
+            <a:tailEnd type="triangle"/>
+          </a:ln>
+        </p:spPr>
+        <p:style>
+          <a:lnRef idx="1">
+            <a:schemeClr val="accent1"/>
+          </a:lnRef>
+          <a:fillRef idx="0">
+            <a:schemeClr val="accent1"/>
+          </a:fillRef>
+          <a:effectRef idx="0">
+            <a:schemeClr val="accent1"/>
+          </a:effectRef>
+          <a:fontRef idx="minor">
+            <a:schemeClr val="tx1"/>
+          </a:fontRef>
+        </p:style>
+      </p:cxnSp>
+      <mc:AlternateContent xmlns:mc="http://schemas.openxmlformats.org/markup-compatibility/2006">
+        <mc:Choice xmlns:a14="http://schemas.microsoft.com/office/drawing/2010/main" Requires="a14">
+          <p:sp>
+            <p:nvSpPr>
+              <p:cNvPr id="17" name="TextBox 16">
+                <a:extLst>
+                  <a:ext uri="{FF2B5EF4-FFF2-40B4-BE49-F238E27FC236}">
+                    <a16:creationId xmlns:a16="http://schemas.microsoft.com/office/drawing/2014/main" id="{19EAF7B0-8BC6-4620-B606-32EB7F28C306}"/>
+                  </a:ext>
+                </a:extLst>
+              </p:cNvPr>
+              <p:cNvSpPr txBox="1"/>
+              <p:nvPr/>
+            </p:nvSpPr>
+            <p:spPr>
+              <a:xfrm>
+                <a:off x="10271319" y="2415270"/>
+                <a:ext cx="801566" cy="369332"/>
+              </a:xfrm>
+              <a:prstGeom prst="rect">
+                <a:avLst/>
+              </a:prstGeom>
+              <a:noFill/>
+            </p:spPr>
+            <p:txBody>
+              <a:bodyPr wrap="none" rtlCol="0">
+                <a:spAutoFit/>
+              </a:bodyPr>
+              <a:lstStyle/>
+              <a:p>
+                <a14:m>
+                  <m:oMathPara xmlns:m="http://schemas.openxmlformats.org/officeDocument/2006/math">
+                    <m:oMathParaPr>
+                      <m:jc m:val="centerGroup"/>
+                    </m:oMathParaPr>
+                    <m:oMath xmlns:m="http://schemas.openxmlformats.org/officeDocument/2006/math">
+                      <m:sSup>
+                        <m:sSupPr>
+                          <m:ctrlPr>
+                            <a:rPr lang="en-US" b="0" i="1" smtClean="0">
+                              <a:latin typeface="Cambria Math" panose="02040503050406030204" pitchFamily="18" charset="0"/>
+                            </a:rPr>
+                          </m:ctrlPr>
+                        </m:sSupPr>
+                        <m:e>
+                          <m:r>
+                            <a:rPr lang="en-US" b="0" i="1" smtClean="0">
+                              <a:latin typeface="Cambria Math" panose="02040503050406030204" pitchFamily="18" charset="0"/>
+                            </a:rPr>
+                            <m:t>𝛼</m:t>
+                          </m:r>
+                        </m:e>
+                        <m:sup>
+                          <m:r>
+                            <a:rPr lang="en-US" b="0" i="1" smtClean="0">
+                              <a:latin typeface="Cambria Math" panose="02040503050406030204" pitchFamily="18" charset="0"/>
+                            </a:rPr>
+                            <m:t>𝑡</m:t>
+                          </m:r>
+                        </m:sup>
+                      </m:sSup>
+                      <m:r>
+                        <a:rPr lang="en-US" b="0" i="1" smtClean="0">
+                          <a:latin typeface="Cambria Math" panose="02040503050406030204" pitchFamily="18" charset="0"/>
+                        </a:rPr>
+                        <m:t>,</m:t>
+                      </m:r>
+                      <m:sSup>
+                        <m:sSupPr>
+                          <m:ctrlPr>
+                            <a:rPr lang="en-US" b="0" i="1" smtClean="0">
+                              <a:latin typeface="Cambria Math" panose="02040503050406030204" pitchFamily="18" charset="0"/>
+                            </a:rPr>
+                          </m:ctrlPr>
+                        </m:sSupPr>
+                        <m:e>
+                          <m:r>
+                            <a:rPr lang="en-US" b="0" i="1" smtClean="0">
+                              <a:latin typeface="Cambria Math" panose="02040503050406030204" pitchFamily="18" charset="0"/>
+                            </a:rPr>
+                            <m:t>𝜌</m:t>
+                          </m:r>
+                        </m:e>
+                        <m:sup>
+                          <m:r>
+                            <a:rPr lang="en-US" b="0" i="1" smtClean="0">
+                              <a:latin typeface="Cambria Math" panose="02040503050406030204" pitchFamily="18" charset="0"/>
+                            </a:rPr>
+                            <m:t>𝑡</m:t>
+                          </m:r>
+                        </m:sup>
+                      </m:sSup>
+                    </m:oMath>
+                  </m:oMathPara>
+                </a14:m>
+                <a:endParaRPr lang="en-US" dirty="0"/>
+              </a:p>
+            </p:txBody>
+          </p:sp>
+        </mc:Choice>
+        <mc:Fallback>
+          <p:sp>
+            <p:nvSpPr>
+              <p:cNvPr id="17" name="TextBox 16">
+                <a:extLst>
+                  <a:ext uri="{FF2B5EF4-FFF2-40B4-BE49-F238E27FC236}">
+                    <a16:creationId xmlns:a16="http://schemas.microsoft.com/office/drawing/2014/main" id="{19EAF7B0-8BC6-4620-B606-32EB7F28C306}"/>
+                  </a:ext>
+                </a:extLst>
+              </p:cNvPr>
+              <p:cNvSpPr txBox="1">
+                <a:spLocks noRot="1" noChangeAspect="1" noMove="1" noResize="1" noEditPoints="1" noAdjustHandles="1" noChangeArrowheads="1" noChangeShapeType="1" noTextEdit="1"/>
+              </p:cNvSpPr>
+              <p:nvPr/>
+            </p:nvSpPr>
+            <p:spPr>
+              <a:xfrm>
+                <a:off x="10271319" y="2415270"/>
+                <a:ext cx="801566" cy="369332"/>
+              </a:xfrm>
+              <a:prstGeom prst="rect">
+                <a:avLst/>
+              </a:prstGeom>
+              <a:blipFill>
+                <a:blip r:embed="rId3"/>
+                <a:stretch>
+                  <a:fillRect b="-6557"/>
+                </a:stretch>
+              </a:blipFill>
+            </p:spPr>
+            <p:txBody>
+              <a:bodyPr/>
+              <a:lstStyle/>
+              <a:p>
+                <a:r>
+                  <a:rPr lang="en-US">
+                    <a:noFill/>
+                  </a:rPr>
+                  <a:t> </a:t>
+                </a:r>
+              </a:p>
+            </p:txBody>
+          </p:sp>
+        </mc:Fallback>
+      </mc:AlternateContent>
+      <p:cxnSp>
+        <p:nvCxnSpPr>
+          <p:cNvPr id="18" name="Straight Arrow Connector 17">
+            <a:extLst>
+              <a:ext uri="{FF2B5EF4-FFF2-40B4-BE49-F238E27FC236}">
+                <a16:creationId xmlns:a16="http://schemas.microsoft.com/office/drawing/2014/main" id="{3853704C-5D46-4440-82BB-0EFC10037E5A}"/>
+              </a:ext>
+            </a:extLst>
+          </p:cNvPr>
+          <p:cNvCxnSpPr>
+            <a:cxnSpLocks/>
+            <a:stCxn id="17" idx="2"/>
+            <a:endCxn id="50" idx="0"/>
+          </p:cNvCxnSpPr>
+          <p:nvPr/>
+        </p:nvCxnSpPr>
+        <p:spPr>
+          <a:xfrm>
+            <a:off x="10672102" y="2784602"/>
+            <a:ext cx="2004" cy="1747065"/>
+          </a:xfrm>
+          <a:prstGeom prst="straightConnector1">
+            <a:avLst/>
+          </a:prstGeom>
+          <a:ln w="28575">
+            <a:solidFill>
+              <a:schemeClr val="tx1"/>
+            </a:solidFill>
+            <a:tailEnd type="triangle"/>
+          </a:ln>
+        </p:spPr>
+        <p:style>
+          <a:lnRef idx="1">
+            <a:schemeClr val="accent1"/>
+          </a:lnRef>
+          <a:fillRef idx="0">
+            <a:schemeClr val="accent1"/>
+          </a:fillRef>
+          <a:effectRef idx="0">
+            <a:schemeClr val="accent1"/>
+          </a:effectRef>
+          <a:fontRef idx="minor">
+            <a:schemeClr val="tx1"/>
+          </a:fontRef>
+        </p:style>
+      </p:cxnSp>
+      <p:cxnSp>
+        <p:nvCxnSpPr>
+          <p:cNvPr id="25" name="Straight Arrow Connector 24">
+            <a:extLst>
+              <a:ext uri="{FF2B5EF4-FFF2-40B4-BE49-F238E27FC236}">
+                <a16:creationId xmlns:a16="http://schemas.microsoft.com/office/drawing/2014/main" id="{905CE40B-16DF-454A-B03D-700A9F63AF1E}"/>
+              </a:ext>
+            </a:extLst>
+          </p:cNvPr>
+          <p:cNvCxnSpPr>
+            <a:cxnSpLocks/>
+            <a:endCxn id="37" idx="1"/>
+          </p:cNvCxnSpPr>
+          <p:nvPr/>
+        </p:nvCxnSpPr>
+        <p:spPr>
+          <a:xfrm>
+            <a:off x="5916736" y="4844890"/>
+            <a:ext cx="956463" cy="0"/>
+          </a:xfrm>
+          <a:prstGeom prst="straightConnector1">
+            <a:avLst/>
+          </a:prstGeom>
+          <a:ln w="28575">
+            <a:solidFill>
+              <a:schemeClr val="tx1"/>
+            </a:solidFill>
+            <a:tailEnd type="triangle"/>
+          </a:ln>
+        </p:spPr>
+        <p:style>
+          <a:lnRef idx="1">
+            <a:schemeClr val="accent1"/>
+          </a:lnRef>
+          <a:fillRef idx="0">
+            <a:schemeClr val="accent1"/>
+          </a:fillRef>
+          <a:effectRef idx="0">
+            <a:schemeClr val="accent1"/>
+          </a:effectRef>
+          <a:fontRef idx="minor">
+            <a:schemeClr val="tx1"/>
+          </a:fontRef>
+        </p:style>
+      </p:cxnSp>
+      <p:cxnSp>
+        <p:nvCxnSpPr>
+          <p:cNvPr id="26" name="Straight Arrow Connector 25">
+            <a:extLst>
+              <a:ext uri="{FF2B5EF4-FFF2-40B4-BE49-F238E27FC236}">
+                <a16:creationId xmlns:a16="http://schemas.microsoft.com/office/drawing/2014/main" id="{E03E7915-2148-4A59-A484-92678B9EBC83}"/>
+              </a:ext>
+            </a:extLst>
+          </p:cNvPr>
+          <p:cNvCxnSpPr>
+            <a:cxnSpLocks/>
+            <a:stCxn id="7" idx="2"/>
+          </p:cNvCxnSpPr>
+          <p:nvPr/>
+        </p:nvCxnSpPr>
+        <p:spPr>
+          <a:xfrm>
+            <a:off x="5916736" y="2770767"/>
+            <a:ext cx="0" cy="2096766"/>
+          </a:xfrm>
+          <a:prstGeom prst="straightConnector1">
+            <a:avLst/>
+          </a:prstGeom>
+          <a:ln w="28575">
+            <a:solidFill>
+              <a:schemeClr val="tx1"/>
+            </a:solidFill>
+            <a:tailEnd type="triangle"/>
+          </a:ln>
+        </p:spPr>
+        <p:style>
+          <a:lnRef idx="1">
+            <a:schemeClr val="accent1"/>
+          </a:lnRef>
+          <a:fillRef idx="0">
+            <a:schemeClr val="accent1"/>
+          </a:fillRef>
+          <a:effectRef idx="0">
+            <a:schemeClr val="accent1"/>
+          </a:effectRef>
+          <a:fontRef idx="minor">
+            <a:schemeClr val="tx1"/>
+          </a:fontRef>
+        </p:style>
+      </p:cxnSp>
+      <p:cxnSp>
+        <p:nvCxnSpPr>
+          <p:cNvPr id="33" name="Straight Arrow Connector 32">
+            <a:extLst>
+              <a:ext uri="{FF2B5EF4-FFF2-40B4-BE49-F238E27FC236}">
+                <a16:creationId xmlns:a16="http://schemas.microsoft.com/office/drawing/2014/main" id="{99D789F6-6B4B-4204-AD2C-1AC8C5D493C3}"/>
+              </a:ext>
+            </a:extLst>
+          </p:cNvPr>
+          <p:cNvCxnSpPr>
+            <a:cxnSpLocks/>
+            <a:stCxn id="50" idx="1"/>
+            <a:endCxn id="37" idx="3"/>
+          </p:cNvCxnSpPr>
+          <p:nvPr/>
+        </p:nvCxnSpPr>
+        <p:spPr>
+          <a:xfrm flipH="1" flipV="1">
+            <a:off x="8148720" y="4844890"/>
+            <a:ext cx="1453638" cy="9943"/>
+          </a:xfrm>
+          <a:prstGeom prst="straightConnector1">
+            <a:avLst/>
+          </a:prstGeom>
+          <a:ln w="28575">
+            <a:solidFill>
+              <a:schemeClr val="tx1"/>
+            </a:solidFill>
+            <a:tailEnd type="triangle"/>
+          </a:ln>
+        </p:spPr>
+        <p:style>
+          <a:lnRef idx="1">
+            <a:schemeClr val="accent1"/>
+          </a:lnRef>
+          <a:fillRef idx="0">
+            <a:schemeClr val="accent1"/>
+          </a:fillRef>
+          <a:effectRef idx="0">
+            <a:schemeClr val="accent1"/>
+          </a:effectRef>
+          <a:fontRef idx="minor">
+            <a:schemeClr val="tx1"/>
+          </a:fontRef>
+        </p:style>
+      </p:cxnSp>
+      <p:sp>
+        <p:nvSpPr>
+          <p:cNvPr id="37" name="TextBox 36">
+            <a:extLst>
+              <a:ext uri="{FF2B5EF4-FFF2-40B4-BE49-F238E27FC236}">
+                <a16:creationId xmlns:a16="http://schemas.microsoft.com/office/drawing/2014/main" id="{109B4ED3-C26A-42EF-A8EB-ACD05973B4E1}"/>
+              </a:ext>
+            </a:extLst>
+          </p:cNvPr>
+          <p:cNvSpPr txBox="1"/>
+          <p:nvPr/>
+        </p:nvSpPr>
+        <p:spPr>
+          <a:xfrm>
+            <a:off x="6873199" y="4383225"/>
+            <a:ext cx="1275521" cy="923330"/>
+          </a:xfrm>
+          <a:prstGeom prst="rect">
+            <a:avLst/>
+          </a:prstGeom>
+        </p:spPr>
+        <p:style>
+          <a:lnRef idx="2">
+            <a:schemeClr val="dk1"/>
+          </a:lnRef>
+          <a:fillRef idx="1">
+            <a:schemeClr val="lt1"/>
+          </a:fillRef>
+          <a:effectRef idx="0">
+            <a:schemeClr val="dk1"/>
+          </a:effectRef>
+          <a:fontRef idx="minor">
+            <a:schemeClr val="dk1"/>
+          </a:fontRef>
+        </p:style>
+        <p:txBody>
+          <a:bodyPr wrap="square" rtlCol="0">
+            <a:spAutoFit/>
+          </a:bodyPr>
+          <a:lstStyle/>
+          <a:p>
+            <a:pPr algn="ctr"/>
+            <a:endParaRPr lang="en-US" dirty="0"/>
+          </a:p>
+          <a:p>
+            <a:pPr algn="ctr"/>
+            <a:r>
+              <a:rPr lang="en-US" dirty="0"/>
+              <a:t>Cost</a:t>
+            </a:r>
+          </a:p>
+          <a:p>
+            <a:pPr algn="ctr"/>
+            <a:endParaRPr lang="en-US" dirty="0"/>
+          </a:p>
+        </p:txBody>
+      </p:sp>
+      <p:cxnSp>
+        <p:nvCxnSpPr>
+          <p:cNvPr id="38" name="Straight Arrow Connector 37">
+            <a:extLst>
+              <a:ext uri="{FF2B5EF4-FFF2-40B4-BE49-F238E27FC236}">
+                <a16:creationId xmlns:a16="http://schemas.microsoft.com/office/drawing/2014/main" id="{B6610352-6841-4BD5-BE09-3A026E3A85FF}"/>
+              </a:ext>
+            </a:extLst>
+          </p:cNvPr>
+          <p:cNvCxnSpPr>
+            <a:cxnSpLocks/>
+            <a:stCxn id="37" idx="0"/>
+            <a:endCxn id="11" idx="2"/>
+          </p:cNvCxnSpPr>
+          <p:nvPr/>
+        </p:nvCxnSpPr>
+        <p:spPr>
+          <a:xfrm flipV="1">
+            <a:off x="7510960" y="3047766"/>
+            <a:ext cx="8908" cy="1335459"/>
+          </a:xfrm>
+          <a:prstGeom prst="straightConnector1">
+            <a:avLst/>
+          </a:prstGeom>
+          <a:ln w="28575">
+            <a:solidFill>
+              <a:schemeClr val="tx1"/>
+            </a:solidFill>
+            <a:tailEnd type="triangle"/>
+          </a:ln>
+        </p:spPr>
+        <p:style>
+          <a:lnRef idx="1">
+            <a:schemeClr val="accent1"/>
+          </a:lnRef>
+          <a:fillRef idx="0">
+            <a:schemeClr val="accent1"/>
+          </a:fillRef>
+          <a:effectRef idx="0">
+            <a:schemeClr val="accent1"/>
+          </a:effectRef>
+          <a:fontRef idx="minor">
+            <a:schemeClr val="tx1"/>
+          </a:fontRef>
+        </p:style>
+      </p:cxnSp>
+      <p:sp>
+        <p:nvSpPr>
+          <p:cNvPr id="42" name="TextBox 41">
+            <a:extLst>
+              <a:ext uri="{FF2B5EF4-FFF2-40B4-BE49-F238E27FC236}">
+                <a16:creationId xmlns:a16="http://schemas.microsoft.com/office/drawing/2014/main" id="{F4DDA18F-6097-43EE-9AE7-9B8900126594}"/>
+              </a:ext>
+            </a:extLst>
+          </p:cNvPr>
+          <p:cNvSpPr txBox="1"/>
+          <p:nvPr/>
+        </p:nvSpPr>
+        <p:spPr>
+          <a:xfrm rot="5400000">
+            <a:off x="7198655" y="3588317"/>
+            <a:ext cx="966483" cy="369332"/>
+          </a:xfrm>
+          <a:prstGeom prst="rect">
+            <a:avLst/>
+          </a:prstGeom>
+          <a:noFill/>
+        </p:spPr>
+        <p:txBody>
+          <a:bodyPr wrap="none" rtlCol="0">
+            <a:spAutoFit/>
+          </a:bodyPr>
+          <a:lstStyle/>
+          <a:p>
+            <a:r>
+              <a:rPr lang="en-US" dirty="0"/>
+              <a:t>gradient</a:t>
+            </a:r>
+          </a:p>
+        </p:txBody>
+      </p:sp>
+      <mc:AlternateContent xmlns:mc="http://schemas.openxmlformats.org/markup-compatibility/2006">
+        <mc:Choice xmlns:a14="http://schemas.microsoft.com/office/drawing/2010/main" Requires="a14">
+          <p:sp>
+            <p:nvSpPr>
+              <p:cNvPr id="50" name="TextBox 49">
+                <a:extLst>
+                  <a:ext uri="{FF2B5EF4-FFF2-40B4-BE49-F238E27FC236}">
+                    <a16:creationId xmlns:a16="http://schemas.microsoft.com/office/drawing/2014/main" id="{6609D9F0-2014-43ED-892C-EB80453ED832}"/>
+                  </a:ext>
+                </a:extLst>
+              </p:cNvPr>
+              <p:cNvSpPr txBox="1"/>
+              <p:nvPr/>
+            </p:nvSpPr>
+            <p:spPr>
+              <a:xfrm>
+                <a:off x="9602358" y="4531667"/>
+                <a:ext cx="2143495" cy="646331"/>
+              </a:xfrm>
+              <a:prstGeom prst="rect">
+                <a:avLst/>
+              </a:prstGeom>
+            </p:spPr>
+            <p:style>
+              <a:lnRef idx="2">
+                <a:schemeClr val="dk1"/>
+              </a:lnRef>
+              <a:fillRef idx="1">
+                <a:schemeClr val="lt1"/>
+              </a:fillRef>
+              <a:effectRef idx="0">
+                <a:schemeClr val="dk1"/>
+              </a:effectRef>
+              <a:fontRef idx="minor">
+                <a:schemeClr val="dk1"/>
+              </a:fontRef>
+            </p:style>
+            <p:txBody>
+              <a:bodyPr wrap="square" rtlCol="0">
+                <a:spAutoFit/>
+              </a:bodyPr>
+              <a:lstStyle/>
+              <a:p>
+                <a:pPr algn="ctr"/>
+                <a14:m>
+                  <m:oMathPara xmlns:m="http://schemas.openxmlformats.org/officeDocument/2006/math">
+                    <m:oMathParaPr>
+                      <m:jc m:val="centerGroup"/>
+                    </m:oMathParaPr>
+                    <m:oMath xmlns:m="http://schemas.openxmlformats.org/officeDocument/2006/math">
+                      <m:r>
+                        <a:rPr lang="en-US" b="0" i="1" smtClean="0">
+                          <a:latin typeface="Cambria Math" panose="02040503050406030204" pitchFamily="18" charset="0"/>
+                        </a:rPr>
+                        <m:t>𝜙</m:t>
+                      </m:r>
+                      <m:r>
+                        <a:rPr lang="en-US" b="0" i="1" smtClean="0">
+                          <a:latin typeface="Cambria Math" panose="02040503050406030204" pitchFamily="18" charset="0"/>
+                        </a:rPr>
+                        <m:t>(</m:t>
+                      </m:r>
+                      <m:sSup>
+                        <m:sSupPr>
+                          <m:ctrlPr>
+                            <a:rPr lang="en-US" b="0" i="1" smtClean="0">
+                              <a:latin typeface="Cambria Math" panose="02040503050406030204" pitchFamily="18" charset="0"/>
+                            </a:rPr>
+                          </m:ctrlPr>
+                        </m:sSupPr>
+                        <m:e>
+                          <m:r>
+                            <a:rPr lang="en-US" b="0" i="1" smtClean="0">
+                              <a:latin typeface="Cambria Math" panose="02040503050406030204" pitchFamily="18" charset="0"/>
+                            </a:rPr>
+                            <m:t>𝛼</m:t>
+                          </m:r>
+                        </m:e>
+                        <m:sup>
+                          <m:r>
+                            <a:rPr lang="en-US" b="0" i="1" smtClean="0">
+                              <a:latin typeface="Cambria Math" panose="02040503050406030204" pitchFamily="18" charset="0"/>
+                            </a:rPr>
+                            <m:t>𝑡</m:t>
+                          </m:r>
+                        </m:sup>
+                      </m:sSup>
+                      <m:r>
+                        <a:rPr lang="en-US" b="0" i="1" smtClean="0">
+                          <a:latin typeface="Cambria Math" panose="02040503050406030204" pitchFamily="18" charset="0"/>
+                        </a:rPr>
+                        <m:t>,</m:t>
+                      </m:r>
+                      <m:sSup>
+                        <m:sSupPr>
+                          <m:ctrlPr>
+                            <a:rPr lang="en-US" b="0" i="1" smtClean="0">
+                              <a:latin typeface="Cambria Math" panose="02040503050406030204" pitchFamily="18" charset="0"/>
+                            </a:rPr>
+                          </m:ctrlPr>
+                        </m:sSupPr>
+                        <m:e>
+                          <m:r>
+                            <a:rPr lang="en-US" b="0" i="1" smtClean="0">
+                              <a:latin typeface="Cambria Math" panose="02040503050406030204" pitchFamily="18" charset="0"/>
+                            </a:rPr>
+                            <m:t>𝜌</m:t>
+                          </m:r>
+                        </m:e>
+                        <m:sup>
+                          <m:r>
+                            <a:rPr lang="en-US" b="0" i="1" smtClean="0">
+                              <a:latin typeface="Cambria Math" panose="02040503050406030204" pitchFamily="18" charset="0"/>
+                            </a:rPr>
+                            <m:t>𝑡</m:t>
+                          </m:r>
+                        </m:sup>
+                      </m:sSup>
+                      <m:r>
+                        <a:rPr lang="en-US" b="0" i="1" smtClean="0">
+                          <a:latin typeface="Cambria Math" panose="02040503050406030204" pitchFamily="18" charset="0"/>
+                        </a:rPr>
+                        <m:t>)</m:t>
+                      </m:r>
+                    </m:oMath>
+                  </m:oMathPara>
+                </a14:m>
+                <a:endParaRPr lang="en-US" dirty="0"/>
+              </a:p>
+              <a:p>
+                <a:pPr algn="ctr"/>
+                <a:r>
+                  <a:rPr lang="en-US" dirty="0"/>
+                  <a:t>(with </a:t>
+                </a:r>
+                <a:r>
+                  <a:rPr lang="en-US" dirty="0" err="1"/>
+                  <a:t>LogSumExp</a:t>
+                </a:r>
+                <a:r>
+                  <a:rPr lang="en-US" dirty="0"/>
+                  <a:t>)</a:t>
+                </a:r>
+              </a:p>
+            </p:txBody>
+          </p:sp>
+        </mc:Choice>
+        <mc:Fallback>
+          <p:sp>
+            <p:nvSpPr>
+              <p:cNvPr id="50" name="TextBox 49">
+                <a:extLst>
+                  <a:ext uri="{FF2B5EF4-FFF2-40B4-BE49-F238E27FC236}">
+                    <a16:creationId xmlns:a16="http://schemas.microsoft.com/office/drawing/2014/main" id="{6609D9F0-2014-43ED-892C-EB80453ED832}"/>
+                  </a:ext>
+                </a:extLst>
+              </p:cNvPr>
+              <p:cNvSpPr txBox="1">
+                <a:spLocks noRot="1" noChangeAspect="1" noMove="1" noResize="1" noEditPoints="1" noAdjustHandles="1" noChangeArrowheads="1" noChangeShapeType="1" noTextEdit="1"/>
+              </p:cNvSpPr>
+              <p:nvPr/>
+            </p:nvSpPr>
+            <p:spPr>
+              <a:xfrm>
+                <a:off x="9602358" y="4531667"/>
+                <a:ext cx="2143495" cy="646331"/>
+              </a:xfrm>
+              <a:prstGeom prst="rect">
+                <a:avLst/>
+              </a:prstGeom>
+              <a:blipFill>
+                <a:blip r:embed="rId4"/>
+                <a:stretch>
+                  <a:fillRect b="-12963"/>
+                </a:stretch>
+              </a:blipFill>
+            </p:spPr>
+            <p:txBody>
+              <a:bodyPr/>
+              <a:lstStyle/>
+              <a:p>
+                <a:r>
+                  <a:rPr lang="en-US">
+                    <a:noFill/>
+                  </a:rPr>
+                  <a:t> </a:t>
+                </a:r>
+              </a:p>
+            </p:txBody>
+          </p:sp>
+        </mc:Fallback>
+      </mc:AlternateContent>
+      <mc:AlternateContent xmlns:mc="http://schemas.openxmlformats.org/markup-compatibility/2006">
+        <mc:Choice xmlns:a14="http://schemas.microsoft.com/office/drawing/2010/main" Requires="a14">
+          <p:sp>
+            <p:nvSpPr>
+              <p:cNvPr id="54" name="TextBox 53">
+                <a:extLst>
+                  <a:ext uri="{FF2B5EF4-FFF2-40B4-BE49-F238E27FC236}">
+                    <a16:creationId xmlns:a16="http://schemas.microsoft.com/office/drawing/2014/main" id="{B39A4D41-79A3-401E-B499-E5AAD2FEF666}"/>
+                  </a:ext>
+                </a:extLst>
+              </p:cNvPr>
+              <p:cNvSpPr txBox="1"/>
+              <p:nvPr/>
+            </p:nvSpPr>
+            <p:spPr>
+              <a:xfrm>
+                <a:off x="8234843" y="4498201"/>
+                <a:ext cx="1303154" cy="369332"/>
+              </a:xfrm>
+              <a:prstGeom prst="rect">
+                <a:avLst/>
+              </a:prstGeom>
+              <a:noFill/>
+              <a:ln>
+                <a:noFill/>
+              </a:ln>
+            </p:spPr>
+            <p:txBody>
+              <a:bodyPr wrap="square">
+                <a:spAutoFit/>
+              </a:bodyPr>
+              <a:lstStyle/>
+              <a:p>
+                <a:pPr/>
+                <a14:m>
+                  <m:oMathPara xmlns:m="http://schemas.openxmlformats.org/officeDocument/2006/math">
+                    <m:oMathParaPr>
+                      <m:jc m:val="centerGroup"/>
+                    </m:oMathParaPr>
+                    <m:oMath xmlns:m="http://schemas.openxmlformats.org/officeDocument/2006/math">
+                      <m:sSup>
+                        <m:sSupPr>
+                          <m:ctrlPr>
+                            <a:rPr lang="en-US" b="0" i="1" smtClean="0">
+                              <a:latin typeface="Cambria Math" panose="02040503050406030204" pitchFamily="18" charset="0"/>
+                            </a:rPr>
+                          </m:ctrlPr>
+                        </m:sSupPr>
+                        <m:e>
+                          <m:r>
+                            <a:rPr lang="en-US" b="0" i="1" smtClean="0">
+                              <a:latin typeface="Cambria Math" panose="02040503050406030204" pitchFamily="18" charset="0"/>
+                            </a:rPr>
+                            <m:t>𝛼</m:t>
+                          </m:r>
+                        </m:e>
+                        <m:sup>
+                          <m:r>
+                            <a:rPr lang="en-US" b="0" i="1" smtClean="0">
+                              <a:latin typeface="Cambria Math" panose="02040503050406030204" pitchFamily="18" charset="0"/>
+                            </a:rPr>
+                            <m:t>𝑡</m:t>
+                          </m:r>
+                          <m:r>
+                            <a:rPr lang="en-US" b="0" i="1" smtClean="0">
+                              <a:latin typeface="Cambria Math" panose="02040503050406030204" pitchFamily="18" charset="0"/>
+                            </a:rPr>
+                            <m:t>+1</m:t>
+                          </m:r>
+                        </m:sup>
+                      </m:sSup>
+                      <m:r>
+                        <a:rPr lang="en-US" b="0" i="1" smtClean="0">
+                          <a:latin typeface="Cambria Math" panose="02040503050406030204" pitchFamily="18" charset="0"/>
+                        </a:rPr>
+                        <m:t>,</m:t>
+                      </m:r>
+                      <m:sSup>
+                        <m:sSupPr>
+                          <m:ctrlPr>
+                            <a:rPr lang="en-US" b="0" i="1" smtClean="0">
+                              <a:latin typeface="Cambria Math" panose="02040503050406030204" pitchFamily="18" charset="0"/>
+                            </a:rPr>
+                          </m:ctrlPr>
+                        </m:sSupPr>
+                        <m:e>
+                          <m:r>
+                            <a:rPr lang="en-US" b="0" i="1" smtClean="0">
+                              <a:latin typeface="Cambria Math" panose="02040503050406030204" pitchFamily="18" charset="0"/>
+                            </a:rPr>
+                            <m:t>𝜌</m:t>
+                          </m:r>
+                        </m:e>
+                        <m:sup>
+                          <m:r>
+                            <a:rPr lang="en-US" b="0" i="1" smtClean="0">
+                              <a:latin typeface="Cambria Math" panose="02040503050406030204" pitchFamily="18" charset="0"/>
+                            </a:rPr>
+                            <m:t>𝑡</m:t>
+                          </m:r>
+                          <m:r>
+                            <a:rPr lang="en-US" b="0" i="1" smtClean="0">
+                              <a:latin typeface="Cambria Math" panose="02040503050406030204" pitchFamily="18" charset="0"/>
+                            </a:rPr>
+                            <m:t>+1</m:t>
+                          </m:r>
+                        </m:sup>
+                      </m:sSup>
+                    </m:oMath>
+                  </m:oMathPara>
+                </a14:m>
+                <a:endParaRPr lang="en-US" dirty="0"/>
+              </a:p>
+            </p:txBody>
+          </p:sp>
+        </mc:Choice>
+        <mc:Fallback>
+          <p:sp>
+            <p:nvSpPr>
+              <p:cNvPr id="54" name="TextBox 53">
+                <a:extLst>
+                  <a:ext uri="{FF2B5EF4-FFF2-40B4-BE49-F238E27FC236}">
+                    <a16:creationId xmlns:a16="http://schemas.microsoft.com/office/drawing/2014/main" id="{B39A4D41-79A3-401E-B499-E5AAD2FEF666}"/>
+                  </a:ext>
+                </a:extLst>
+              </p:cNvPr>
+              <p:cNvSpPr txBox="1">
+                <a:spLocks noRot="1" noChangeAspect="1" noMove="1" noResize="1" noEditPoints="1" noAdjustHandles="1" noChangeArrowheads="1" noChangeShapeType="1" noTextEdit="1"/>
+              </p:cNvSpPr>
+              <p:nvPr/>
+            </p:nvSpPr>
+            <p:spPr>
+              <a:xfrm>
+                <a:off x="8234843" y="4498201"/>
+                <a:ext cx="1303154" cy="369332"/>
+              </a:xfrm>
+              <a:prstGeom prst="rect">
+                <a:avLst/>
+              </a:prstGeom>
+              <a:blipFill>
+                <a:blip r:embed="rId5"/>
+                <a:stretch>
+                  <a:fillRect b="-6667"/>
+                </a:stretch>
+              </a:blipFill>
+              <a:ln>
+                <a:noFill/>
+              </a:ln>
+            </p:spPr>
+            <p:txBody>
+              <a:bodyPr/>
+              <a:lstStyle/>
+              <a:p>
+                <a:r>
+                  <a:rPr lang="en-US">
+                    <a:noFill/>
+                  </a:rPr>
+                  <a:t> </a:t>
+                </a:r>
+              </a:p>
+            </p:txBody>
+          </p:sp>
+        </mc:Fallback>
+      </mc:AlternateContent>
+      <mc:AlternateContent xmlns:mc="http://schemas.openxmlformats.org/markup-compatibility/2006">
+        <mc:Choice xmlns:a14="http://schemas.microsoft.com/office/drawing/2010/main" Requires="a14">
+          <p:sp>
+            <p:nvSpPr>
+              <p:cNvPr id="68" name="TextBox 67">
+                <a:extLst>
+                  <a:ext uri="{FF2B5EF4-FFF2-40B4-BE49-F238E27FC236}">
+                    <a16:creationId xmlns:a16="http://schemas.microsoft.com/office/drawing/2014/main" id="{E0CD6159-C637-4107-98CA-C4701EACE7C6}"/>
+                  </a:ext>
+                </a:extLst>
+              </p:cNvPr>
+              <p:cNvSpPr txBox="1"/>
+              <p:nvPr/>
+            </p:nvSpPr>
+            <p:spPr>
+              <a:xfrm>
+                <a:off x="5239724" y="823834"/>
+                <a:ext cx="3648819" cy="646331"/>
+              </a:xfrm>
+              <a:prstGeom prst="rect">
+                <a:avLst/>
+              </a:prstGeom>
+              <a:noFill/>
+            </p:spPr>
+            <p:txBody>
+              <a:bodyPr wrap="none" rtlCol="0">
+                <a:spAutoFit/>
+              </a:bodyPr>
+              <a:lstStyle/>
+              <a:p>
+                <a:pPr marL="285750" indent="-285750">
+                  <a:buFont typeface="Arial" panose="020B0604020202020204" pitchFamily="34" charset="0"/>
+                  <a:buChar char="•"/>
+                </a:pPr>
+                <a:r>
+                  <a:rPr lang="en-US" dirty="0">
+                    <a:solidFill>
+                      <a:schemeClr val="accent6"/>
+                    </a:solidFill>
+                  </a:rPr>
+                  <a:t>Test Dataset: pairs of </a:t>
+                </a:r>
+                <a14:m>
+                  <m:oMath xmlns:m="http://schemas.openxmlformats.org/officeDocument/2006/math">
+                    <m:d>
+                      <m:dPr>
+                        <m:ctrlPr>
+                          <a:rPr lang="en-US" b="0" i="1" smtClean="0">
+                            <a:solidFill>
+                              <a:schemeClr val="accent6"/>
+                            </a:solidFill>
+                            <a:latin typeface="Cambria Math" panose="02040503050406030204" pitchFamily="18" charset="0"/>
+                          </a:rPr>
+                        </m:ctrlPr>
+                      </m:dPr>
+                      <m:e>
+                        <m:r>
+                          <a:rPr lang="en-US" b="0" i="1" smtClean="0">
+                            <a:solidFill>
+                              <a:schemeClr val="accent6"/>
+                            </a:solidFill>
+                            <a:latin typeface="Cambria Math" panose="02040503050406030204" pitchFamily="18" charset="0"/>
+                          </a:rPr>
+                          <m:t>𝑤</m:t>
+                        </m:r>
+                        <m:r>
+                          <a:rPr lang="en-US" b="0" i="1" smtClean="0">
+                            <a:solidFill>
+                              <a:schemeClr val="accent6"/>
+                            </a:solidFill>
+                            <a:latin typeface="Cambria Math" panose="02040503050406030204" pitchFamily="18" charset="0"/>
+                          </a:rPr>
+                          <m:t>, </m:t>
+                        </m:r>
+                        <m:d>
+                          <m:dPr>
+                            <m:begChr m:val="["/>
+                            <m:endChr m:val="]"/>
+                            <m:ctrlPr>
+                              <a:rPr lang="en-US" b="0" i="1" smtClean="0">
+                                <a:solidFill>
+                                  <a:schemeClr val="accent6"/>
+                                </a:solidFill>
+                                <a:latin typeface="Cambria Math" panose="02040503050406030204" pitchFamily="18" charset="0"/>
+                              </a:rPr>
+                            </m:ctrlPr>
+                          </m:dPr>
+                          <m:e>
+                            <m:sSup>
+                              <m:sSupPr>
+                                <m:ctrlPr>
+                                  <a:rPr lang="en-US" b="0" i="1" smtClean="0">
+                                    <a:solidFill>
+                                      <a:schemeClr val="accent6"/>
+                                    </a:solidFill>
+                                    <a:latin typeface="Cambria Math" panose="02040503050406030204" pitchFamily="18" charset="0"/>
+                                  </a:rPr>
+                                </m:ctrlPr>
+                              </m:sSupPr>
+                              <m:e>
+                                <m:r>
+                                  <a:rPr lang="en-US" b="0" i="1" smtClean="0">
+                                    <a:solidFill>
+                                      <a:schemeClr val="accent6"/>
+                                    </a:solidFill>
+                                    <a:latin typeface="Cambria Math" panose="02040503050406030204" pitchFamily="18" charset="0"/>
+                                  </a:rPr>
+                                  <m:t>𝛼</m:t>
+                                </m:r>
+                              </m:e>
+                              <m:sup>
+                                <m:r>
+                                  <a:rPr lang="en-US" b="0" i="1" smtClean="0">
+                                    <a:solidFill>
+                                      <a:schemeClr val="accent6"/>
+                                    </a:solidFill>
+                                    <a:latin typeface="Cambria Math" panose="02040503050406030204" pitchFamily="18" charset="0"/>
+                                  </a:rPr>
+                                  <m:t>∗</m:t>
+                                </m:r>
+                              </m:sup>
+                            </m:sSup>
+                            <m:r>
+                              <a:rPr lang="en-US" b="0" i="1" smtClean="0">
+                                <a:solidFill>
+                                  <a:schemeClr val="accent6"/>
+                                </a:solidFill>
+                                <a:latin typeface="Cambria Math" panose="02040503050406030204" pitchFamily="18" charset="0"/>
+                              </a:rPr>
+                              <m:t>,</m:t>
+                            </m:r>
+                            <m:sSup>
+                              <m:sSupPr>
+                                <m:ctrlPr>
+                                  <a:rPr lang="en-US" b="0" i="1" smtClean="0">
+                                    <a:solidFill>
+                                      <a:schemeClr val="accent6"/>
+                                    </a:solidFill>
+                                    <a:latin typeface="Cambria Math" panose="02040503050406030204" pitchFamily="18" charset="0"/>
+                                  </a:rPr>
+                                </m:ctrlPr>
+                              </m:sSupPr>
+                              <m:e>
+                                <m:r>
+                                  <a:rPr lang="en-US" b="0" i="1" smtClean="0">
+                                    <a:solidFill>
+                                      <a:schemeClr val="accent6"/>
+                                    </a:solidFill>
+                                    <a:latin typeface="Cambria Math" panose="02040503050406030204" pitchFamily="18" charset="0"/>
+                                  </a:rPr>
+                                  <m:t>𝜌</m:t>
+                                </m:r>
+                              </m:e>
+                              <m:sup>
+                                <m:r>
+                                  <a:rPr lang="en-US" b="0" i="1" smtClean="0">
+                                    <a:solidFill>
+                                      <a:schemeClr val="accent6"/>
+                                    </a:solidFill>
+                                    <a:latin typeface="Cambria Math" panose="02040503050406030204" pitchFamily="18" charset="0"/>
+                                  </a:rPr>
+                                  <m:t>∗</m:t>
+                                </m:r>
+                              </m:sup>
+                            </m:sSup>
+                          </m:e>
+                        </m:d>
+                      </m:e>
+                    </m:d>
+                  </m:oMath>
+                </a14:m>
+                <a:endParaRPr lang="en-US" dirty="0">
+                  <a:solidFill>
+                    <a:schemeClr val="accent6"/>
+                  </a:solidFill>
+                </a:endParaRPr>
+              </a:p>
+              <a:p>
+                <a:pPr marL="742950" lvl="1" indent="-285750">
+                  <a:buFont typeface="Arial" panose="020B0604020202020204" pitchFamily="34" charset="0"/>
+                  <a:buChar char="•"/>
+                </a:pPr>
+                <a:r>
+                  <a:rPr lang="ko-KR" altLang="en-US" dirty="0">
+                    <a:solidFill>
+                      <a:schemeClr val="accent6"/>
+                    </a:solidFill>
+                  </a:rPr>
+                  <a:t>여기서 </a:t>
+                </a:r>
+                <a:r>
+                  <a:rPr lang="en-US" altLang="ko-KR" dirty="0">
+                    <a:solidFill>
+                      <a:schemeClr val="accent6"/>
+                    </a:solidFill>
+                  </a:rPr>
+                  <a:t>w</a:t>
+                </a:r>
+                <a:r>
+                  <a:rPr lang="ko-KR" altLang="en-US">
+                    <a:solidFill>
+                      <a:schemeClr val="accent6"/>
+                    </a:solidFill>
+                  </a:rPr>
+                  <a:t>만 입력   </a:t>
+                </a:r>
+                <a:endParaRPr lang="en-US" dirty="0">
+                  <a:solidFill>
+                    <a:schemeClr val="accent6"/>
+                  </a:solidFill>
+                </a:endParaRPr>
+              </a:p>
+            </p:txBody>
+          </p:sp>
+        </mc:Choice>
+        <mc:Fallback>
+          <p:sp>
+            <p:nvSpPr>
+              <p:cNvPr id="68" name="TextBox 67">
+                <a:extLst>
+                  <a:ext uri="{FF2B5EF4-FFF2-40B4-BE49-F238E27FC236}">
+                    <a16:creationId xmlns:a16="http://schemas.microsoft.com/office/drawing/2014/main" id="{E0CD6159-C637-4107-98CA-C4701EACE7C6}"/>
+                  </a:ext>
+                </a:extLst>
+              </p:cNvPr>
+              <p:cNvSpPr txBox="1">
+                <a:spLocks noRot="1" noChangeAspect="1" noMove="1" noResize="1" noEditPoints="1" noAdjustHandles="1" noChangeArrowheads="1" noChangeShapeType="1" noTextEdit="1"/>
+              </p:cNvSpPr>
+              <p:nvPr/>
+            </p:nvSpPr>
+            <p:spPr>
+              <a:xfrm>
+                <a:off x="5239724" y="823834"/>
+                <a:ext cx="3648819" cy="646331"/>
+              </a:xfrm>
+              <a:prstGeom prst="rect">
+                <a:avLst/>
+              </a:prstGeom>
+              <a:blipFill>
+                <a:blip r:embed="rId6"/>
+                <a:stretch>
+                  <a:fillRect l="-1171" t="-4717" b="-14151"/>
+                </a:stretch>
+              </a:blipFill>
+            </p:spPr>
+            <p:txBody>
+              <a:bodyPr/>
+              <a:lstStyle/>
+              <a:p>
+                <a:r>
+                  <a:rPr lang="en-US">
+                    <a:noFill/>
+                  </a:rPr>
+                  <a:t> </a:t>
+                </a:r>
+              </a:p>
+            </p:txBody>
+          </p:sp>
+        </mc:Fallback>
+      </mc:AlternateContent>
+      <mc:AlternateContent xmlns:mc="http://schemas.openxmlformats.org/markup-compatibility/2006">
+        <mc:Choice xmlns:a14="http://schemas.microsoft.com/office/drawing/2010/main" Requires="a14">
+          <p:sp>
+            <p:nvSpPr>
+              <p:cNvPr id="75" name="TextBox 74">
+                <a:extLst>
+                  <a:ext uri="{FF2B5EF4-FFF2-40B4-BE49-F238E27FC236}">
+                    <a16:creationId xmlns:a16="http://schemas.microsoft.com/office/drawing/2014/main" id="{2A56D2B3-2368-447A-9EC4-19ECD4C20EEA}"/>
+                  </a:ext>
+                </a:extLst>
+              </p:cNvPr>
+              <p:cNvSpPr txBox="1"/>
+              <p:nvPr/>
+            </p:nvSpPr>
+            <p:spPr>
+              <a:xfrm>
+                <a:off x="5916736" y="5468578"/>
+                <a:ext cx="3921856" cy="369332"/>
+              </a:xfrm>
+              <a:prstGeom prst="rect">
+                <a:avLst/>
+              </a:prstGeom>
+              <a:noFill/>
+            </p:spPr>
+            <p:txBody>
+              <a:bodyPr wrap="square" rtlCol="0">
+                <a:spAutoFit/>
+              </a:bodyPr>
+              <a:lstStyle/>
+              <a:p>
+                <a:pPr marL="285750" indent="-285750">
+                  <a:buFont typeface="Arial" panose="020B0604020202020204" pitchFamily="34" charset="0"/>
+                  <a:buChar char="•"/>
+                </a:pPr>
+                <a:r>
+                  <a:rPr lang="en-US" dirty="0"/>
+                  <a:t>Cost: </a:t>
+                </a:r>
+                <a14:m>
+                  <m:oMath xmlns:m="http://schemas.openxmlformats.org/officeDocument/2006/math">
+                    <m:r>
+                      <m:rPr>
+                        <m:sty m:val="p"/>
+                      </m:rPr>
+                      <a:rPr lang="en-US" b="0" i="0" smtClean="0">
+                        <a:latin typeface="Cambria Math" panose="02040503050406030204" pitchFamily="18" charset="0"/>
+                      </a:rPr>
+                      <m:t>MAE</m:t>
+                    </m:r>
+                    <m:r>
+                      <a:rPr lang="en-US" b="0" i="1" smtClean="0">
+                        <a:latin typeface="Cambria Math" panose="02040503050406030204" pitchFamily="18" charset="0"/>
+                      </a:rPr>
+                      <m:t>(</m:t>
+                    </m:r>
+                    <m:r>
+                      <a:rPr lang="en-US" b="0" i="1" smtClean="0">
+                        <a:latin typeface="Cambria Math" panose="02040503050406030204" pitchFamily="18" charset="0"/>
+                      </a:rPr>
+                      <m:t>[</m:t>
+                    </m:r>
+                    <m:sSup>
+                      <m:sSupPr>
+                        <m:ctrlPr>
+                          <a:rPr lang="en-US" i="1">
+                            <a:latin typeface="Cambria Math" panose="02040503050406030204" pitchFamily="18" charset="0"/>
+                          </a:rPr>
+                        </m:ctrlPr>
+                      </m:sSupPr>
+                      <m:e>
+                        <m:r>
+                          <a:rPr lang="en-US" i="1">
+                            <a:latin typeface="Cambria Math" panose="02040503050406030204" pitchFamily="18" charset="0"/>
+                          </a:rPr>
+                          <m:t>𝛼</m:t>
+                        </m:r>
+                      </m:e>
+                      <m:sup>
+                        <m:r>
+                          <a:rPr lang="en-US" i="1">
+                            <a:latin typeface="Cambria Math" panose="02040503050406030204" pitchFamily="18" charset="0"/>
+                          </a:rPr>
+                          <m:t>𝑡</m:t>
+                        </m:r>
+                      </m:sup>
+                    </m:sSup>
+                    <m:r>
+                      <a:rPr lang="en-US" i="1">
+                        <a:latin typeface="Cambria Math" panose="02040503050406030204" pitchFamily="18" charset="0"/>
+                      </a:rPr>
+                      <m:t>,</m:t>
+                    </m:r>
+                    <m:sSup>
+                      <m:sSupPr>
+                        <m:ctrlPr>
+                          <a:rPr lang="en-US" i="1">
+                            <a:latin typeface="Cambria Math" panose="02040503050406030204" pitchFamily="18" charset="0"/>
+                          </a:rPr>
+                        </m:ctrlPr>
+                      </m:sSupPr>
+                      <m:e>
+                        <m:r>
+                          <a:rPr lang="en-US" i="1">
+                            <a:latin typeface="Cambria Math" panose="02040503050406030204" pitchFamily="18" charset="0"/>
+                          </a:rPr>
+                          <m:t>𝜌</m:t>
+                        </m:r>
+                      </m:e>
+                      <m:sup>
+                        <m:r>
+                          <a:rPr lang="en-US" i="1">
+                            <a:latin typeface="Cambria Math" panose="02040503050406030204" pitchFamily="18" charset="0"/>
+                          </a:rPr>
+                          <m:t>𝑡</m:t>
+                        </m:r>
+                      </m:sup>
+                    </m:sSup>
+                    <m:r>
+                      <a:rPr lang="en-US" b="0" i="1" smtClean="0">
+                        <a:latin typeface="Cambria Math" panose="02040503050406030204" pitchFamily="18" charset="0"/>
+                      </a:rPr>
+                      <m:t>]</m:t>
+                    </m:r>
+                    <m:r>
+                      <a:rPr lang="en-US" b="0" i="1" smtClean="0">
+                        <a:latin typeface="Cambria Math" panose="02040503050406030204" pitchFamily="18" charset="0"/>
+                      </a:rPr>
+                      <m:t>−</m:t>
+                    </m:r>
+                    <m:d>
+                      <m:dPr>
+                        <m:begChr m:val="["/>
+                        <m:endChr m:val="]"/>
+                        <m:ctrlPr>
+                          <a:rPr lang="en-US" i="1">
+                            <a:latin typeface="Cambria Math" panose="02040503050406030204" pitchFamily="18" charset="0"/>
+                          </a:rPr>
+                        </m:ctrlPr>
+                      </m:dPr>
+                      <m:e>
+                        <m:sSup>
+                          <m:sSupPr>
+                            <m:ctrlPr>
+                              <a:rPr lang="en-US" i="1">
+                                <a:latin typeface="Cambria Math" panose="02040503050406030204" pitchFamily="18" charset="0"/>
+                              </a:rPr>
+                            </m:ctrlPr>
+                          </m:sSupPr>
+                          <m:e>
+                            <m:r>
+                              <a:rPr lang="en-US" i="1">
+                                <a:latin typeface="Cambria Math" panose="02040503050406030204" pitchFamily="18" charset="0"/>
+                              </a:rPr>
+                              <m:t>𝛼</m:t>
+                            </m:r>
+                          </m:e>
+                          <m:sup>
+                            <m:r>
+                              <a:rPr lang="en-US" b="0" i="1" smtClean="0">
+                                <a:latin typeface="Cambria Math" panose="02040503050406030204" pitchFamily="18" charset="0"/>
+                              </a:rPr>
+                              <m:t>𝑡</m:t>
+                            </m:r>
+                            <m:r>
+                              <a:rPr lang="en-US" b="0" i="1" smtClean="0">
+                                <a:latin typeface="Cambria Math" panose="02040503050406030204" pitchFamily="18" charset="0"/>
+                              </a:rPr>
+                              <m:t>+1</m:t>
+                            </m:r>
+                          </m:sup>
+                        </m:sSup>
+                        <m:r>
+                          <a:rPr lang="en-US" i="1">
+                            <a:latin typeface="Cambria Math" panose="02040503050406030204" pitchFamily="18" charset="0"/>
+                          </a:rPr>
+                          <m:t>,</m:t>
+                        </m:r>
+                        <m:sSup>
+                          <m:sSupPr>
+                            <m:ctrlPr>
+                              <a:rPr lang="en-US" i="1">
+                                <a:latin typeface="Cambria Math" panose="02040503050406030204" pitchFamily="18" charset="0"/>
+                              </a:rPr>
+                            </m:ctrlPr>
+                          </m:sSupPr>
+                          <m:e>
+                            <m:r>
+                              <a:rPr lang="en-US" i="1">
+                                <a:latin typeface="Cambria Math" panose="02040503050406030204" pitchFamily="18" charset="0"/>
+                              </a:rPr>
+                              <m:t>𝜌</m:t>
+                            </m:r>
+                          </m:e>
+                          <m:sup>
+                            <m:r>
+                              <a:rPr lang="en-US" b="0" i="1" smtClean="0">
+                                <a:latin typeface="Cambria Math" panose="02040503050406030204" pitchFamily="18" charset="0"/>
+                              </a:rPr>
+                              <m:t>𝑡</m:t>
+                            </m:r>
+                            <m:r>
+                              <a:rPr lang="en-US" b="0" i="1" smtClean="0">
+                                <a:latin typeface="Cambria Math" panose="02040503050406030204" pitchFamily="18" charset="0"/>
+                              </a:rPr>
+                              <m:t>+1</m:t>
+                            </m:r>
+                          </m:sup>
+                        </m:sSup>
+                      </m:e>
+                    </m:d>
+                    <m:r>
+                      <a:rPr lang="en-US" b="0" i="1" smtClean="0">
+                        <a:latin typeface="Cambria Math" panose="02040503050406030204" pitchFamily="18" charset="0"/>
+                      </a:rPr>
+                      <m:t>)</m:t>
+                    </m:r>
+                  </m:oMath>
+                </a14:m>
+                <a:endParaRPr lang="en-US" dirty="0"/>
+              </a:p>
+            </p:txBody>
+          </p:sp>
+        </mc:Choice>
+        <mc:Fallback>
+          <p:sp>
+            <p:nvSpPr>
+              <p:cNvPr id="75" name="TextBox 74">
+                <a:extLst>
+                  <a:ext uri="{FF2B5EF4-FFF2-40B4-BE49-F238E27FC236}">
+                    <a16:creationId xmlns:a16="http://schemas.microsoft.com/office/drawing/2014/main" id="{2A56D2B3-2368-447A-9EC4-19ECD4C20EEA}"/>
+                  </a:ext>
+                </a:extLst>
+              </p:cNvPr>
+              <p:cNvSpPr txBox="1">
+                <a:spLocks noRot="1" noChangeAspect="1" noMove="1" noResize="1" noEditPoints="1" noAdjustHandles="1" noChangeArrowheads="1" noChangeShapeType="1" noTextEdit="1"/>
+              </p:cNvSpPr>
+              <p:nvPr/>
+            </p:nvSpPr>
+            <p:spPr>
+              <a:xfrm>
+                <a:off x="5916736" y="5468578"/>
+                <a:ext cx="3921856" cy="369332"/>
+              </a:xfrm>
+              <a:prstGeom prst="rect">
+                <a:avLst/>
+              </a:prstGeom>
+              <a:blipFill>
+                <a:blip r:embed="rId7"/>
+                <a:stretch>
+                  <a:fillRect l="-1089" t="-8197" b="-24590"/>
+                </a:stretch>
+              </a:blipFill>
+            </p:spPr>
+            <p:txBody>
+              <a:bodyPr/>
+              <a:lstStyle/>
+              <a:p>
+                <a:r>
+                  <a:rPr lang="en-US">
+                    <a:noFill/>
+                  </a:rPr>
+                  <a:t> </a:t>
+                </a:r>
+              </a:p>
+            </p:txBody>
+          </p:sp>
+        </mc:Fallback>
+      </mc:AlternateContent>
+      <p:cxnSp>
+        <p:nvCxnSpPr>
+          <p:cNvPr id="77" name="Straight Connector 76">
+            <a:extLst>
+              <a:ext uri="{FF2B5EF4-FFF2-40B4-BE49-F238E27FC236}">
+                <a16:creationId xmlns:a16="http://schemas.microsoft.com/office/drawing/2014/main" id="{64EA87C7-0FAE-4B7D-9E97-E3B1AB7565F2}"/>
+              </a:ext>
+            </a:extLst>
+          </p:cNvPr>
+          <p:cNvCxnSpPr/>
+          <p:nvPr/>
+        </p:nvCxnSpPr>
+        <p:spPr>
+          <a:xfrm>
+            <a:off x="4864100" y="0"/>
+            <a:ext cx="0" cy="6858000"/>
+          </a:xfrm>
+          <a:prstGeom prst="line">
+            <a:avLst/>
+          </a:prstGeom>
+          <a:ln w="38100">
+            <a:prstDash val="sysDot"/>
+          </a:ln>
+        </p:spPr>
+        <p:style>
+          <a:lnRef idx="1">
+            <a:schemeClr val="dk1"/>
+          </a:lnRef>
+          <a:fillRef idx="0">
+            <a:schemeClr val="dk1"/>
+          </a:fillRef>
+          <a:effectRef idx="0">
+            <a:schemeClr val="dk1"/>
+          </a:effectRef>
+          <a:fontRef idx="minor">
+            <a:schemeClr val="tx1"/>
+          </a:fontRef>
+        </p:style>
+      </p:cxnSp>
+      <p:grpSp>
+        <p:nvGrpSpPr>
+          <p:cNvPr id="84" name="Group 83">
+            <a:extLst>
+              <a:ext uri="{FF2B5EF4-FFF2-40B4-BE49-F238E27FC236}">
+                <a16:creationId xmlns:a16="http://schemas.microsoft.com/office/drawing/2014/main" id="{981B1DEC-E4EC-4C64-9D59-D540CA246159}"/>
+              </a:ext>
+            </a:extLst>
+          </p:cNvPr>
+          <p:cNvGrpSpPr/>
+          <p:nvPr/>
+        </p:nvGrpSpPr>
+        <p:grpSpPr>
+          <a:xfrm>
+            <a:off x="10517528" y="140143"/>
+            <a:ext cx="1674472" cy="1551445"/>
+            <a:chOff x="10307660" y="-1"/>
+            <a:chExt cx="1884338" cy="2060347"/>
+          </a:xfrm>
+        </p:grpSpPr>
+        <p:pic>
+          <p:nvPicPr>
+            <p:cNvPr id="81" name="Picture 80">
+              <a:extLst>
+                <a:ext uri="{FF2B5EF4-FFF2-40B4-BE49-F238E27FC236}">
+                  <a16:creationId xmlns:a16="http://schemas.microsoft.com/office/drawing/2014/main" id="{528ECEB6-D1C6-4021-B899-4C7DFADEB7DF}"/>
+                </a:ext>
+              </a:extLst>
+            </p:cNvPr>
+            <p:cNvPicPr>
+              <a:picLocks noChangeAspect="1"/>
+            </p:cNvPicPr>
+            <p:nvPr/>
+          </p:nvPicPr>
+          <p:blipFill rotWithShape="1">
+            <a:blip r:embed="rId8"/>
+            <a:srcRect t="3626" r="6587"/>
+            <a:stretch/>
+          </p:blipFill>
+          <p:spPr>
+            <a:xfrm>
+              <a:off x="10331106" y="-1"/>
+              <a:ext cx="1860892" cy="2060347"/>
+            </a:xfrm>
+            <a:prstGeom prst="rect">
+              <a:avLst/>
+            </a:prstGeom>
+          </p:spPr>
+        </p:pic>
+        <p:pic>
+          <p:nvPicPr>
+            <p:cNvPr id="83" name="Picture 82">
+              <a:extLst>
+                <a:ext uri="{FF2B5EF4-FFF2-40B4-BE49-F238E27FC236}">
+                  <a16:creationId xmlns:a16="http://schemas.microsoft.com/office/drawing/2014/main" id="{B4E25594-3EA2-496B-8C21-06DE63D7BD06}"/>
+                </a:ext>
+              </a:extLst>
+            </p:cNvPr>
+            <p:cNvPicPr>
+              <a:picLocks noChangeAspect="1"/>
+            </p:cNvPicPr>
+            <p:nvPr/>
+          </p:nvPicPr>
+          <p:blipFill>
+            <a:blip r:embed="rId9"/>
+            <a:stretch>
+              <a:fillRect/>
+            </a:stretch>
+          </p:blipFill>
+          <p:spPr>
+            <a:xfrm>
+              <a:off x="10307660" y="549126"/>
+              <a:ext cx="838317" cy="238158"/>
+            </a:xfrm>
+            <a:prstGeom prst="rect">
+              <a:avLst/>
+            </a:prstGeom>
+          </p:spPr>
+        </p:pic>
+      </p:grpSp>
+      <p:pic>
+        <p:nvPicPr>
+          <p:cNvPr id="85" name="Picture 84">
+            <a:extLst>
+              <a:ext uri="{FF2B5EF4-FFF2-40B4-BE49-F238E27FC236}">
+                <a16:creationId xmlns:a16="http://schemas.microsoft.com/office/drawing/2014/main" id="{B0C32A46-AAF3-40FF-848E-BBB25C17B5D4}"/>
+              </a:ext>
+            </a:extLst>
+          </p:cNvPr>
+          <p:cNvPicPr>
+            <a:picLocks noChangeAspect="1"/>
+          </p:cNvPicPr>
+          <p:nvPr/>
+        </p:nvPicPr>
+        <p:blipFill>
+          <a:blip r:embed="rId9"/>
+          <a:stretch>
+            <a:fillRect/>
+          </a:stretch>
+        </p:blipFill>
+        <p:spPr>
+          <a:xfrm>
+            <a:off x="3753885" y="1034941"/>
+            <a:ext cx="838317" cy="238158"/>
+          </a:xfrm>
+          <a:prstGeom prst="rect">
+            <a:avLst/>
+          </a:prstGeom>
+        </p:spPr>
+      </p:pic>
+    </p:spTree>
+    <p:extLst>
+      <p:ext uri="{BB962C8B-B14F-4D97-AF65-F5344CB8AC3E}">
+        <p14:creationId xmlns:p14="http://schemas.microsoft.com/office/powerpoint/2010/main" val="278743465"/>
       </p:ext>
     </p:extLst>
   </p:cSld>

--- a/memo.pptx
+++ b/memo.pptx
@@ -5,11 +5,12 @@
     <p:sldMasterId id="2147483648" r:id="rId1"/>
   </p:sldMasterIdLst>
   <p:notesMasterIdLst>
-    <p:notesMasterId r:id="rId4"/>
+    <p:notesMasterId r:id="rId5"/>
   </p:notesMasterIdLst>
   <p:sldIdLst>
     <p:sldId id="256" r:id="rId2"/>
     <p:sldId id="257" r:id="rId3"/>
+    <p:sldId id="258" r:id="rId4"/>
   </p:sldIdLst>
   <p:sldSz cx="12192000" cy="6858000"/>
   <p:notesSz cx="6858000" cy="9144000"/>
@@ -4246,8 +4247,8 @@
           </a:fontRef>
         </p:style>
       </p:cxnSp>
-      <mc:AlternateContent xmlns:mc="http://schemas.openxmlformats.org/markup-compatibility/2006">
-        <mc:Choice xmlns:a14="http://schemas.microsoft.com/office/drawing/2010/main" Requires="a14">
+      <mc:AlternateContent xmlns:mc="http://schemas.openxmlformats.org/markup-compatibility/2006" xmlns:a14="http://schemas.microsoft.com/office/drawing/2010/main">
+        <mc:Choice Requires="a14">
           <p:sp>
             <p:nvSpPr>
               <p:cNvPr id="17" name="TextBox 16">
@@ -4276,6 +4277,7 @@
               </a:bodyPr>
               <a:lstStyle/>
               <a:p>
+                <a:pPr/>
                 <a14:m>
                   <m:oMathPara xmlns:m="http://schemas.openxmlformats.org/officeDocument/2006/math">
                     <m:oMathParaPr>
@@ -4346,7 +4348,7 @@
             </p:txBody>
           </p:sp>
         </mc:Choice>
-        <mc:Fallback>
+        <mc:Fallback xmlns="">
           <p:sp>
             <p:nvSpPr>
               <p:cNvPr id="17" name="TextBox 16">
@@ -4711,8 +4713,8 @@
           </a:p>
         </p:txBody>
       </p:sp>
-      <mc:AlternateContent xmlns:mc="http://schemas.openxmlformats.org/markup-compatibility/2006">
-        <mc:Choice xmlns:a14="http://schemas.microsoft.com/office/drawing/2010/main" Requires="a14">
+      <mc:AlternateContent xmlns:mc="http://schemas.openxmlformats.org/markup-compatibility/2006" xmlns:a14="http://schemas.microsoft.com/office/drawing/2010/main">
+        <mc:Choice Requires="a14">
           <p:sp>
             <p:nvSpPr>
               <p:cNvPr id="50" name="TextBox 49">
@@ -4858,7 +4860,7 @@
             </p:txBody>
           </p:sp>
         </mc:Choice>
-        <mc:Fallback>
+        <mc:Fallback xmlns="">
           <p:sp>
             <p:nvSpPr>
               <p:cNvPr id="50" name="TextBox 49">
@@ -4903,8 +4905,8 @@
           </p:sp>
         </mc:Fallback>
       </mc:AlternateContent>
-      <mc:AlternateContent xmlns:mc="http://schemas.openxmlformats.org/markup-compatibility/2006">
-        <mc:Choice xmlns:a14="http://schemas.microsoft.com/office/drawing/2010/main" Requires="a14">
+      <mc:AlternateContent xmlns:mc="http://schemas.openxmlformats.org/markup-compatibility/2006" xmlns:a14="http://schemas.microsoft.com/office/drawing/2010/main">
+        <mc:Choice Requires="a14">
           <p:sp>
             <p:nvSpPr>
               <p:cNvPr id="54" name="TextBox 53">
@@ -5019,7 +5021,7 @@
             </p:txBody>
           </p:sp>
         </mc:Choice>
-        <mc:Fallback>
+        <mc:Fallback xmlns="">
           <p:sp>
             <p:nvSpPr>
               <p:cNvPr id="54" name="TextBox 53">
@@ -5067,8 +5069,8 @@
           </p:sp>
         </mc:Fallback>
       </mc:AlternateContent>
-      <mc:AlternateContent xmlns:mc="http://schemas.openxmlformats.org/markup-compatibility/2006">
-        <mc:Choice xmlns:a14="http://schemas.microsoft.com/office/drawing/2010/main" Requires="a14">
+      <mc:AlternateContent xmlns:mc="http://schemas.openxmlformats.org/markup-compatibility/2006" xmlns:a14="http://schemas.microsoft.com/office/drawing/2010/main">
+        <mc:Choice Requires="a14">
           <p:sp>
             <p:nvSpPr>
               <p:cNvPr id="68" name="TextBox 67">
@@ -5282,7 +5284,7 @@
             </p:txBody>
           </p:sp>
         </mc:Choice>
-        <mc:Fallback>
+        <mc:Fallback xmlns="">
           <p:sp>
             <p:nvSpPr>
               <p:cNvPr id="68" name="TextBox 67">
@@ -5327,8 +5329,8 @@
           </p:sp>
         </mc:Fallback>
       </mc:AlternateContent>
-      <mc:AlternateContent xmlns:mc="http://schemas.openxmlformats.org/markup-compatibility/2006">
-        <mc:Choice xmlns:a14="http://schemas.microsoft.com/office/drawing/2010/main" Requires="a14">
+      <mc:AlternateContent xmlns:mc="http://schemas.openxmlformats.org/markup-compatibility/2006" xmlns:a14="http://schemas.microsoft.com/office/drawing/2010/main">
+        <mc:Choice Requires="a14">
           <p:sp>
             <p:nvSpPr>
               <p:cNvPr id="75" name="TextBox 74">
@@ -5380,13 +5382,7 @@
                       <a:rPr lang="en-US" b="0" i="1" smtClean="0">
                         <a:latin typeface="Cambria Math" panose="02040503050406030204" pitchFamily="18" charset="0"/>
                       </a:rPr>
-                      <m:t>(</m:t>
-                    </m:r>
-                    <m:r>
-                      <a:rPr lang="en-US" b="0" i="1" smtClean="0">
-                        <a:latin typeface="Cambria Math" panose="02040503050406030204" pitchFamily="18" charset="0"/>
-                      </a:rPr>
-                      <m:t>[</m:t>
+                      <m:t>([</m:t>
                     </m:r>
                     <m:sSup>
                       <m:sSupPr>
@@ -5448,13 +5444,7 @@
                       <a:rPr lang="en-US" b="0" i="1" smtClean="0">
                         <a:latin typeface="Cambria Math" panose="02040503050406030204" pitchFamily="18" charset="0"/>
                       </a:rPr>
-                      <m:t>]</m:t>
-                    </m:r>
-                    <m:r>
-                      <a:rPr lang="en-US" b="0" i="1" smtClean="0">
-                        <a:latin typeface="Cambria Math" panose="02040503050406030204" pitchFamily="18" charset="0"/>
-                      </a:rPr>
-                      <m:t>−</m:t>
+                      <m:t>]−</m:t>
                     </m:r>
                     <m:d>
                       <m:dPr>
@@ -5550,7 +5540,7 @@
             </p:txBody>
           </p:sp>
         </mc:Choice>
-        <mc:Fallback>
+        <mc:Fallback xmlns="">
           <p:sp>
             <p:nvSpPr>
               <p:cNvPr id="75" name="TextBox 74">
@@ -5748,6 +5738,438 @@
     <p:extLst>
       <p:ext uri="{BB962C8B-B14F-4D97-AF65-F5344CB8AC3E}">
         <p14:creationId xmlns:p14="http://schemas.microsoft.com/office/powerpoint/2010/main" val="278743465"/>
+      </p:ext>
+    </p:extLst>
+  </p:cSld>
+  <p:clrMapOvr>
+    <a:masterClrMapping/>
+  </p:clrMapOvr>
+</p:sld>
+</file>
+
+<file path=ppt/slides/slide3.xml><?xml version="1.0" encoding="utf-8"?>
+<p:sld xmlns:a="http://schemas.openxmlformats.org/drawingml/2006/main" xmlns:r="http://schemas.openxmlformats.org/officeDocument/2006/relationships" xmlns:p="http://schemas.openxmlformats.org/presentationml/2006/main">
+  <p:cSld>
+    <p:spTree>
+      <p:nvGrpSpPr>
+        <p:cNvPr id="1" name=""/>
+        <p:cNvGrpSpPr/>
+        <p:nvPr/>
+      </p:nvGrpSpPr>
+      <p:grpSpPr>
+        <a:xfrm>
+          <a:off x="0" y="0"/>
+          <a:ext cx="0" cy="0"/>
+          <a:chOff x="0" y="0"/>
+          <a:chExt cx="0" cy="0"/>
+        </a:xfrm>
+      </p:grpSpPr>
+      <p:sp>
+        <p:nvSpPr>
+          <p:cNvPr id="2" name="Title 1">
+            <a:extLst>
+              <a:ext uri="{FF2B5EF4-FFF2-40B4-BE49-F238E27FC236}">
+                <a16:creationId xmlns:a16="http://schemas.microsoft.com/office/drawing/2014/main" id="{4A550041-C28C-41BF-8A38-2A0FB100E661}"/>
+              </a:ext>
+            </a:extLst>
+          </p:cNvPr>
+          <p:cNvSpPr>
+            <a:spLocks noGrp="1"/>
+          </p:cNvSpPr>
+          <p:nvPr>
+            <p:ph type="title"/>
+          </p:nvPr>
+        </p:nvSpPr>
+        <p:spPr>
+          <a:xfrm>
+            <a:off x="838200" y="365126"/>
+            <a:ext cx="10515600" cy="490552"/>
+          </a:xfrm>
+        </p:spPr>
+        <p:txBody>
+          <a:bodyPr>
+            <a:normAutofit/>
+          </a:bodyPr>
+          <a:lstStyle/>
+          <a:p>
+            <a:r>
+              <a:rPr lang="en-US" sz="2000" dirty="0"/>
+              <a:t>Unsupervised</a:t>
+            </a:r>
+            <a:r>
+              <a:rPr lang="ko-KR" altLang="en-US" sz="2000" dirty="0"/>
+              <a:t> 결과 </a:t>
+            </a:r>
+            <a:endParaRPr lang="en-US" sz="2000" dirty="0"/>
+          </a:p>
+        </p:txBody>
+      </p:sp>
+      <p:sp>
+        <p:nvSpPr>
+          <p:cNvPr id="3" name="Content Placeholder 2">
+            <a:extLst>
+              <a:ext uri="{FF2B5EF4-FFF2-40B4-BE49-F238E27FC236}">
+                <a16:creationId xmlns:a16="http://schemas.microsoft.com/office/drawing/2014/main" id="{11ED9F6A-7EA7-4254-86A9-7F7F689A17AA}"/>
+              </a:ext>
+            </a:extLst>
+          </p:cNvPr>
+          <p:cNvSpPr>
+            <a:spLocks noGrp="1"/>
+          </p:cNvSpPr>
+          <p:nvPr>
+            <p:ph idx="1"/>
+          </p:nvPr>
+        </p:nvSpPr>
+        <p:spPr>
+          <a:xfrm>
+            <a:off x="838200" y="855678"/>
+            <a:ext cx="10515600" cy="5494788"/>
+          </a:xfrm>
+        </p:spPr>
+        <p:txBody>
+          <a:bodyPr>
+            <a:normAutofit/>
+          </a:bodyPr>
+          <a:lstStyle/>
+          <a:p>
+            <a:r>
+              <a:rPr lang="en-US" sz="1800" dirty="0"/>
+              <a:t>80000</a:t>
+            </a:r>
+            <a:r>
+              <a:rPr lang="ko-KR" altLang="en-US" sz="1800" dirty="0"/>
+              <a:t>개 </a:t>
+            </a:r>
+            <a:r>
+              <a:rPr lang="en-US" altLang="ko-KR" sz="1800" dirty="0"/>
+              <a:t>w(5x5</a:t>
+            </a:r>
+            <a:r>
+              <a:rPr lang="ko-KR" altLang="en-US" sz="1800" dirty="0"/>
+              <a:t>행렬</a:t>
+            </a:r>
+            <a:r>
+              <a:rPr lang="en-US" altLang="ko-KR" sz="1800" dirty="0"/>
+              <a:t>)</a:t>
+            </a:r>
+            <a:r>
+              <a:rPr lang="ko-KR" altLang="en-US" sz="1800" dirty="0"/>
+              <a:t>에 대해 </a:t>
+            </a:r>
+            <a:r>
+              <a:rPr lang="en-US" altLang="ko-KR" sz="1800" dirty="0"/>
+              <a:t>training</a:t>
+            </a:r>
+            <a:r>
+              <a:rPr lang="ko-KR" altLang="en-US" sz="1800" dirty="0"/>
+              <a:t>시</a:t>
+            </a:r>
+            <a:endParaRPr lang="en-US" altLang="ko-KR" sz="1800" dirty="0"/>
+          </a:p>
+          <a:p>
+            <a:pPr lvl="1"/>
+            <a:r>
+              <a:rPr lang="en-US" sz="1800" dirty="0"/>
+              <a:t>Test set(20000</a:t>
+            </a:r>
+            <a:r>
+              <a:rPr lang="ko-KR" altLang="en-US" sz="1800" dirty="0"/>
+              <a:t>개</a:t>
+            </a:r>
+            <a:r>
+              <a:rPr lang="en-US" altLang="ko-KR" sz="1800" dirty="0"/>
+              <a:t>) </a:t>
+            </a:r>
+            <a:r>
+              <a:rPr lang="ko-KR" altLang="en-US" sz="1800" dirty="0"/>
+              <a:t>랑</a:t>
+            </a:r>
+            <a:r>
+              <a:rPr lang="en-US" sz="1800" dirty="0"/>
+              <a:t> train</a:t>
+            </a:r>
+            <a:r>
+              <a:rPr lang="ko-KR" altLang="en-US" sz="1800" dirty="0"/>
+              <a:t> </a:t>
+            </a:r>
+            <a:r>
+              <a:rPr lang="en-US" altLang="ko-KR" sz="1800" dirty="0"/>
+              <a:t>set</a:t>
+            </a:r>
+            <a:r>
+              <a:rPr lang="ko-KR" altLang="en-US" sz="1800" dirty="0"/>
+              <a:t>의 </a:t>
+            </a:r>
+            <a:r>
+              <a:rPr lang="en-US" altLang="ko-KR" sz="1800" dirty="0"/>
+              <a:t>validity</a:t>
+            </a:r>
+            <a:r>
+              <a:rPr lang="ko-KR" altLang="en-US" sz="1800" dirty="0"/>
+              <a:t>가 </a:t>
+            </a:r>
+            <a:r>
+              <a:rPr lang="en-US" altLang="ko-KR" sz="1800" dirty="0"/>
+              <a:t>15% </a:t>
+            </a:r>
+            <a:r>
+              <a:rPr lang="ko-KR" altLang="en-US" sz="1800" dirty="0"/>
+              <a:t>전후로 같음</a:t>
+            </a:r>
+            <a:endParaRPr lang="en-US" altLang="ko-KR" sz="1800" dirty="0"/>
+          </a:p>
+          <a:p>
+            <a:pPr lvl="1"/>
+            <a:r>
+              <a:rPr lang="en-US" sz="1800" dirty="0"/>
+              <a:t>Validity</a:t>
+            </a:r>
+            <a:r>
+              <a:rPr lang="ko-KR" altLang="en-US" sz="1800" dirty="0"/>
+              <a:t>는 </a:t>
+            </a:r>
+            <a:r>
+              <a:rPr lang="en-US" altLang="ko-KR" sz="1800" dirty="0"/>
+              <a:t>D</a:t>
+            </a:r>
+            <a:r>
+              <a:rPr lang="ko-KR" altLang="en-US" sz="1800" dirty="0"/>
+              <a:t>행렬의 </a:t>
+            </a:r>
+            <a:r>
+              <a:rPr lang="en-US" altLang="ko-KR" sz="1800" dirty="0"/>
+              <a:t>constraint</a:t>
+            </a:r>
+            <a:r>
+              <a:rPr lang="ko-KR" altLang="en-US" sz="1800" dirty="0"/>
+              <a:t>가 맞는지 여부로 판단</a:t>
+            </a:r>
+            <a:endParaRPr lang="en-US" altLang="ko-KR" sz="1800" dirty="0"/>
+          </a:p>
+          <a:p>
+            <a:pPr lvl="1"/>
+            <a:r>
+              <a:rPr lang="en-US" altLang="ko-KR" sz="1800" dirty="0"/>
+              <a:t>Training loss</a:t>
+            </a:r>
+            <a:r>
+              <a:rPr lang="ko-KR" altLang="en-US" sz="1800" dirty="0"/>
+              <a:t>는 </a:t>
+            </a:r>
+            <a:r>
+              <a:rPr lang="en-US" altLang="ko-KR" sz="1800" dirty="0"/>
+              <a:t>0.001 </a:t>
+            </a:r>
+            <a:r>
+              <a:rPr lang="ko-KR" altLang="en-US" sz="1800" dirty="0"/>
+              <a:t>단위였음</a:t>
+            </a:r>
+            <a:endParaRPr lang="en-US" altLang="ko-KR" sz="1800" dirty="0"/>
+          </a:p>
+          <a:p>
+            <a:pPr lvl="1"/>
+            <a:r>
+              <a:rPr lang="ko-KR" altLang="en-US" sz="1800" dirty="0"/>
+              <a:t>약 </a:t>
+            </a:r>
+            <a:r>
+              <a:rPr lang="en-US" altLang="ko-KR" sz="1800" dirty="0"/>
+              <a:t>75</a:t>
+            </a:r>
+            <a:r>
+              <a:rPr lang="ko-KR" altLang="en-US" sz="1800" dirty="0"/>
+              <a:t>분 걸림</a:t>
+            </a:r>
+            <a:endParaRPr lang="en-US" altLang="ko-KR" sz="1800" dirty="0"/>
+          </a:p>
+          <a:p>
+            <a:endParaRPr lang="en-US" sz="1800" dirty="0"/>
+          </a:p>
+          <a:p>
+            <a:r>
+              <a:rPr lang="en-US" altLang="ko-KR" sz="1800" dirty="0"/>
+              <a:t>(uniform </a:t>
+            </a:r>
+            <a:r>
+              <a:rPr lang="ko-KR" altLang="en-US" sz="1800" dirty="0"/>
+              <a:t>분포에서 </a:t>
+            </a:r>
+            <a:r>
+              <a:rPr lang="en-US" altLang="ko-KR" sz="1800" dirty="0"/>
+              <a:t>sample</a:t>
+            </a:r>
+            <a:r>
+              <a:rPr lang="ko-KR" altLang="en-US" sz="1800" dirty="0"/>
+              <a:t>된 </a:t>
+            </a:r>
+            <a:r>
+              <a:rPr lang="en-US" altLang="ko-KR" sz="1800" dirty="0"/>
+              <a:t>w</a:t>
+            </a:r>
+            <a:r>
+              <a:rPr lang="ko-KR" altLang="en-US" sz="1800" dirty="0"/>
+              <a:t>보다</a:t>
+            </a:r>
+            <a:r>
+              <a:rPr lang="en-US" altLang="ko-KR" sz="1800" dirty="0"/>
+              <a:t>)  </a:t>
+            </a:r>
+            <a:r>
+              <a:rPr lang="ko-KR" altLang="en-US" sz="1800" dirty="0"/>
+              <a:t>좀 더 쉬운 문제들로 구성해서 학습</a:t>
+            </a:r>
+            <a:r>
+              <a:rPr lang="en-US" altLang="ko-KR" sz="1800" dirty="0"/>
+              <a:t>?</a:t>
+            </a:r>
+          </a:p>
+          <a:p>
+            <a:pPr lvl="1"/>
+            <a:r>
+              <a:rPr lang="en-US" altLang="ko-KR" sz="1800" dirty="0"/>
+              <a:t>Dataset</a:t>
+            </a:r>
+            <a:r>
+              <a:rPr lang="ko-KR" altLang="en-US" sz="1800" dirty="0"/>
+              <a:t>의 </a:t>
+            </a:r>
+            <a:r>
+              <a:rPr lang="en-US" altLang="ko-KR" sz="1800" dirty="0"/>
+              <a:t>w</a:t>
+            </a:r>
+            <a:r>
+              <a:rPr lang="ko-KR" altLang="en-US" sz="1800" dirty="0"/>
+              <a:t>를 </a:t>
+            </a:r>
+            <a:r>
+              <a:rPr lang="en-US" altLang="ko-KR" sz="1800" dirty="0"/>
+              <a:t>quantizing </a:t>
+            </a:r>
+            <a:r>
+              <a:rPr lang="ko-KR" altLang="en-US" sz="1800" dirty="0"/>
+              <a:t>함 </a:t>
+            </a:r>
+            <a:r>
+              <a:rPr lang="en-US" altLang="ko-KR" sz="1800" dirty="0"/>
+              <a:t>– {0, 0.1, 0.2 ,…, 0.9, 1.0}</a:t>
+            </a:r>
+            <a:r>
+              <a:rPr lang="ko-KR" altLang="en-US" sz="1800" dirty="0"/>
+              <a:t> 으로 </a:t>
+            </a:r>
+            <a:r>
+              <a:rPr lang="en-US" altLang="ko-KR" sz="1800" dirty="0"/>
+              <a:t>– </a:t>
+            </a:r>
+            <a:r>
+              <a:rPr lang="ko-KR" altLang="en-US" sz="1800" dirty="0"/>
+              <a:t>도움 </a:t>
+            </a:r>
+            <a:r>
+              <a:rPr lang="en-US" altLang="ko-KR" sz="1800" dirty="0"/>
+              <a:t>X</a:t>
+            </a:r>
+          </a:p>
+          <a:p>
+            <a:pPr lvl="1"/>
+            <a:r>
+              <a:rPr lang="ko-KR" altLang="en-US" sz="1800" dirty="0"/>
+              <a:t>답이 뻔한 상황으들로 구성 </a:t>
+            </a:r>
+            <a:r>
+              <a:rPr lang="en-US" altLang="ko-KR" sz="1800" dirty="0"/>
+              <a:t>(</a:t>
+            </a:r>
+            <a:r>
+              <a:rPr lang="ko-KR" altLang="en-US" sz="1800" dirty="0"/>
+              <a:t>특정 </a:t>
+            </a:r>
+            <a:r>
+              <a:rPr lang="en-US" altLang="ko-KR" sz="1800" dirty="0"/>
+              <a:t>weigh</a:t>
+            </a:r>
+            <a:r>
+              <a:rPr lang="ko-KR" altLang="en-US" sz="1800" dirty="0"/>
+              <a:t>가 우세</a:t>
+            </a:r>
+            <a:r>
+              <a:rPr lang="en-US" altLang="ko-KR" sz="1800" dirty="0"/>
+              <a:t>)</a:t>
+            </a:r>
+          </a:p>
+          <a:p>
+            <a:pPr lvl="1"/>
+            <a:r>
+              <a:rPr lang="en-US" altLang="ko-KR" sz="1800" dirty="0"/>
+              <a:t>Case1) </a:t>
+            </a:r>
+            <a:r>
+              <a:rPr lang="ko-KR" altLang="en-US" sz="1800" dirty="0"/>
+              <a:t>한 </a:t>
+            </a:r>
+            <a:r>
+              <a:rPr lang="en-US" altLang="ko-KR" sz="1800" dirty="0"/>
+              <a:t>row</a:t>
+            </a:r>
+            <a:r>
+              <a:rPr lang="ko-KR" altLang="en-US" sz="1800" dirty="0"/>
+              <a:t>당 한 </a:t>
+            </a:r>
+            <a:r>
+              <a:rPr lang="en-US" altLang="ko-KR" sz="1800" dirty="0"/>
+              <a:t>column</a:t>
+            </a:r>
+            <a:r>
+              <a:rPr lang="ko-KR" altLang="en-US" sz="1800" dirty="0"/>
+              <a:t>이 </a:t>
+            </a:r>
+            <a:r>
+              <a:rPr lang="en-US" altLang="ko-KR" sz="1800" dirty="0"/>
+              <a:t>1, </a:t>
+            </a:r>
+            <a:r>
+              <a:rPr lang="ko-KR" altLang="en-US" sz="1800" dirty="0"/>
+              <a:t>나머지는 </a:t>
+            </a:r>
+            <a:r>
+              <a:rPr lang="en-US" altLang="ko-KR" sz="1800" dirty="0"/>
+              <a:t>0</a:t>
+            </a:r>
+            <a:r>
+              <a:rPr lang="ko-KR" altLang="en-US" sz="1800" dirty="0"/>
+              <a:t>에서 </a:t>
+            </a:r>
+            <a:r>
+              <a:rPr lang="en-US" altLang="ko-KR" sz="1800" dirty="0"/>
+              <a:t>0.1</a:t>
+            </a:r>
+            <a:r>
+              <a:rPr lang="ko-KR" altLang="en-US" sz="1800" dirty="0"/>
+              <a:t>사이 → </a:t>
+            </a:r>
+            <a:r>
+              <a:rPr lang="en-US" altLang="ko-KR" sz="1800" dirty="0"/>
+              <a:t>test </a:t>
+            </a:r>
+            <a:r>
+              <a:rPr lang="en-US" altLang="ko-KR" sz="1800"/>
+              <a:t>set accuracy 100%</a:t>
+            </a:r>
+            <a:endParaRPr lang="en-US" altLang="ko-KR" sz="1800" dirty="0"/>
+          </a:p>
+          <a:p>
+            <a:pPr lvl="1"/>
+            <a:endParaRPr lang="en-US" altLang="ko-KR" sz="1800" dirty="0"/>
+          </a:p>
+          <a:p>
+            <a:endParaRPr lang="en-US" sz="1800" dirty="0"/>
+          </a:p>
+        </p:txBody>
+      </p:sp>
+    </p:spTree>
+    <p:extLst>
+      <p:ext uri="{BB962C8B-B14F-4D97-AF65-F5344CB8AC3E}">
+        <p14:creationId xmlns:p14="http://schemas.microsoft.com/office/powerpoint/2010/main" val="1608454866"/>
       </p:ext>
     </p:extLst>
   </p:cSld>

--- a/memo.pptx
+++ b/memo.pptx
@@ -6071,10 +6071,50 @@
             </a:r>
           </a:p>
           <a:p>
+            <a:pPr lvl="2"/>
+            <a:r>
+              <a:rPr lang="ko-KR" altLang="en-US" sz="1800" dirty="0"/>
+              <a:t>일단 </a:t>
+            </a:r>
+            <a:r>
+              <a:rPr lang="en-US" altLang="ko-KR" sz="1800" dirty="0" err="1"/>
+              <a:t>dnn</a:t>
+            </a:r>
+            <a:r>
+              <a:rPr lang="en-US" altLang="ko-KR" sz="1800" dirty="0"/>
+              <a:t> parameter training</a:t>
+            </a:r>
+            <a:r>
+              <a:rPr lang="ko-KR" altLang="en-US" sz="1800" dirty="0"/>
+              <a:t>은 이 상태로 하고</a:t>
+            </a:r>
+            <a:r>
+              <a:rPr lang="en-US" altLang="ko-KR" sz="1800" dirty="0"/>
+              <a:t>, </a:t>
+            </a:r>
+            <a:r>
+              <a:rPr lang="ko-KR" altLang="en-US" sz="1800" dirty="0"/>
+              <a:t>아래 상황들에서 이 </a:t>
+            </a:r>
+            <a:r>
+              <a:rPr lang="en-US" altLang="ko-KR" sz="1800" dirty="0" err="1"/>
+              <a:t>dnn</a:t>
+            </a:r>
+            <a:r>
+              <a:rPr lang="en-US" altLang="ko-KR" sz="1800" dirty="0"/>
+              <a:t> parameter</a:t>
+            </a:r>
+            <a:r>
+              <a:rPr lang="ko-KR" altLang="en-US" sz="1800" dirty="0"/>
+              <a:t>를 사용</a:t>
+            </a:r>
+            <a:endParaRPr lang="en-US" altLang="ko-KR" sz="1800" dirty="0"/>
+          </a:p>
+          <a:p>
             <a:pPr lvl="1"/>
             <a:r>
               <a:rPr lang="ko-KR" altLang="en-US" sz="1800" dirty="0"/>
-              <a:t>답이 뻔한 상황으들로 구성 </a:t>
+              <a:t>답이 뻔한 상황들을 만듦 </a:t>
             </a:r>
             <a:r>
               <a:rPr lang="en-US" altLang="ko-KR" sz="1800" dirty="0"/>
@@ -6098,7 +6138,7 @@
             </a:r>
           </a:p>
           <a:p>
-            <a:pPr lvl="1"/>
+            <a:pPr lvl="2"/>
             <a:r>
               <a:rPr lang="en-US" altLang="ko-KR" sz="1800" dirty="0"/>
               <a:t>Case1) </a:t>
@@ -6149,13 +6189,93 @@
             </a:r>
             <a:r>
               <a:rPr lang="en-US" altLang="ko-KR" sz="1800" dirty="0"/>
-              <a:t>test </a:t>
-            </a:r>
-            <a:r>
-              <a:rPr lang="en-US" altLang="ko-KR" sz="1800"/>
-              <a:t>set accuracy 100%</a:t>
-            </a:r>
+              <a:t>test set accuracy 100%</a:t>
+            </a:r>
+          </a:p>
+          <a:p>
+            <a:pPr lvl="2"/>
+            <a:r>
+              <a:rPr lang="en-US" altLang="ko-KR" sz="1800" dirty="0"/>
+              <a:t>Case2) 			………, </a:t>
+            </a:r>
+            <a:r>
+              <a:rPr lang="ko-KR" altLang="en-US" sz="1800" dirty="0"/>
+              <a:t>나머지는 </a:t>
+            </a:r>
+            <a:r>
+              <a:rPr lang="en-US" altLang="ko-KR" sz="1800" dirty="0"/>
+              <a:t>0</a:t>
+            </a:r>
+            <a:r>
+              <a:rPr lang="ko-KR" altLang="en-US" sz="1800" dirty="0"/>
+              <a:t>에서 </a:t>
+            </a:r>
+            <a:r>
+              <a:rPr lang="en-US" altLang="ko-KR" sz="1800" dirty="0"/>
+              <a:t>0.3</a:t>
+            </a:r>
+            <a:r>
+              <a:rPr lang="ko-KR" altLang="en-US" sz="1800" dirty="0"/>
+              <a:t>사이→ </a:t>
+            </a:r>
+            <a:r>
+              <a:rPr lang="en-US" altLang="ko-KR" sz="1800" dirty="0"/>
+              <a:t>test set accuracy 100%</a:t>
+            </a:r>
+          </a:p>
+          <a:p>
+            <a:pPr lvl="2"/>
+            <a:r>
+              <a:rPr lang="en-US" altLang="ko-KR" sz="1800" dirty="0"/>
+              <a:t>…  </a:t>
+            </a:r>
+            <a:r>
+              <a:rPr lang="ko-KR" altLang="en-US" sz="1800" dirty="0"/>
+              <a:t>조금씩 올림</a:t>
+            </a:r>
+            <a:r>
+              <a:rPr lang="en-US" altLang="ko-KR" sz="1800" dirty="0"/>
+              <a:t> …</a:t>
+            </a:r>
+          </a:p>
+          <a:p>
+            <a:pPr lvl="2"/>
+            <a:r>
+              <a:rPr lang="en-US" altLang="ko-KR" sz="1800" dirty="0"/>
+              <a:t>Case3) 			………, </a:t>
+            </a:r>
+            <a:r>
+              <a:rPr lang="ko-KR" altLang="en-US" sz="1800" dirty="0"/>
+              <a:t>나머지는 </a:t>
+            </a:r>
+            <a:r>
+              <a:rPr lang="en-US" altLang="ko-KR" sz="1800" dirty="0"/>
+              <a:t>0</a:t>
+            </a:r>
+            <a:r>
+              <a:rPr lang="ko-KR" altLang="en-US" sz="1800" dirty="0"/>
+              <a:t>에서 </a:t>
+            </a:r>
+            <a:r>
+              <a:rPr lang="en-US" altLang="ko-KR" sz="1800" dirty="0"/>
+              <a:t>0.9</a:t>
+            </a:r>
+            <a:r>
+              <a:rPr lang="ko-KR" altLang="en-US" sz="1800" dirty="0"/>
+              <a:t>사이→ </a:t>
+            </a:r>
+            <a:r>
+              <a:rPr lang="en-US" altLang="ko-KR" sz="1800" dirty="0"/>
+              <a:t>test set accuracy 87.05%</a:t>
+            </a:r>
+          </a:p>
+          <a:p>
+            <a:pPr lvl="2"/>
             <a:endParaRPr lang="en-US" altLang="ko-KR" sz="1800" dirty="0"/>
+          </a:p>
+          <a:p>
+            <a:pPr lvl="2"/>
+            <a:endParaRPr lang="en-US" altLang="ko-KR" dirty="0"/>
           </a:p>
           <a:p>
             <a:pPr lvl="1"/>
@@ -6163,6 +6283,115 @@
           </a:p>
           <a:p>
             <a:endParaRPr lang="en-US" sz="1800" dirty="0"/>
+          </a:p>
+        </p:txBody>
+      </p:sp>
+      <p:pic>
+        <p:nvPicPr>
+          <p:cNvPr id="7" name="Picture 6">
+            <a:extLst>
+              <a:ext uri="{FF2B5EF4-FFF2-40B4-BE49-F238E27FC236}">
+                <a16:creationId xmlns:a16="http://schemas.microsoft.com/office/drawing/2014/main" id="{2BEF7288-5E79-4CFB-8BDF-7C43EFE6E8D0}"/>
+              </a:ext>
+            </a:extLst>
+          </p:cNvPr>
+          <p:cNvPicPr>
+            <a:picLocks noChangeAspect="1"/>
+          </p:cNvPicPr>
+          <p:nvPr/>
+        </p:nvPicPr>
+        <p:blipFill>
+          <a:blip r:embed="rId2"/>
+          <a:stretch>
+            <a:fillRect/>
+          </a:stretch>
+        </p:blipFill>
+        <p:spPr>
+          <a:xfrm>
+            <a:off x="7600365" y="5359295"/>
+            <a:ext cx="2848373" cy="1286054"/>
+          </a:xfrm>
+          <a:prstGeom prst="rect">
+            <a:avLst/>
+          </a:prstGeom>
+        </p:spPr>
+      </p:pic>
+      <p:cxnSp>
+        <p:nvCxnSpPr>
+          <p:cNvPr id="9" name="Connector: Curved 8">
+            <a:extLst>
+              <a:ext uri="{FF2B5EF4-FFF2-40B4-BE49-F238E27FC236}">
+                <a16:creationId xmlns:a16="http://schemas.microsoft.com/office/drawing/2014/main" id="{DCBF7C6A-4ABB-42D1-80ED-3BF32ABA6163}"/>
+              </a:ext>
+            </a:extLst>
+          </p:cNvPr>
+          <p:cNvCxnSpPr>
+            <a:cxnSpLocks/>
+          </p:cNvCxnSpPr>
+          <p:nvPr/>
+        </p:nvCxnSpPr>
+        <p:spPr>
+          <a:xfrm rot="10800000">
+            <a:off x="6512011" y="5359295"/>
+            <a:ext cx="1088356" cy="534880"/>
+          </a:xfrm>
+          <a:prstGeom prst="curvedConnector3">
+            <a:avLst>
+              <a:gd name="adj1" fmla="val 92008"/>
+            </a:avLst>
+          </a:prstGeom>
+          <a:ln>
+            <a:tailEnd type="triangle"/>
+          </a:ln>
+        </p:spPr>
+        <p:style>
+          <a:lnRef idx="1">
+            <a:schemeClr val="accent1"/>
+          </a:lnRef>
+          <a:fillRef idx="0">
+            <a:schemeClr val="accent1"/>
+          </a:fillRef>
+          <a:effectRef idx="0">
+            <a:schemeClr val="accent1"/>
+          </a:effectRef>
+          <a:fontRef idx="minor">
+            <a:schemeClr val="tx1"/>
+          </a:fontRef>
+        </p:style>
+      </p:cxnSp>
+      <p:sp>
+        <p:nvSpPr>
+          <p:cNvPr id="13" name="TextBox 12">
+            <a:extLst>
+              <a:ext uri="{FF2B5EF4-FFF2-40B4-BE49-F238E27FC236}">
+                <a16:creationId xmlns:a16="http://schemas.microsoft.com/office/drawing/2014/main" id="{91396DAB-920E-4614-B735-A191C989EA36}"/>
+              </a:ext>
+            </a:extLst>
+          </p:cNvPr>
+          <p:cNvSpPr txBox="1"/>
+          <p:nvPr/>
+        </p:nvSpPr>
+        <p:spPr>
+          <a:xfrm>
+            <a:off x="6605787" y="5845321"/>
+            <a:ext cx="573489" cy="276999"/>
+          </a:xfrm>
+          <a:prstGeom prst="rect">
+            <a:avLst/>
+          </a:prstGeom>
+          <a:noFill/>
+        </p:spPr>
+        <p:txBody>
+          <a:bodyPr wrap="square" rtlCol="0">
+            <a:spAutoFit/>
+          </a:bodyPr>
+          <a:lstStyle/>
+          <a:p>
+            <a:r>
+              <a:rPr lang="ko-KR" altLang="en-US" sz="1200" dirty="0"/>
+              <a:t>예시</a:t>
+            </a:r>
+            <a:endParaRPr lang="en-US" sz="1200" dirty="0"/>
           </a:p>
         </p:txBody>
       </p:sp>

--- a/memo.pptx
+++ b/memo.pptx
@@ -5,12 +5,13 @@
     <p:sldMasterId id="2147483648" r:id="rId1"/>
   </p:sldMasterIdLst>
   <p:notesMasterIdLst>
-    <p:notesMasterId r:id="rId5"/>
+    <p:notesMasterId r:id="rId6"/>
   </p:notesMasterIdLst>
   <p:sldIdLst>
     <p:sldId id="256" r:id="rId2"/>
     <p:sldId id="257" r:id="rId3"/>
     <p:sldId id="258" r:id="rId4"/>
+    <p:sldId id="259" r:id="rId5"/>
   </p:sldIdLst>
   <p:sldSz cx="12192000" cy="6858000"/>
   <p:notesSz cx="6858000" cy="9144000"/>
@@ -199,7 +200,7 @@
           <a:p>
             <a:fld id="{A2654F65-B460-4D6E-92BA-CEA3AFED7124}" type="datetimeFigureOut">
               <a:rPr lang="en-US" smtClean="0"/>
-              <a:t>11/19/2021</a:t>
+              <a:t>11/20/2021</a:t>
             </a:fld>
             <a:endParaRPr lang="en-US"/>
           </a:p>
@@ -613,7 +614,7 @@
           <a:p>
             <a:fld id="{DEED0FA9-D346-4179-BC36-5044D4754E7C}" type="datetimeFigureOut">
               <a:rPr lang="en-US" smtClean="0"/>
-              <a:t>11/19/2021</a:t>
+              <a:t>11/20/2021</a:t>
             </a:fld>
             <a:endParaRPr lang="en-US"/>
           </a:p>
@@ -811,7 +812,7 @@
           <a:p>
             <a:fld id="{DEED0FA9-D346-4179-BC36-5044D4754E7C}" type="datetimeFigureOut">
               <a:rPr lang="en-US" smtClean="0"/>
-              <a:t>11/19/2021</a:t>
+              <a:t>11/20/2021</a:t>
             </a:fld>
             <a:endParaRPr lang="en-US"/>
           </a:p>
@@ -1019,7 +1020,7 @@
           <a:p>
             <a:fld id="{DEED0FA9-D346-4179-BC36-5044D4754E7C}" type="datetimeFigureOut">
               <a:rPr lang="en-US" smtClean="0"/>
-              <a:t>11/19/2021</a:t>
+              <a:t>11/20/2021</a:t>
             </a:fld>
             <a:endParaRPr lang="en-US"/>
           </a:p>
@@ -1217,7 +1218,7 @@
           <a:p>
             <a:fld id="{DEED0FA9-D346-4179-BC36-5044D4754E7C}" type="datetimeFigureOut">
               <a:rPr lang="en-US" smtClean="0"/>
-              <a:t>11/19/2021</a:t>
+              <a:t>11/20/2021</a:t>
             </a:fld>
             <a:endParaRPr lang="en-US"/>
           </a:p>
@@ -1492,7 +1493,7 @@
           <a:p>
             <a:fld id="{DEED0FA9-D346-4179-BC36-5044D4754E7C}" type="datetimeFigureOut">
               <a:rPr lang="en-US" smtClean="0"/>
-              <a:t>11/19/2021</a:t>
+              <a:t>11/20/2021</a:t>
             </a:fld>
             <a:endParaRPr lang="en-US"/>
           </a:p>
@@ -1757,7 +1758,7 @@
           <a:p>
             <a:fld id="{DEED0FA9-D346-4179-BC36-5044D4754E7C}" type="datetimeFigureOut">
               <a:rPr lang="en-US" smtClean="0"/>
-              <a:t>11/19/2021</a:t>
+              <a:t>11/20/2021</a:t>
             </a:fld>
             <a:endParaRPr lang="en-US"/>
           </a:p>
@@ -2169,7 +2170,7 @@
           <a:p>
             <a:fld id="{DEED0FA9-D346-4179-BC36-5044D4754E7C}" type="datetimeFigureOut">
               <a:rPr lang="en-US" smtClean="0"/>
-              <a:t>11/19/2021</a:t>
+              <a:t>11/20/2021</a:t>
             </a:fld>
             <a:endParaRPr lang="en-US"/>
           </a:p>
@@ -2310,7 +2311,7 @@
           <a:p>
             <a:fld id="{DEED0FA9-D346-4179-BC36-5044D4754E7C}" type="datetimeFigureOut">
               <a:rPr lang="en-US" smtClean="0"/>
-              <a:t>11/19/2021</a:t>
+              <a:t>11/20/2021</a:t>
             </a:fld>
             <a:endParaRPr lang="en-US"/>
           </a:p>
@@ -2423,7 +2424,7 @@
           <a:p>
             <a:fld id="{DEED0FA9-D346-4179-BC36-5044D4754E7C}" type="datetimeFigureOut">
               <a:rPr lang="en-US" smtClean="0"/>
-              <a:t>11/19/2021</a:t>
+              <a:t>11/20/2021</a:t>
             </a:fld>
             <a:endParaRPr lang="en-US"/>
           </a:p>
@@ -2734,7 +2735,7 @@
           <a:p>
             <a:fld id="{DEED0FA9-D346-4179-BC36-5044D4754E7C}" type="datetimeFigureOut">
               <a:rPr lang="en-US" smtClean="0"/>
-              <a:t>11/19/2021</a:t>
+              <a:t>11/20/2021</a:t>
             </a:fld>
             <a:endParaRPr lang="en-US"/>
           </a:p>
@@ -3022,7 +3023,7 @@
           <a:p>
             <a:fld id="{DEED0FA9-D346-4179-BC36-5044D4754E7C}" type="datetimeFigureOut">
               <a:rPr lang="en-US" smtClean="0"/>
-              <a:t>11/19/2021</a:t>
+              <a:t>11/20/2021</a:t>
             </a:fld>
             <a:endParaRPr lang="en-US"/>
           </a:p>
@@ -3263,7 +3264,7 @@
           <a:p>
             <a:fld id="{DEED0FA9-D346-4179-BC36-5044D4754E7C}" type="datetimeFigureOut">
               <a:rPr lang="en-US" smtClean="0"/>
-              <a:t>11/19/2021</a:t>
+              <a:t>11/20/2021</a:t>
             </a:fld>
             <a:endParaRPr lang="en-US"/>
           </a:p>
@@ -6073,42 +6074,42 @@
           <a:p>
             <a:pPr lvl="2"/>
             <a:r>
-              <a:rPr lang="ko-KR" altLang="en-US" sz="1800" dirty="0"/>
-              <a:t>일단 </a:t>
-            </a:r>
-            <a:r>
-              <a:rPr lang="en-US" altLang="ko-KR" sz="1800" dirty="0" err="1"/>
+              <a:rPr lang="en-US" altLang="ko-KR" sz="1800" dirty="0" err="1">
+                <a:solidFill>
+                  <a:schemeClr val="accent1">
+                    <a:lumMod val="75000"/>
+                  </a:schemeClr>
+                </a:solidFill>
+              </a:rPr>
               <a:t>dnn</a:t>
             </a:r>
             <a:r>
-              <a:rPr lang="en-US" altLang="ko-KR" sz="1800" dirty="0"/>
+              <a:rPr lang="en-US" altLang="ko-KR" sz="1800" dirty="0">
+                <a:solidFill>
+                  <a:schemeClr val="accent1">
+                    <a:lumMod val="75000"/>
+                  </a:schemeClr>
+                </a:solidFill>
+              </a:rPr>
               <a:t> parameter training</a:t>
             </a:r>
             <a:r>
-              <a:rPr lang="ko-KR" altLang="en-US" sz="1800" dirty="0"/>
-              <a:t>은 이 상태로 하고</a:t>
-            </a:r>
-            <a:r>
-              <a:rPr lang="en-US" altLang="ko-KR" sz="1800" dirty="0"/>
-              <a:t>, </a:t>
-            </a:r>
-            <a:r>
-              <a:rPr lang="ko-KR" altLang="en-US" sz="1800" dirty="0"/>
-              <a:t>아래 상황들에서 이 </a:t>
-            </a:r>
-            <a:r>
-              <a:rPr lang="en-US" altLang="ko-KR" sz="1800" dirty="0" err="1"/>
-              <a:t>dnn</a:t>
-            </a:r>
-            <a:r>
-              <a:rPr lang="en-US" altLang="ko-KR" sz="1800" dirty="0"/>
-              <a:t> parameter</a:t>
-            </a:r>
-            <a:r>
-              <a:rPr lang="ko-KR" altLang="en-US" sz="1800" dirty="0"/>
-              <a:t>를 사용</a:t>
-            </a:r>
-            <a:endParaRPr lang="en-US" altLang="ko-KR" sz="1800" dirty="0"/>
+              <a:rPr lang="ko-KR" altLang="en-US" sz="1800" dirty="0">
+                <a:solidFill>
+                  <a:schemeClr val="accent1">
+                    <a:lumMod val="75000"/>
+                  </a:schemeClr>
+                </a:solidFill>
+              </a:rPr>
+              <a:t>을 이 상태로 한 상황에서 아래 실험을 진행</a:t>
+            </a:r>
+            <a:endParaRPr lang="en-US" altLang="ko-KR" sz="1800" dirty="0">
+              <a:solidFill>
+                <a:schemeClr val="accent1">
+                  <a:lumMod val="75000"/>
+                </a:schemeClr>
+              </a:solidFill>
+            </a:endParaRPr>
           </a:p>
           <a:p>
             <a:pPr lvl="1"/>
@@ -6126,7 +6127,7 @@
             </a:r>
             <a:r>
               <a:rPr lang="en-US" altLang="ko-KR" sz="1800" dirty="0"/>
-              <a:t>weigh</a:t>
+              <a:t>weight</a:t>
             </a:r>
             <a:r>
               <a:rPr lang="ko-KR" altLang="en-US" sz="1800" dirty="0"/>
@@ -6395,10 +6396,853 @@
           </a:p>
         </p:txBody>
       </p:sp>
+      <p:pic>
+        <p:nvPicPr>
+          <p:cNvPr id="5" name="Picture 4">
+            <a:extLst>
+              <a:ext uri="{FF2B5EF4-FFF2-40B4-BE49-F238E27FC236}">
+                <a16:creationId xmlns:a16="http://schemas.microsoft.com/office/drawing/2014/main" id="{2AFF54FD-B2D2-44C4-AEC3-0EC221EC571B}"/>
+              </a:ext>
+            </a:extLst>
+          </p:cNvPr>
+          <p:cNvPicPr>
+            <a:picLocks noChangeAspect="1"/>
+          </p:cNvPicPr>
+          <p:nvPr/>
+        </p:nvPicPr>
+        <p:blipFill>
+          <a:blip r:embed="rId3"/>
+          <a:stretch>
+            <a:fillRect/>
+          </a:stretch>
+        </p:blipFill>
+        <p:spPr>
+          <a:xfrm>
+            <a:off x="7441035" y="119293"/>
+            <a:ext cx="4750965" cy="2143256"/>
+          </a:xfrm>
+          <a:prstGeom prst="rect">
+            <a:avLst/>
+          </a:prstGeom>
+        </p:spPr>
+      </p:pic>
     </p:spTree>
     <p:extLst>
       <p:ext uri="{BB962C8B-B14F-4D97-AF65-F5344CB8AC3E}">
         <p14:creationId xmlns:p14="http://schemas.microsoft.com/office/powerpoint/2010/main" val="1608454866"/>
+      </p:ext>
+    </p:extLst>
+  </p:cSld>
+  <p:clrMapOvr>
+    <a:masterClrMapping/>
+  </p:clrMapOvr>
+</p:sld>
+</file>
+
+<file path=ppt/slides/slide4.xml><?xml version="1.0" encoding="utf-8"?>
+<p:sld xmlns:a="http://schemas.openxmlformats.org/drawingml/2006/main" xmlns:r="http://schemas.openxmlformats.org/officeDocument/2006/relationships" xmlns:p="http://schemas.openxmlformats.org/presentationml/2006/main">
+  <p:cSld>
+    <p:spTree>
+      <p:nvGrpSpPr>
+        <p:cNvPr id="1" name=""/>
+        <p:cNvGrpSpPr/>
+        <p:nvPr/>
+      </p:nvGrpSpPr>
+      <p:grpSpPr>
+        <a:xfrm>
+          <a:off x="0" y="0"/>
+          <a:ext cx="0" cy="0"/>
+          <a:chOff x="0" y="0"/>
+          <a:chExt cx="0" cy="0"/>
+        </a:xfrm>
+      </p:grpSpPr>
+      <p:sp>
+        <p:nvSpPr>
+          <p:cNvPr id="2" name="Title 1">
+            <a:extLst>
+              <a:ext uri="{FF2B5EF4-FFF2-40B4-BE49-F238E27FC236}">
+                <a16:creationId xmlns:a16="http://schemas.microsoft.com/office/drawing/2014/main" id="{4A550041-C28C-41BF-8A38-2A0FB100E661}"/>
+              </a:ext>
+            </a:extLst>
+          </p:cNvPr>
+          <p:cNvSpPr>
+            <a:spLocks noGrp="1"/>
+          </p:cNvSpPr>
+          <p:nvPr>
+            <p:ph type="title"/>
+          </p:nvPr>
+        </p:nvSpPr>
+        <p:spPr>
+          <a:xfrm>
+            <a:off x="838200" y="365126"/>
+            <a:ext cx="10515600" cy="490552"/>
+          </a:xfrm>
+        </p:spPr>
+        <p:txBody>
+          <a:bodyPr>
+            <a:normAutofit/>
+          </a:bodyPr>
+          <a:lstStyle/>
+          <a:p>
+            <a:r>
+              <a:rPr lang="en-US" sz="2000" dirty="0"/>
+              <a:t>Unsupervised</a:t>
+            </a:r>
+            <a:r>
+              <a:rPr lang="ko-KR" altLang="en-US" sz="2000" dirty="0"/>
+              <a:t> 결과 </a:t>
+            </a:r>
+            <a:r>
+              <a:rPr lang="en-US" altLang="ko-KR" sz="2000" dirty="0"/>
+              <a:t>- </a:t>
+            </a:r>
+            <a:r>
+              <a:rPr lang="ko-KR" altLang="en-US" sz="2000" dirty="0"/>
+              <a:t>답이 뻔한 상황들 정리 </a:t>
+            </a:r>
+            <a:r>
+              <a:rPr lang="en-US" altLang="ko-KR" sz="2000" dirty="0"/>
+              <a:t>(</a:t>
+            </a:r>
+            <a:r>
+              <a:rPr lang="ko-KR" altLang="en-US" sz="2000" dirty="0"/>
+              <a:t>한 </a:t>
+            </a:r>
+            <a:r>
+              <a:rPr lang="en-US" altLang="ko-KR" sz="2000" dirty="0"/>
+              <a:t>row</a:t>
+            </a:r>
+            <a:r>
+              <a:rPr lang="ko-KR" altLang="en-US" sz="2000" dirty="0"/>
+              <a:t>당 한 </a:t>
+            </a:r>
+            <a:r>
+              <a:rPr lang="en-US" altLang="ko-KR" sz="2000" dirty="0"/>
+              <a:t>column</a:t>
+            </a:r>
+            <a:r>
+              <a:rPr lang="ko-KR" altLang="en-US" sz="2000" dirty="0"/>
+              <a:t>이 </a:t>
+            </a:r>
+            <a:r>
+              <a:rPr lang="en-US" altLang="ko-KR" sz="2000" dirty="0"/>
+              <a:t>1)</a:t>
+            </a:r>
+            <a:r>
+              <a:rPr lang="ko-KR" altLang="en-US" sz="2000" dirty="0"/>
+              <a:t> </a:t>
+            </a:r>
+            <a:endParaRPr lang="en-US" sz="2000" dirty="0"/>
+          </a:p>
+        </p:txBody>
+      </p:sp>
+      <p:sp>
+        <p:nvSpPr>
+          <p:cNvPr id="3" name="Content Placeholder 2">
+            <a:extLst>
+              <a:ext uri="{FF2B5EF4-FFF2-40B4-BE49-F238E27FC236}">
+                <a16:creationId xmlns:a16="http://schemas.microsoft.com/office/drawing/2014/main" id="{11ED9F6A-7EA7-4254-86A9-7F7F689A17AA}"/>
+              </a:ext>
+            </a:extLst>
+          </p:cNvPr>
+          <p:cNvSpPr>
+            <a:spLocks noGrp="1"/>
+          </p:cNvSpPr>
+          <p:nvPr>
+            <p:ph idx="1"/>
+          </p:nvPr>
+        </p:nvSpPr>
+        <p:spPr>
+          <a:xfrm>
+            <a:off x="309694" y="1040032"/>
+            <a:ext cx="6124662" cy="5494788"/>
+          </a:xfrm>
+        </p:spPr>
+        <p:txBody>
+          <a:bodyPr>
+            <a:normAutofit/>
+          </a:bodyPr>
+          <a:lstStyle/>
+          <a:p>
+            <a:endParaRPr lang="en-US" sz="1800" dirty="0"/>
+          </a:p>
+          <a:p>
+            <a:pPr lvl="1"/>
+            <a:endParaRPr lang="en-US" altLang="ko-KR" sz="1800" dirty="0"/>
+          </a:p>
+          <a:p>
+            <a:pPr lvl="2"/>
+            <a:r>
+              <a:rPr lang="ko-KR" altLang="en-US" sz="1800" dirty="0"/>
+              <a:t>나머지가 </a:t>
+            </a:r>
+            <a:r>
+              <a:rPr lang="en-US" altLang="ko-KR" sz="1800" b="1" dirty="0" err="1"/>
+              <a:t>Unif</a:t>
+            </a:r>
+            <a:r>
+              <a:rPr lang="en-US" altLang="ko-KR" sz="1800" b="1" dirty="0"/>
+              <a:t>.(0, 0.1)</a:t>
+            </a:r>
+            <a:r>
+              <a:rPr lang="ko-KR" altLang="en-US" sz="1800" b="1" dirty="0"/>
+              <a:t> </a:t>
+            </a:r>
+            <a:r>
+              <a:rPr lang="ko-KR" altLang="en-US" sz="1800" dirty="0"/>
+              <a:t>→ </a:t>
+            </a:r>
+            <a:r>
+              <a:rPr lang="en-US" altLang="ko-KR" sz="1800" dirty="0"/>
+              <a:t>test set accuracy 100%</a:t>
+            </a:r>
+          </a:p>
+          <a:p>
+            <a:pPr lvl="2"/>
+            <a:r>
+              <a:rPr lang="en-US" altLang="ko-KR" sz="1800" dirty="0"/>
+              <a:t>…</a:t>
+            </a:r>
+          </a:p>
+          <a:p>
+            <a:pPr lvl="2"/>
+            <a:r>
+              <a:rPr lang="ko-KR" altLang="en-US" sz="1800" dirty="0"/>
+              <a:t>나머지가 </a:t>
+            </a:r>
+            <a:r>
+              <a:rPr lang="en-US" altLang="ko-KR" sz="1800" b="1" dirty="0" err="1"/>
+              <a:t>Unif</a:t>
+            </a:r>
+            <a:r>
+              <a:rPr lang="en-US" altLang="ko-KR" sz="1800" b="1" dirty="0"/>
+              <a:t>.(0, 0.70)</a:t>
+            </a:r>
+            <a:r>
+              <a:rPr lang="ko-KR" altLang="en-US" sz="1800" b="1" dirty="0"/>
+              <a:t> </a:t>
+            </a:r>
+            <a:r>
+              <a:rPr lang="ko-KR" altLang="en-US" sz="1800" dirty="0"/>
+              <a:t>→ </a:t>
+            </a:r>
+            <a:r>
+              <a:rPr lang="en-US" altLang="ko-KR" sz="1800" dirty="0"/>
+              <a:t>test set accuracy 100%</a:t>
+            </a:r>
+          </a:p>
+          <a:p>
+            <a:pPr lvl="2"/>
+            <a:r>
+              <a:rPr lang="ko-KR" altLang="en-US" sz="1800" dirty="0"/>
+              <a:t>나머지가 </a:t>
+            </a:r>
+            <a:r>
+              <a:rPr lang="en-US" altLang="ko-KR" sz="1800" b="1" dirty="0" err="1"/>
+              <a:t>Unif</a:t>
+            </a:r>
+            <a:r>
+              <a:rPr lang="en-US" altLang="ko-KR" sz="1800" b="1" dirty="0"/>
+              <a:t>.(0, 0.75)</a:t>
+            </a:r>
+            <a:r>
+              <a:rPr lang="ko-KR" altLang="en-US" sz="1800" b="1" dirty="0"/>
+              <a:t> </a:t>
+            </a:r>
+            <a:r>
+              <a:rPr lang="ko-KR" altLang="en-US" sz="1800" dirty="0"/>
+              <a:t>→ </a:t>
+            </a:r>
+            <a:r>
+              <a:rPr lang="en-US" altLang="ko-KR" sz="1800" dirty="0"/>
+              <a:t>test set accuracy 99.7%</a:t>
+            </a:r>
+          </a:p>
+          <a:p>
+            <a:pPr lvl="2"/>
+            <a:r>
+              <a:rPr lang="ko-KR" altLang="en-US" sz="1800" dirty="0"/>
+              <a:t>나머지가 </a:t>
+            </a:r>
+            <a:r>
+              <a:rPr lang="en-US" altLang="ko-KR" sz="1800" b="1" dirty="0" err="1"/>
+              <a:t>Unif</a:t>
+            </a:r>
+            <a:r>
+              <a:rPr lang="en-US" altLang="ko-KR" sz="1800" b="1" dirty="0"/>
+              <a:t>.(0, 0.80)</a:t>
+            </a:r>
+            <a:r>
+              <a:rPr lang="ko-KR" altLang="en-US" sz="1800" b="1" dirty="0"/>
+              <a:t> </a:t>
+            </a:r>
+            <a:r>
+              <a:rPr lang="ko-KR" altLang="en-US" sz="1800" dirty="0"/>
+              <a:t>→ </a:t>
+            </a:r>
+            <a:r>
+              <a:rPr lang="en-US" altLang="ko-KR" sz="1800" dirty="0"/>
+              <a:t>test set accuracy 98.45%</a:t>
+            </a:r>
+          </a:p>
+          <a:p>
+            <a:pPr lvl="2"/>
+            <a:r>
+              <a:rPr lang="ko-KR" altLang="en-US" sz="1800" dirty="0"/>
+              <a:t>나머지가 </a:t>
+            </a:r>
+            <a:r>
+              <a:rPr lang="en-US" altLang="ko-KR" sz="1800" b="1" dirty="0" err="1"/>
+              <a:t>Unif</a:t>
+            </a:r>
+            <a:r>
+              <a:rPr lang="en-US" altLang="ko-KR" sz="1800" b="1" dirty="0"/>
+              <a:t>.(0, 0.85)</a:t>
+            </a:r>
+            <a:r>
+              <a:rPr lang="ko-KR" altLang="en-US" sz="1800" b="1" dirty="0"/>
+              <a:t> </a:t>
+            </a:r>
+            <a:r>
+              <a:rPr lang="ko-KR" altLang="en-US" sz="1800" dirty="0"/>
+              <a:t>→ </a:t>
+            </a:r>
+            <a:r>
+              <a:rPr lang="en-US" altLang="ko-KR" sz="1800" dirty="0"/>
+              <a:t>test set accuracy 94.70%</a:t>
+            </a:r>
+          </a:p>
+          <a:p>
+            <a:pPr lvl="2"/>
+            <a:r>
+              <a:rPr lang="ko-KR" altLang="en-US" sz="1800" dirty="0"/>
+              <a:t>나머지가 </a:t>
+            </a:r>
+            <a:r>
+              <a:rPr lang="en-US" altLang="ko-KR" sz="1800" b="1" dirty="0" err="1"/>
+              <a:t>Unif</a:t>
+            </a:r>
+            <a:r>
+              <a:rPr lang="en-US" altLang="ko-KR" sz="1800" b="1" dirty="0"/>
+              <a:t>.(0, 0.90)</a:t>
+            </a:r>
+            <a:r>
+              <a:rPr lang="ko-KR" altLang="en-US" sz="1800" b="1" dirty="0"/>
+              <a:t> </a:t>
+            </a:r>
+            <a:r>
+              <a:rPr lang="ko-KR" altLang="en-US" sz="1800" dirty="0"/>
+              <a:t>→ </a:t>
+            </a:r>
+            <a:r>
+              <a:rPr lang="en-US" altLang="ko-KR" sz="1800" dirty="0"/>
+              <a:t>test set accuracy 87.05%</a:t>
+            </a:r>
+          </a:p>
+          <a:p>
+            <a:pPr lvl="2"/>
+            <a:r>
+              <a:rPr lang="ko-KR" altLang="en-US" sz="1800" dirty="0"/>
+              <a:t>나머지가 </a:t>
+            </a:r>
+            <a:r>
+              <a:rPr lang="en-US" altLang="ko-KR" sz="1800" b="1" dirty="0" err="1"/>
+              <a:t>Unif</a:t>
+            </a:r>
+            <a:r>
+              <a:rPr lang="en-US" altLang="ko-KR" sz="1800" b="1" dirty="0"/>
+              <a:t>.(0, 0.95)</a:t>
+            </a:r>
+            <a:r>
+              <a:rPr lang="ko-KR" altLang="en-US" sz="1800" b="1" dirty="0"/>
+              <a:t> </a:t>
+            </a:r>
+            <a:r>
+              <a:rPr lang="ko-KR" altLang="en-US" sz="1800" dirty="0"/>
+              <a:t>→ </a:t>
+            </a:r>
+            <a:r>
+              <a:rPr lang="en-US" altLang="ko-KR" sz="1800" dirty="0"/>
+              <a:t>test set accuracy 72.75%</a:t>
+            </a:r>
+          </a:p>
+          <a:p>
+            <a:pPr lvl="2"/>
+            <a:r>
+              <a:rPr lang="ko-KR" altLang="en-US" sz="1800" dirty="0"/>
+              <a:t>나머지가 </a:t>
+            </a:r>
+            <a:r>
+              <a:rPr lang="en-US" altLang="ko-KR" sz="1800" b="1" dirty="0" err="1"/>
+              <a:t>Unif</a:t>
+            </a:r>
+            <a:r>
+              <a:rPr lang="en-US" altLang="ko-KR" sz="1800" b="1" dirty="0"/>
+              <a:t>.(0, 1.00)</a:t>
+            </a:r>
+            <a:r>
+              <a:rPr lang="ko-KR" altLang="en-US" sz="1800" b="1" dirty="0"/>
+              <a:t> </a:t>
+            </a:r>
+            <a:r>
+              <a:rPr lang="ko-KR" altLang="en-US" sz="1800" dirty="0"/>
+              <a:t>→ </a:t>
+            </a:r>
+            <a:r>
+              <a:rPr lang="en-US" altLang="ko-KR" sz="1800" dirty="0"/>
+              <a:t>test set accuracy 57.9%</a:t>
+            </a:r>
+          </a:p>
+          <a:p>
+            <a:endParaRPr lang="en-US" sz="1800" dirty="0"/>
+          </a:p>
+        </p:txBody>
+      </p:sp>
+      <p:sp>
+        <p:nvSpPr>
+          <p:cNvPr id="8" name="Content Placeholder 2">
+            <a:extLst>
+              <a:ext uri="{FF2B5EF4-FFF2-40B4-BE49-F238E27FC236}">
+                <a16:creationId xmlns:a16="http://schemas.microsoft.com/office/drawing/2014/main" id="{BAF44B2D-7648-44D3-8928-F984D7F14FA1}"/>
+              </a:ext>
+            </a:extLst>
+          </p:cNvPr>
+          <p:cNvSpPr txBox="1">
+            <a:spLocks/>
+          </p:cNvSpPr>
+          <p:nvPr/>
+        </p:nvSpPr>
+        <p:spPr>
+          <a:xfrm>
+            <a:off x="5578679" y="1673400"/>
+            <a:ext cx="2525086" cy="4802696"/>
+          </a:xfrm>
+          <a:prstGeom prst="rect">
+            <a:avLst/>
+          </a:prstGeom>
+        </p:spPr>
+        <p:txBody>
+          <a:bodyPr vert="horz" lIns="91440" tIns="45720" rIns="91440" bIns="45720" rtlCol="0">
+            <a:noAutofit/>
+          </a:bodyPr>
+          <a:lstStyle>
+            <a:lvl1pPr marL="228600" indent="-228600" algn="l" defTabSz="914400" rtl="0" eaLnBrk="1" latinLnBrk="0" hangingPunct="1">
+              <a:lnSpc>
+                <a:spcPct val="90000"/>
+              </a:lnSpc>
+              <a:spcBef>
+                <a:spcPts val="1000"/>
+              </a:spcBef>
+              <a:buFont typeface="Arial" panose="020B0604020202020204" pitchFamily="34" charset="0"/>
+              <a:buChar char="•"/>
+              <a:defRPr sz="2800" kern="1200">
+                <a:solidFill>
+                  <a:schemeClr val="tx1"/>
+                </a:solidFill>
+                <a:latin typeface="+mn-lt"/>
+                <a:ea typeface="+mn-ea"/>
+                <a:cs typeface="+mn-cs"/>
+              </a:defRPr>
+            </a:lvl1pPr>
+            <a:lvl2pPr marL="685800" indent="-228600" algn="l" defTabSz="914400" rtl="0" eaLnBrk="1" latinLnBrk="0" hangingPunct="1">
+              <a:lnSpc>
+                <a:spcPct val="90000"/>
+              </a:lnSpc>
+              <a:spcBef>
+                <a:spcPts val="500"/>
+              </a:spcBef>
+              <a:buFont typeface="Arial" panose="020B0604020202020204" pitchFamily="34" charset="0"/>
+              <a:buChar char="•"/>
+              <a:defRPr sz="2400" kern="1200">
+                <a:solidFill>
+                  <a:schemeClr val="tx1"/>
+                </a:solidFill>
+                <a:latin typeface="+mn-lt"/>
+                <a:ea typeface="+mn-ea"/>
+                <a:cs typeface="+mn-cs"/>
+              </a:defRPr>
+            </a:lvl2pPr>
+            <a:lvl3pPr marL="1143000" indent="-228600" algn="l" defTabSz="914400" rtl="0" eaLnBrk="1" latinLnBrk="0" hangingPunct="1">
+              <a:lnSpc>
+                <a:spcPct val="90000"/>
+              </a:lnSpc>
+              <a:spcBef>
+                <a:spcPts val="500"/>
+              </a:spcBef>
+              <a:buFont typeface="Arial" panose="020B0604020202020204" pitchFamily="34" charset="0"/>
+              <a:buChar char="•"/>
+              <a:defRPr sz="2000" kern="1200">
+                <a:solidFill>
+                  <a:schemeClr val="tx1"/>
+                </a:solidFill>
+                <a:latin typeface="+mn-lt"/>
+                <a:ea typeface="+mn-ea"/>
+                <a:cs typeface="+mn-cs"/>
+              </a:defRPr>
+            </a:lvl3pPr>
+            <a:lvl4pPr marL="1600200" indent="-228600" algn="l" defTabSz="914400" rtl="0" eaLnBrk="1" latinLnBrk="0" hangingPunct="1">
+              <a:lnSpc>
+                <a:spcPct val="90000"/>
+              </a:lnSpc>
+              <a:spcBef>
+                <a:spcPts val="500"/>
+              </a:spcBef>
+              <a:buFont typeface="Arial" panose="020B0604020202020204" pitchFamily="34" charset="0"/>
+              <a:buChar char="•"/>
+              <a:defRPr sz="1800" kern="1200">
+                <a:solidFill>
+                  <a:schemeClr val="tx1"/>
+                </a:solidFill>
+                <a:latin typeface="+mn-lt"/>
+                <a:ea typeface="+mn-ea"/>
+                <a:cs typeface="+mn-cs"/>
+              </a:defRPr>
+            </a:lvl4pPr>
+            <a:lvl5pPr marL="2057400" indent="-228600" algn="l" defTabSz="914400" rtl="0" eaLnBrk="1" latinLnBrk="0" hangingPunct="1">
+              <a:lnSpc>
+                <a:spcPct val="90000"/>
+              </a:lnSpc>
+              <a:spcBef>
+                <a:spcPts val="500"/>
+              </a:spcBef>
+              <a:buFont typeface="Arial" panose="020B0604020202020204" pitchFamily="34" charset="0"/>
+              <a:buChar char="•"/>
+              <a:defRPr sz="1800" kern="1200">
+                <a:solidFill>
+                  <a:schemeClr val="tx1"/>
+                </a:solidFill>
+                <a:latin typeface="+mn-lt"/>
+                <a:ea typeface="+mn-ea"/>
+                <a:cs typeface="+mn-cs"/>
+              </a:defRPr>
+            </a:lvl5pPr>
+            <a:lvl6pPr marL="2514600" indent="-228600" algn="l" defTabSz="914400" rtl="0" eaLnBrk="1" latinLnBrk="0" hangingPunct="1">
+              <a:lnSpc>
+                <a:spcPct val="90000"/>
+              </a:lnSpc>
+              <a:spcBef>
+                <a:spcPts val="500"/>
+              </a:spcBef>
+              <a:buFont typeface="Arial" panose="020B0604020202020204" pitchFamily="34" charset="0"/>
+              <a:buChar char="•"/>
+              <a:defRPr sz="1800" kern="1200">
+                <a:solidFill>
+                  <a:schemeClr val="tx1"/>
+                </a:solidFill>
+                <a:latin typeface="+mn-lt"/>
+                <a:ea typeface="+mn-ea"/>
+                <a:cs typeface="+mn-cs"/>
+              </a:defRPr>
+            </a:lvl6pPr>
+            <a:lvl7pPr marL="2971800" indent="-228600" algn="l" defTabSz="914400" rtl="0" eaLnBrk="1" latinLnBrk="0" hangingPunct="1">
+              <a:lnSpc>
+                <a:spcPct val="90000"/>
+              </a:lnSpc>
+              <a:spcBef>
+                <a:spcPts val="500"/>
+              </a:spcBef>
+              <a:buFont typeface="Arial" panose="020B0604020202020204" pitchFamily="34" charset="0"/>
+              <a:buChar char="•"/>
+              <a:defRPr sz="1800" kern="1200">
+                <a:solidFill>
+                  <a:schemeClr val="tx1"/>
+                </a:solidFill>
+                <a:latin typeface="+mn-lt"/>
+                <a:ea typeface="+mn-ea"/>
+                <a:cs typeface="+mn-cs"/>
+              </a:defRPr>
+            </a:lvl7pPr>
+            <a:lvl8pPr marL="3429000" indent="-228600" algn="l" defTabSz="914400" rtl="0" eaLnBrk="1" latinLnBrk="0" hangingPunct="1">
+              <a:lnSpc>
+                <a:spcPct val="90000"/>
+              </a:lnSpc>
+              <a:spcBef>
+                <a:spcPts val="500"/>
+              </a:spcBef>
+              <a:buFont typeface="Arial" panose="020B0604020202020204" pitchFamily="34" charset="0"/>
+              <a:buChar char="•"/>
+              <a:defRPr sz="1800" kern="1200">
+                <a:solidFill>
+                  <a:schemeClr val="tx1"/>
+                </a:solidFill>
+                <a:latin typeface="+mn-lt"/>
+                <a:ea typeface="+mn-ea"/>
+                <a:cs typeface="+mn-cs"/>
+              </a:defRPr>
+            </a:lvl8pPr>
+            <a:lvl9pPr marL="3886200" indent="-228600" algn="l" defTabSz="914400" rtl="0" eaLnBrk="1" latinLnBrk="0" hangingPunct="1">
+              <a:lnSpc>
+                <a:spcPct val="90000"/>
+              </a:lnSpc>
+              <a:spcBef>
+                <a:spcPts val="500"/>
+              </a:spcBef>
+              <a:buFont typeface="Arial" panose="020B0604020202020204" pitchFamily="34" charset="0"/>
+              <a:buChar char="•"/>
+              <a:defRPr sz="1800" kern="1200">
+                <a:solidFill>
+                  <a:schemeClr val="tx1"/>
+                </a:solidFill>
+                <a:latin typeface="+mn-lt"/>
+                <a:ea typeface="+mn-ea"/>
+                <a:cs typeface="+mn-cs"/>
+              </a:defRPr>
+            </a:lvl9pPr>
+          </a:lstStyle>
+          <a:p>
+            <a:pPr lvl="2"/>
+            <a:r>
+              <a:rPr lang="en-US" altLang="ko-KR" sz="1800" dirty="0">
+                <a:solidFill>
+                  <a:schemeClr val="accent1">
+                    <a:lumMod val="75000"/>
+                  </a:schemeClr>
+                </a:solidFill>
+              </a:rPr>
+              <a:t>100%</a:t>
+            </a:r>
+          </a:p>
+          <a:p>
+            <a:pPr lvl="2"/>
+            <a:r>
+              <a:rPr lang="en-US" altLang="ko-KR" sz="1800" dirty="0">
+                <a:solidFill>
+                  <a:schemeClr val="accent1">
+                    <a:lumMod val="75000"/>
+                  </a:schemeClr>
+                </a:solidFill>
+              </a:rPr>
+              <a:t>…</a:t>
+            </a:r>
+          </a:p>
+          <a:p>
+            <a:pPr lvl="2"/>
+            <a:r>
+              <a:rPr lang="en-US" altLang="ko-KR" sz="1800" dirty="0">
+                <a:solidFill>
+                  <a:schemeClr val="accent1">
+                    <a:lumMod val="75000"/>
+                  </a:schemeClr>
+                </a:solidFill>
+              </a:rPr>
+              <a:t>100%</a:t>
+            </a:r>
+          </a:p>
+          <a:p>
+            <a:pPr lvl="2"/>
+            <a:r>
+              <a:rPr lang="en-US" altLang="ko-KR" sz="1800" dirty="0">
+                <a:solidFill>
+                  <a:schemeClr val="accent1">
+                    <a:lumMod val="75000"/>
+                  </a:schemeClr>
+                </a:solidFill>
+              </a:rPr>
+              <a:t>100%</a:t>
+            </a:r>
+          </a:p>
+          <a:p>
+            <a:pPr lvl="2"/>
+            <a:r>
+              <a:rPr lang="en-US" altLang="ko-KR" sz="1800" dirty="0">
+                <a:solidFill>
+                  <a:schemeClr val="accent1">
+                    <a:lumMod val="75000"/>
+                  </a:schemeClr>
+                </a:solidFill>
+              </a:rPr>
+              <a:t>99%</a:t>
+            </a:r>
+          </a:p>
+          <a:p>
+            <a:pPr lvl="2"/>
+            <a:r>
+              <a:rPr lang="en-US" altLang="ko-KR" sz="1800" dirty="0">
+                <a:solidFill>
+                  <a:schemeClr val="accent1">
+                    <a:lumMod val="75000"/>
+                  </a:schemeClr>
+                </a:solidFill>
+              </a:rPr>
+              <a:t>95.75%</a:t>
+            </a:r>
+          </a:p>
+          <a:p>
+            <a:pPr lvl="2"/>
+            <a:r>
+              <a:rPr lang="en-US" altLang="ko-KR" sz="1800" dirty="0">
+                <a:solidFill>
+                  <a:schemeClr val="accent1">
+                    <a:lumMod val="75000"/>
+                  </a:schemeClr>
+                </a:solidFill>
+              </a:rPr>
+              <a:t>90.55%</a:t>
+            </a:r>
+          </a:p>
+          <a:p>
+            <a:pPr lvl="2"/>
+            <a:r>
+              <a:rPr lang="en-US" altLang="ko-KR" sz="1800" dirty="0">
+                <a:solidFill>
+                  <a:schemeClr val="accent1">
+                    <a:lumMod val="75000"/>
+                  </a:schemeClr>
+                </a:solidFill>
+              </a:rPr>
+              <a:t>77.95%</a:t>
+            </a:r>
+          </a:p>
+          <a:p>
+            <a:pPr lvl="2"/>
+            <a:r>
+              <a:rPr lang="en-US" altLang="ko-KR" sz="1800" dirty="0">
+                <a:solidFill>
+                  <a:schemeClr val="accent1">
+                    <a:lumMod val="75000"/>
+                  </a:schemeClr>
+                </a:solidFill>
+              </a:rPr>
+              <a:t>62.1%</a:t>
+            </a:r>
+          </a:p>
+          <a:p>
+            <a:pPr lvl="1"/>
+            <a:endParaRPr lang="en-US" sz="1800" dirty="0">
+              <a:solidFill>
+                <a:schemeClr val="accent1">
+                  <a:lumMod val="75000"/>
+                </a:schemeClr>
+              </a:solidFill>
+            </a:endParaRPr>
+          </a:p>
+        </p:txBody>
+      </p:sp>
+      <p:sp>
+        <p:nvSpPr>
+          <p:cNvPr id="10" name="TextBox 9">
+            <a:extLst>
+              <a:ext uri="{FF2B5EF4-FFF2-40B4-BE49-F238E27FC236}">
+                <a16:creationId xmlns:a16="http://schemas.microsoft.com/office/drawing/2014/main" id="{D7AC006B-A645-4D7A-8AF4-FEEB094B479C}"/>
+              </a:ext>
+            </a:extLst>
+          </p:cNvPr>
+          <p:cNvSpPr txBox="1"/>
+          <p:nvPr/>
+        </p:nvSpPr>
+        <p:spPr>
+          <a:xfrm>
+            <a:off x="5496887" y="855678"/>
+            <a:ext cx="6094602" cy="646331"/>
+          </a:xfrm>
+          <a:prstGeom prst="rect">
+            <a:avLst/>
+          </a:prstGeom>
+          <a:noFill/>
+        </p:spPr>
+        <p:txBody>
+          <a:bodyPr wrap="square">
+            <a:spAutoFit/>
+          </a:bodyPr>
+          <a:lstStyle/>
+          <a:p>
+            <a:pPr marL="914400" lvl="2" indent="0">
+              <a:buNone/>
+            </a:pPr>
+            <a:r>
+              <a:rPr lang="en-US" altLang="ko-KR" sz="1800" dirty="0">
+                <a:solidFill>
+                  <a:schemeClr val="accent1">
+                    <a:lumMod val="75000"/>
+                  </a:schemeClr>
+                </a:solidFill>
+              </a:rPr>
+              <a:t>(quantizing </a:t>
+            </a:r>
+            <a:r>
+              <a:rPr lang="ko-KR" altLang="en-US" sz="1800" dirty="0">
+                <a:solidFill>
+                  <a:schemeClr val="accent1">
+                    <a:lumMod val="75000"/>
+                  </a:schemeClr>
+                </a:solidFill>
+              </a:rPr>
+              <a:t>안하고 제대로 </a:t>
+            </a:r>
+            <a:r>
+              <a:rPr lang="en-US" altLang="ko-KR" sz="1800" dirty="0">
+                <a:solidFill>
+                  <a:schemeClr val="accent1">
+                    <a:lumMod val="75000"/>
+                  </a:schemeClr>
+                </a:solidFill>
+              </a:rPr>
+              <a:t>random</a:t>
+            </a:r>
+            <a:r>
+              <a:rPr lang="ko-KR" altLang="en-US" dirty="0">
+                <a:solidFill>
+                  <a:schemeClr val="accent1">
+                    <a:lumMod val="75000"/>
+                  </a:schemeClr>
+                </a:solidFill>
+              </a:rPr>
+              <a:t>인 </a:t>
+            </a:r>
+            <a:r>
+              <a:rPr lang="en-US" altLang="ko-KR" sz="1800" dirty="0">
+                <a:solidFill>
+                  <a:schemeClr val="accent1">
+                    <a:lumMod val="75000"/>
+                  </a:schemeClr>
+                </a:solidFill>
+              </a:rPr>
+              <a:t>weight</a:t>
+            </a:r>
+            <a:r>
+              <a:rPr lang="ko-KR" altLang="en-US" sz="1800" dirty="0">
+                <a:solidFill>
+                  <a:schemeClr val="accent1">
+                    <a:lumMod val="75000"/>
+                  </a:schemeClr>
+                </a:solidFill>
+              </a:rPr>
+              <a:t>들을 입력해서 학습한 </a:t>
+            </a:r>
+            <a:r>
+              <a:rPr lang="en-US" altLang="ko-KR" sz="1800" dirty="0">
+                <a:solidFill>
+                  <a:schemeClr val="accent1">
+                    <a:lumMod val="75000"/>
+                  </a:schemeClr>
+                </a:solidFill>
+              </a:rPr>
+              <a:t>NN</a:t>
+            </a:r>
+            <a:r>
+              <a:rPr lang="ko-KR" altLang="en-US" sz="1800" dirty="0">
+                <a:solidFill>
+                  <a:schemeClr val="accent1">
+                    <a:lumMod val="75000"/>
+                  </a:schemeClr>
+                </a:solidFill>
+              </a:rPr>
+              <a:t>을 이용하는 경우</a:t>
+            </a:r>
+            <a:endParaRPr lang="en-US" altLang="ko-KR" sz="1800" dirty="0">
+              <a:solidFill>
+                <a:schemeClr val="accent1">
+                  <a:lumMod val="75000"/>
+                </a:schemeClr>
+              </a:solidFill>
+            </a:endParaRPr>
+          </a:p>
+        </p:txBody>
+      </p:sp>
+    </p:spTree>
+    <p:extLst>
+      <p:ext uri="{BB962C8B-B14F-4D97-AF65-F5344CB8AC3E}">
+        <p14:creationId xmlns:p14="http://schemas.microsoft.com/office/powerpoint/2010/main" val="3701214166"/>
       </p:ext>
     </p:extLst>
   </p:cSld>

--- a/memo.pptx
+++ b/memo.pptx
@@ -200,7 +200,7 @@
           <a:p>
             <a:fld id="{A2654F65-B460-4D6E-92BA-CEA3AFED7124}" type="datetimeFigureOut">
               <a:rPr lang="en-US" smtClean="0"/>
-              <a:t>11/20/2021</a:t>
+              <a:t>11/21/2021</a:t>
             </a:fld>
             <a:endParaRPr lang="en-US"/>
           </a:p>
@@ -614,7 +614,7 @@
           <a:p>
             <a:fld id="{DEED0FA9-D346-4179-BC36-5044D4754E7C}" type="datetimeFigureOut">
               <a:rPr lang="en-US" smtClean="0"/>
-              <a:t>11/20/2021</a:t>
+              <a:t>11/21/2021</a:t>
             </a:fld>
             <a:endParaRPr lang="en-US"/>
           </a:p>
@@ -812,7 +812,7 @@
           <a:p>
             <a:fld id="{DEED0FA9-D346-4179-BC36-5044D4754E7C}" type="datetimeFigureOut">
               <a:rPr lang="en-US" smtClean="0"/>
-              <a:t>11/20/2021</a:t>
+              <a:t>11/21/2021</a:t>
             </a:fld>
             <a:endParaRPr lang="en-US"/>
           </a:p>
@@ -1020,7 +1020,7 @@
           <a:p>
             <a:fld id="{DEED0FA9-D346-4179-BC36-5044D4754E7C}" type="datetimeFigureOut">
               <a:rPr lang="en-US" smtClean="0"/>
-              <a:t>11/20/2021</a:t>
+              <a:t>11/21/2021</a:t>
             </a:fld>
             <a:endParaRPr lang="en-US"/>
           </a:p>
@@ -1218,7 +1218,7 @@
           <a:p>
             <a:fld id="{DEED0FA9-D346-4179-BC36-5044D4754E7C}" type="datetimeFigureOut">
               <a:rPr lang="en-US" smtClean="0"/>
-              <a:t>11/20/2021</a:t>
+              <a:t>11/21/2021</a:t>
             </a:fld>
             <a:endParaRPr lang="en-US"/>
           </a:p>
@@ -1493,7 +1493,7 @@
           <a:p>
             <a:fld id="{DEED0FA9-D346-4179-BC36-5044D4754E7C}" type="datetimeFigureOut">
               <a:rPr lang="en-US" smtClean="0"/>
-              <a:t>11/20/2021</a:t>
+              <a:t>11/21/2021</a:t>
             </a:fld>
             <a:endParaRPr lang="en-US"/>
           </a:p>
@@ -1758,7 +1758,7 @@
           <a:p>
             <a:fld id="{DEED0FA9-D346-4179-BC36-5044D4754E7C}" type="datetimeFigureOut">
               <a:rPr lang="en-US" smtClean="0"/>
-              <a:t>11/20/2021</a:t>
+              <a:t>11/21/2021</a:t>
             </a:fld>
             <a:endParaRPr lang="en-US"/>
           </a:p>
@@ -2170,7 +2170,7 @@
           <a:p>
             <a:fld id="{DEED0FA9-D346-4179-BC36-5044D4754E7C}" type="datetimeFigureOut">
               <a:rPr lang="en-US" smtClean="0"/>
-              <a:t>11/20/2021</a:t>
+              <a:t>11/21/2021</a:t>
             </a:fld>
             <a:endParaRPr lang="en-US"/>
           </a:p>
@@ -2311,7 +2311,7 @@
           <a:p>
             <a:fld id="{DEED0FA9-D346-4179-BC36-5044D4754E7C}" type="datetimeFigureOut">
               <a:rPr lang="en-US" smtClean="0"/>
-              <a:t>11/20/2021</a:t>
+              <a:t>11/21/2021</a:t>
             </a:fld>
             <a:endParaRPr lang="en-US"/>
           </a:p>
@@ -2424,7 +2424,7 @@
           <a:p>
             <a:fld id="{DEED0FA9-D346-4179-BC36-5044D4754E7C}" type="datetimeFigureOut">
               <a:rPr lang="en-US" smtClean="0"/>
-              <a:t>11/20/2021</a:t>
+              <a:t>11/21/2021</a:t>
             </a:fld>
             <a:endParaRPr lang="en-US"/>
           </a:p>
@@ -2735,7 +2735,7 @@
           <a:p>
             <a:fld id="{DEED0FA9-D346-4179-BC36-5044D4754E7C}" type="datetimeFigureOut">
               <a:rPr lang="en-US" smtClean="0"/>
-              <a:t>11/20/2021</a:t>
+              <a:t>11/21/2021</a:t>
             </a:fld>
             <a:endParaRPr lang="en-US"/>
           </a:p>
@@ -3023,7 +3023,7 @@
           <a:p>
             <a:fld id="{DEED0FA9-D346-4179-BC36-5044D4754E7C}" type="datetimeFigureOut">
               <a:rPr lang="en-US" smtClean="0"/>
-              <a:t>11/20/2021</a:t>
+              <a:t>11/21/2021</a:t>
             </a:fld>
             <a:endParaRPr lang="en-US"/>
           </a:p>
@@ -3264,7 +3264,7 @@
           <a:p>
             <a:fld id="{DEED0FA9-D346-4179-BC36-5044D4754E7C}" type="datetimeFigureOut">
               <a:rPr lang="en-US" smtClean="0"/>
-              <a:t>11/20/2021</a:t>
+              <a:t>11/21/2021</a:t>
             </a:fld>
             <a:endParaRPr lang="en-US"/>
           </a:p>
@@ -7132,7 +7132,7 @@
         </p:nvSpPr>
         <p:spPr>
           <a:xfrm>
-            <a:off x="5496887" y="855678"/>
+            <a:off x="3532163" y="870490"/>
             <a:ext cx="6094602" cy="646331"/>
           </a:xfrm>
           <a:prstGeom prst="rect">

--- a/memo.pptx
+++ b/memo.pptx
@@ -5,13 +5,14 @@
     <p:sldMasterId id="2147483648" r:id="rId1"/>
   </p:sldMasterIdLst>
   <p:notesMasterIdLst>
-    <p:notesMasterId r:id="rId6"/>
+    <p:notesMasterId r:id="rId7"/>
   </p:notesMasterIdLst>
   <p:sldIdLst>
     <p:sldId id="256" r:id="rId2"/>
     <p:sldId id="257" r:id="rId3"/>
     <p:sldId id="258" r:id="rId4"/>
     <p:sldId id="259" r:id="rId5"/>
+    <p:sldId id="260" r:id="rId6"/>
   </p:sldIdLst>
   <p:sldSz cx="12192000" cy="6858000"/>
   <p:notesSz cx="6858000" cy="9144000"/>
@@ -7252,6 +7253,268 @@
 </p:sld>
 </file>
 
+<file path=ppt/slides/slide5.xml><?xml version="1.0" encoding="utf-8"?>
+<p:sld xmlns:a="http://schemas.openxmlformats.org/drawingml/2006/main" xmlns:r="http://schemas.openxmlformats.org/officeDocument/2006/relationships" xmlns:p="http://schemas.openxmlformats.org/presentationml/2006/main">
+  <p:cSld>
+    <p:spTree>
+      <p:nvGrpSpPr>
+        <p:cNvPr id="1" name=""/>
+        <p:cNvGrpSpPr/>
+        <p:nvPr/>
+      </p:nvGrpSpPr>
+      <p:grpSpPr>
+        <a:xfrm>
+          <a:off x="0" y="0"/>
+          <a:ext cx="0" cy="0"/>
+          <a:chOff x="0" y="0"/>
+          <a:chExt cx="0" cy="0"/>
+        </a:xfrm>
+      </p:grpSpPr>
+      <p:pic>
+        <p:nvPicPr>
+          <p:cNvPr id="9" name="Picture 8">
+            <a:extLst>
+              <a:ext uri="{FF2B5EF4-FFF2-40B4-BE49-F238E27FC236}">
+                <a16:creationId xmlns:a16="http://schemas.microsoft.com/office/drawing/2014/main" id="{2C55BC20-49EB-4E96-9A3D-04F5A5843750}"/>
+              </a:ext>
+            </a:extLst>
+          </p:cNvPr>
+          <p:cNvPicPr>
+            <a:picLocks noChangeAspect="1"/>
+          </p:cNvPicPr>
+          <p:nvPr/>
+        </p:nvPicPr>
+        <p:blipFill>
+          <a:blip r:embed="rId2"/>
+          <a:stretch>
+            <a:fillRect/>
+          </a:stretch>
+        </p:blipFill>
+        <p:spPr>
+          <a:xfrm>
+            <a:off x="6046548" y="6864"/>
+            <a:ext cx="6145452" cy="6124113"/>
+          </a:xfrm>
+          <a:prstGeom prst="rect">
+            <a:avLst/>
+          </a:prstGeom>
+        </p:spPr>
+      </p:pic>
+      <p:sp>
+        <p:nvSpPr>
+          <p:cNvPr id="10" name="Title 1">
+            <a:extLst>
+              <a:ext uri="{FF2B5EF4-FFF2-40B4-BE49-F238E27FC236}">
+                <a16:creationId xmlns:a16="http://schemas.microsoft.com/office/drawing/2014/main" id="{51B126C8-B6A2-41DE-97F7-9672C469FF79}"/>
+              </a:ext>
+            </a:extLst>
+          </p:cNvPr>
+          <p:cNvSpPr>
+            <a:spLocks noGrp="1"/>
+          </p:cNvSpPr>
+          <p:nvPr>
+            <p:ph type="title"/>
+          </p:nvPr>
+        </p:nvSpPr>
+        <p:spPr>
+          <a:xfrm>
+            <a:off x="364705" y="82469"/>
+            <a:ext cx="2337486" cy="490552"/>
+          </a:xfrm>
+        </p:spPr>
+        <p:txBody>
+          <a:bodyPr>
+            <a:normAutofit/>
+          </a:bodyPr>
+          <a:lstStyle/>
+          <a:p>
+            <a:r>
+              <a:rPr lang="en-US" sz="2000" dirty="0"/>
+              <a:t>Latency</a:t>
+            </a:r>
+            <a:r>
+              <a:rPr lang="ko-KR" altLang="en-US" sz="2000" dirty="0"/>
+              <a:t> 분석</a:t>
+            </a:r>
+            <a:endParaRPr lang="en-US" sz="2000" dirty="0"/>
+          </a:p>
+        </p:txBody>
+      </p:sp>
+      <p:sp>
+        <p:nvSpPr>
+          <p:cNvPr id="11" name="Content Placeholder 2">
+            <a:extLst>
+              <a:ext uri="{FF2B5EF4-FFF2-40B4-BE49-F238E27FC236}">
+                <a16:creationId xmlns:a16="http://schemas.microsoft.com/office/drawing/2014/main" id="{4103F077-B4D9-4F8C-B90B-2B1911C8BFF2}"/>
+              </a:ext>
+            </a:extLst>
+          </p:cNvPr>
+          <p:cNvSpPr>
+            <a:spLocks noGrp="1"/>
+          </p:cNvSpPr>
+          <p:nvPr>
+            <p:ph idx="1"/>
+          </p:nvPr>
+        </p:nvSpPr>
+        <p:spPr>
+          <a:xfrm>
+            <a:off x="364705" y="897089"/>
+            <a:ext cx="5399903" cy="2093261"/>
+          </a:xfrm>
+        </p:spPr>
+        <p:txBody>
+          <a:bodyPr>
+            <a:normAutofit/>
+          </a:bodyPr>
+          <a:lstStyle/>
+          <a:p>
+            <a:r>
+              <a:rPr lang="en-US" sz="1800" dirty="0"/>
+              <a:t>Relative link power</a:t>
+            </a:r>
+            <a:r>
+              <a:rPr lang="ko-KR" altLang="en-US" sz="1800" dirty="0"/>
+              <a:t>가 </a:t>
+            </a:r>
+            <a:r>
+              <a:rPr lang="en-US" sz="1800" dirty="0" err="1"/>
+              <a:t>Unif</a:t>
+            </a:r>
+            <a:r>
+              <a:rPr lang="en-US" sz="1800" dirty="0"/>
+              <a:t>(0, 0.8) </a:t>
+            </a:r>
+            <a:r>
+              <a:rPr lang="ko-KR" altLang="en-US" sz="1800" dirty="0"/>
+              <a:t>일 때 </a:t>
+            </a:r>
+            <a:r>
+              <a:rPr lang="en-US" altLang="ko-KR" sz="1800" dirty="0"/>
+              <a:t>2000</a:t>
+            </a:r>
+            <a:r>
+              <a:rPr lang="ko-KR" altLang="en-US" sz="1800" dirty="0"/>
+              <a:t>개 샘플을 테스트</a:t>
+            </a:r>
+            <a:endParaRPr lang="en-US" altLang="ko-KR" sz="1800" dirty="0"/>
+          </a:p>
+          <a:p>
+            <a:r>
+              <a:rPr lang="en-US" sz="1800" dirty="0"/>
+              <a:t>1, 201, 401 , …., 1801</a:t>
+            </a:r>
+            <a:r>
+              <a:rPr lang="ko-KR" altLang="en-US" sz="1800" dirty="0"/>
+              <a:t>번째 샘플 </a:t>
+            </a:r>
+            <a:r>
+              <a:rPr lang="en-US" altLang="ko-KR" sz="1800" dirty="0"/>
+              <a:t>(</a:t>
+            </a:r>
+            <a:r>
+              <a:rPr lang="ko-KR" altLang="en-US" sz="1800" dirty="0"/>
+              <a:t>총 </a:t>
+            </a:r>
+            <a:r>
+              <a:rPr lang="en-US" altLang="ko-KR" sz="1800" dirty="0"/>
+              <a:t>10</a:t>
+            </a:r>
+            <a:r>
+              <a:rPr lang="ko-KR" altLang="en-US" sz="1800" dirty="0"/>
+              <a:t>개</a:t>
+            </a:r>
+            <a:r>
+              <a:rPr lang="en-US" altLang="ko-KR" sz="1800" dirty="0"/>
+              <a:t>)</a:t>
+            </a:r>
+            <a:r>
+              <a:rPr lang="ko-KR" altLang="en-US" sz="1800" dirty="0"/>
+              <a:t>의 </a:t>
+            </a:r>
+            <a:r>
+              <a:rPr lang="en-US" altLang="ko-KR" sz="1800" dirty="0"/>
+              <a:t>DNN inference </a:t>
+            </a:r>
+            <a:r>
+              <a:rPr lang="ko-KR" altLang="en-US" sz="1800" dirty="0"/>
+              <a:t>시간을 측정해보니 평균 </a:t>
+            </a:r>
+            <a:r>
+              <a:rPr lang="en-US" altLang="ko-KR" sz="1800" dirty="0"/>
+              <a:t>0.9937763214ms</a:t>
+            </a:r>
+            <a:endParaRPr lang="en-US" sz="1800" dirty="0"/>
+          </a:p>
+          <a:p>
+            <a:r>
+              <a:rPr lang="en-US" sz="1800" dirty="0"/>
+              <a:t>2000</a:t>
+            </a:r>
+            <a:r>
+              <a:rPr lang="ko-KR" altLang="en-US" sz="1800" dirty="0"/>
+              <a:t>번의 </a:t>
+            </a:r>
+            <a:r>
+              <a:rPr lang="en-US" altLang="ko-KR" sz="1800" dirty="0"/>
+              <a:t>inference</a:t>
+            </a:r>
+            <a:r>
+              <a:rPr lang="ko-KR" altLang="en-US" sz="1800" dirty="0"/>
+              <a:t>들에 대배 통째로 시간을 재보니 평균 </a:t>
+            </a:r>
+            <a:r>
+              <a:rPr lang="en-US" altLang="ko-KR" sz="1800" dirty="0"/>
+              <a:t>2.18861722946167sec/2000 = 1.0943ms</a:t>
+            </a:r>
+          </a:p>
+          <a:p>
+            <a:endParaRPr lang="en-US" sz="1800" dirty="0"/>
+          </a:p>
+        </p:txBody>
+      </p:sp>
+      <p:pic>
+        <p:nvPicPr>
+          <p:cNvPr id="13" name="Picture 12">
+            <a:extLst>
+              <a:ext uri="{FF2B5EF4-FFF2-40B4-BE49-F238E27FC236}">
+                <a16:creationId xmlns:a16="http://schemas.microsoft.com/office/drawing/2014/main" id="{376E2429-C2BA-442E-BA19-CB8746A33C9D}"/>
+              </a:ext>
+            </a:extLst>
+          </p:cNvPr>
+          <p:cNvPicPr>
+            <a:picLocks noChangeAspect="1"/>
+          </p:cNvPicPr>
+          <p:nvPr/>
+        </p:nvPicPr>
+        <p:blipFill>
+          <a:blip r:embed="rId3"/>
+          <a:stretch>
+            <a:fillRect/>
+          </a:stretch>
+        </p:blipFill>
+        <p:spPr>
+          <a:xfrm>
+            <a:off x="146471" y="3147934"/>
+            <a:ext cx="5836372" cy="3548793"/>
+          </a:xfrm>
+          <a:prstGeom prst="rect">
+            <a:avLst/>
+          </a:prstGeom>
+        </p:spPr>
+      </p:pic>
+    </p:spTree>
+    <p:extLst>
+      <p:ext uri="{BB962C8B-B14F-4D97-AF65-F5344CB8AC3E}">
+        <p14:creationId xmlns:p14="http://schemas.microsoft.com/office/powerpoint/2010/main" val="3294571220"/>
+      </p:ext>
+    </p:extLst>
+  </p:cSld>
+  <p:clrMapOvr>
+    <a:masterClrMapping/>
+  </p:clrMapOvr>
+</p:sld>
+</file>
+
 <file path=ppt/theme/theme1.xml><?xml version="1.0" encoding="utf-8"?>
 <a:theme xmlns:a="http://schemas.openxmlformats.org/drawingml/2006/main" name="Office Theme">
   <a:themeElements>

--- a/memo.pptx
+++ b/memo.pptx
@@ -5,7 +5,7 @@
     <p:sldMasterId id="2147483648" r:id="rId1"/>
   </p:sldMasterIdLst>
   <p:notesMasterIdLst>
-    <p:notesMasterId r:id="rId7"/>
+    <p:notesMasterId r:id="rId8"/>
   </p:notesMasterIdLst>
   <p:sldIdLst>
     <p:sldId id="256" r:id="rId2"/>
@@ -13,6 +13,7 @@
     <p:sldId id="258" r:id="rId4"/>
     <p:sldId id="259" r:id="rId5"/>
     <p:sldId id="260" r:id="rId6"/>
+    <p:sldId id="261" r:id="rId7"/>
   </p:sldIdLst>
   <p:sldSz cx="12192000" cy="6858000"/>
   <p:notesSz cx="6858000" cy="9144000"/>
@@ -201,7 +202,7 @@
           <a:p>
             <a:fld id="{A2654F65-B460-4D6E-92BA-CEA3AFED7124}" type="datetimeFigureOut">
               <a:rPr lang="en-US" smtClean="0"/>
-              <a:t>11/21/2021</a:t>
+              <a:t>12/8/2021</a:t>
             </a:fld>
             <a:endParaRPr lang="en-US"/>
           </a:p>
@@ -615,7 +616,7 @@
           <a:p>
             <a:fld id="{DEED0FA9-D346-4179-BC36-5044D4754E7C}" type="datetimeFigureOut">
               <a:rPr lang="en-US" smtClean="0"/>
-              <a:t>11/21/2021</a:t>
+              <a:t>12/8/2021</a:t>
             </a:fld>
             <a:endParaRPr lang="en-US"/>
           </a:p>
@@ -813,7 +814,7 @@
           <a:p>
             <a:fld id="{DEED0FA9-D346-4179-BC36-5044D4754E7C}" type="datetimeFigureOut">
               <a:rPr lang="en-US" smtClean="0"/>
-              <a:t>11/21/2021</a:t>
+              <a:t>12/8/2021</a:t>
             </a:fld>
             <a:endParaRPr lang="en-US"/>
           </a:p>
@@ -1021,7 +1022,7 @@
           <a:p>
             <a:fld id="{DEED0FA9-D346-4179-BC36-5044D4754E7C}" type="datetimeFigureOut">
               <a:rPr lang="en-US" smtClean="0"/>
-              <a:t>11/21/2021</a:t>
+              <a:t>12/8/2021</a:t>
             </a:fld>
             <a:endParaRPr lang="en-US"/>
           </a:p>
@@ -1219,7 +1220,7 @@
           <a:p>
             <a:fld id="{DEED0FA9-D346-4179-BC36-5044D4754E7C}" type="datetimeFigureOut">
               <a:rPr lang="en-US" smtClean="0"/>
-              <a:t>11/21/2021</a:t>
+              <a:t>12/8/2021</a:t>
             </a:fld>
             <a:endParaRPr lang="en-US"/>
           </a:p>
@@ -1494,7 +1495,7 @@
           <a:p>
             <a:fld id="{DEED0FA9-D346-4179-BC36-5044D4754E7C}" type="datetimeFigureOut">
               <a:rPr lang="en-US" smtClean="0"/>
-              <a:t>11/21/2021</a:t>
+              <a:t>12/8/2021</a:t>
             </a:fld>
             <a:endParaRPr lang="en-US"/>
           </a:p>
@@ -1759,7 +1760,7 @@
           <a:p>
             <a:fld id="{DEED0FA9-D346-4179-BC36-5044D4754E7C}" type="datetimeFigureOut">
               <a:rPr lang="en-US" smtClean="0"/>
-              <a:t>11/21/2021</a:t>
+              <a:t>12/8/2021</a:t>
             </a:fld>
             <a:endParaRPr lang="en-US"/>
           </a:p>
@@ -2171,7 +2172,7 @@
           <a:p>
             <a:fld id="{DEED0FA9-D346-4179-BC36-5044D4754E7C}" type="datetimeFigureOut">
               <a:rPr lang="en-US" smtClean="0"/>
-              <a:t>11/21/2021</a:t>
+              <a:t>12/8/2021</a:t>
             </a:fld>
             <a:endParaRPr lang="en-US"/>
           </a:p>
@@ -2312,7 +2313,7 @@
           <a:p>
             <a:fld id="{DEED0FA9-D346-4179-BC36-5044D4754E7C}" type="datetimeFigureOut">
               <a:rPr lang="en-US" smtClean="0"/>
-              <a:t>11/21/2021</a:t>
+              <a:t>12/8/2021</a:t>
             </a:fld>
             <a:endParaRPr lang="en-US"/>
           </a:p>
@@ -2425,7 +2426,7 @@
           <a:p>
             <a:fld id="{DEED0FA9-D346-4179-BC36-5044D4754E7C}" type="datetimeFigureOut">
               <a:rPr lang="en-US" smtClean="0"/>
-              <a:t>11/21/2021</a:t>
+              <a:t>12/8/2021</a:t>
             </a:fld>
             <a:endParaRPr lang="en-US"/>
           </a:p>
@@ -2736,7 +2737,7 @@
           <a:p>
             <a:fld id="{DEED0FA9-D346-4179-BC36-5044D4754E7C}" type="datetimeFigureOut">
               <a:rPr lang="en-US" smtClean="0"/>
-              <a:t>11/21/2021</a:t>
+              <a:t>12/8/2021</a:t>
             </a:fld>
             <a:endParaRPr lang="en-US"/>
           </a:p>
@@ -3024,7 +3025,7 @@
           <a:p>
             <a:fld id="{DEED0FA9-D346-4179-BC36-5044D4754E7C}" type="datetimeFigureOut">
               <a:rPr lang="en-US" smtClean="0"/>
-              <a:t>11/21/2021</a:t>
+              <a:t>12/8/2021</a:t>
             </a:fld>
             <a:endParaRPr lang="en-US"/>
           </a:p>
@@ -3265,7 +3266,7 @@
           <a:p>
             <a:fld id="{DEED0FA9-D346-4179-BC36-5044D4754E7C}" type="datetimeFigureOut">
               <a:rPr lang="en-US" smtClean="0"/>
-              <a:t>11/21/2021</a:t>
+              <a:t>12/8/2021</a:t>
             </a:fld>
             <a:endParaRPr lang="en-US"/>
           </a:p>
@@ -7292,8 +7293,8 @@
         </p:blipFill>
         <p:spPr>
           <a:xfrm>
-            <a:off x="6046548" y="6864"/>
-            <a:ext cx="6145452" cy="6124113"/>
+            <a:off x="6792097" y="0"/>
+            <a:ext cx="5153554" cy="5135659"/>
           </a:xfrm>
           <a:prstGeom prst="rect">
             <a:avLst/>
@@ -7324,19 +7325,14 @@
         </p:spPr>
         <p:txBody>
           <a:bodyPr>
-            <a:normAutofit/>
+            <a:normAutofit fontScale="90000"/>
           </a:bodyPr>
           <a:lstStyle/>
           <a:p>
             <a:r>
-              <a:rPr lang="en-US" sz="2000" dirty="0"/>
+              <a:rPr lang="en-US" sz="3200" b="1" dirty="0"/>
               <a:t>Latency</a:t>
             </a:r>
-            <a:r>
-              <a:rPr lang="ko-KR" altLang="en-US" sz="2000" dirty="0"/>
-              <a:t> 분석</a:t>
-            </a:r>
-            <a:endParaRPr lang="en-US" sz="2000" dirty="0"/>
           </a:p>
         </p:txBody>
       </p:sp>
@@ -7358,7 +7354,7 @@
         </p:nvSpPr>
         <p:spPr>
           <a:xfrm>
-            <a:off x="364705" y="897089"/>
+            <a:off x="146471" y="643357"/>
             <a:ext cx="5399903" cy="2093261"/>
           </a:xfrm>
         </p:spPr>
@@ -7494,18 +7490,887 @@
         </p:blipFill>
         <p:spPr>
           <a:xfrm>
-            <a:off x="146471" y="3147934"/>
-            <a:ext cx="5836372" cy="3548793"/>
+            <a:off x="146471" y="2755962"/>
+            <a:ext cx="4722514" cy="2871514"/>
           </a:xfrm>
           <a:prstGeom prst="rect">
             <a:avLst/>
           </a:prstGeom>
         </p:spPr>
       </p:pic>
+      <p:sp>
+        <p:nvSpPr>
+          <p:cNvPr id="6" name="Content Placeholder 2">
+            <a:extLst>
+              <a:ext uri="{FF2B5EF4-FFF2-40B4-BE49-F238E27FC236}">
+                <a16:creationId xmlns:a16="http://schemas.microsoft.com/office/drawing/2014/main" id="{6BAD4C2D-9A3C-4F74-B4F7-C246B7D975B3}"/>
+              </a:ext>
+            </a:extLst>
+          </p:cNvPr>
+          <p:cNvSpPr txBox="1">
+            <a:spLocks/>
+          </p:cNvSpPr>
+          <p:nvPr/>
+        </p:nvSpPr>
+        <p:spPr>
+          <a:xfrm>
+            <a:off x="146471" y="5960077"/>
+            <a:ext cx="9782976" cy="675184"/>
+          </a:xfrm>
+          <a:prstGeom prst="rect">
+            <a:avLst/>
+          </a:prstGeom>
+        </p:spPr>
+        <p:txBody>
+          <a:bodyPr vert="horz" lIns="91440" tIns="45720" rIns="91440" bIns="45720" rtlCol="0">
+            <a:normAutofit lnSpcReduction="10000"/>
+          </a:bodyPr>
+          <a:lstStyle>
+            <a:lvl1pPr marL="228600" indent="-228600" algn="l" defTabSz="914400" rtl="0" eaLnBrk="1" latinLnBrk="0" hangingPunct="1">
+              <a:lnSpc>
+                <a:spcPct val="90000"/>
+              </a:lnSpc>
+              <a:spcBef>
+                <a:spcPts val="1000"/>
+              </a:spcBef>
+              <a:buFont typeface="Arial" panose="020B0604020202020204" pitchFamily="34" charset="0"/>
+              <a:buChar char="•"/>
+              <a:defRPr sz="2800" kern="1200">
+                <a:solidFill>
+                  <a:schemeClr val="tx1"/>
+                </a:solidFill>
+                <a:latin typeface="+mn-lt"/>
+                <a:ea typeface="+mn-ea"/>
+                <a:cs typeface="+mn-cs"/>
+              </a:defRPr>
+            </a:lvl1pPr>
+            <a:lvl2pPr marL="685800" indent="-228600" algn="l" defTabSz="914400" rtl="0" eaLnBrk="1" latinLnBrk="0" hangingPunct="1">
+              <a:lnSpc>
+                <a:spcPct val="90000"/>
+              </a:lnSpc>
+              <a:spcBef>
+                <a:spcPts val="500"/>
+              </a:spcBef>
+              <a:buFont typeface="Arial" panose="020B0604020202020204" pitchFamily="34" charset="0"/>
+              <a:buChar char="•"/>
+              <a:defRPr sz="2400" kern="1200">
+                <a:solidFill>
+                  <a:schemeClr val="tx1"/>
+                </a:solidFill>
+                <a:latin typeface="+mn-lt"/>
+                <a:ea typeface="+mn-ea"/>
+                <a:cs typeface="+mn-cs"/>
+              </a:defRPr>
+            </a:lvl2pPr>
+            <a:lvl3pPr marL="1143000" indent="-228600" algn="l" defTabSz="914400" rtl="0" eaLnBrk="1" latinLnBrk="0" hangingPunct="1">
+              <a:lnSpc>
+                <a:spcPct val="90000"/>
+              </a:lnSpc>
+              <a:spcBef>
+                <a:spcPts val="500"/>
+              </a:spcBef>
+              <a:buFont typeface="Arial" panose="020B0604020202020204" pitchFamily="34" charset="0"/>
+              <a:buChar char="•"/>
+              <a:defRPr sz="2000" kern="1200">
+                <a:solidFill>
+                  <a:schemeClr val="tx1"/>
+                </a:solidFill>
+                <a:latin typeface="+mn-lt"/>
+                <a:ea typeface="+mn-ea"/>
+                <a:cs typeface="+mn-cs"/>
+              </a:defRPr>
+            </a:lvl3pPr>
+            <a:lvl4pPr marL="1600200" indent="-228600" algn="l" defTabSz="914400" rtl="0" eaLnBrk="1" latinLnBrk="0" hangingPunct="1">
+              <a:lnSpc>
+                <a:spcPct val="90000"/>
+              </a:lnSpc>
+              <a:spcBef>
+                <a:spcPts val="500"/>
+              </a:spcBef>
+              <a:buFont typeface="Arial" panose="020B0604020202020204" pitchFamily="34" charset="0"/>
+              <a:buChar char="•"/>
+              <a:defRPr sz="1800" kern="1200">
+                <a:solidFill>
+                  <a:schemeClr val="tx1"/>
+                </a:solidFill>
+                <a:latin typeface="+mn-lt"/>
+                <a:ea typeface="+mn-ea"/>
+                <a:cs typeface="+mn-cs"/>
+              </a:defRPr>
+            </a:lvl4pPr>
+            <a:lvl5pPr marL="2057400" indent="-228600" algn="l" defTabSz="914400" rtl="0" eaLnBrk="1" latinLnBrk="0" hangingPunct="1">
+              <a:lnSpc>
+                <a:spcPct val="90000"/>
+              </a:lnSpc>
+              <a:spcBef>
+                <a:spcPts val="500"/>
+              </a:spcBef>
+              <a:buFont typeface="Arial" panose="020B0604020202020204" pitchFamily="34" charset="0"/>
+              <a:buChar char="•"/>
+              <a:defRPr sz="1800" kern="1200">
+                <a:solidFill>
+                  <a:schemeClr val="tx1"/>
+                </a:solidFill>
+                <a:latin typeface="+mn-lt"/>
+                <a:ea typeface="+mn-ea"/>
+                <a:cs typeface="+mn-cs"/>
+              </a:defRPr>
+            </a:lvl5pPr>
+            <a:lvl6pPr marL="2514600" indent="-228600" algn="l" defTabSz="914400" rtl="0" eaLnBrk="1" latinLnBrk="0" hangingPunct="1">
+              <a:lnSpc>
+                <a:spcPct val="90000"/>
+              </a:lnSpc>
+              <a:spcBef>
+                <a:spcPts val="500"/>
+              </a:spcBef>
+              <a:buFont typeface="Arial" panose="020B0604020202020204" pitchFamily="34" charset="0"/>
+              <a:buChar char="•"/>
+              <a:defRPr sz="1800" kern="1200">
+                <a:solidFill>
+                  <a:schemeClr val="tx1"/>
+                </a:solidFill>
+                <a:latin typeface="+mn-lt"/>
+                <a:ea typeface="+mn-ea"/>
+                <a:cs typeface="+mn-cs"/>
+              </a:defRPr>
+            </a:lvl6pPr>
+            <a:lvl7pPr marL="2971800" indent="-228600" algn="l" defTabSz="914400" rtl="0" eaLnBrk="1" latinLnBrk="0" hangingPunct="1">
+              <a:lnSpc>
+                <a:spcPct val="90000"/>
+              </a:lnSpc>
+              <a:spcBef>
+                <a:spcPts val="500"/>
+              </a:spcBef>
+              <a:buFont typeface="Arial" panose="020B0604020202020204" pitchFamily="34" charset="0"/>
+              <a:buChar char="•"/>
+              <a:defRPr sz="1800" kern="1200">
+                <a:solidFill>
+                  <a:schemeClr val="tx1"/>
+                </a:solidFill>
+                <a:latin typeface="+mn-lt"/>
+                <a:ea typeface="+mn-ea"/>
+                <a:cs typeface="+mn-cs"/>
+              </a:defRPr>
+            </a:lvl7pPr>
+            <a:lvl8pPr marL="3429000" indent="-228600" algn="l" defTabSz="914400" rtl="0" eaLnBrk="1" latinLnBrk="0" hangingPunct="1">
+              <a:lnSpc>
+                <a:spcPct val="90000"/>
+              </a:lnSpc>
+              <a:spcBef>
+                <a:spcPts val="500"/>
+              </a:spcBef>
+              <a:buFont typeface="Arial" panose="020B0604020202020204" pitchFamily="34" charset="0"/>
+              <a:buChar char="•"/>
+              <a:defRPr sz="1800" kern="1200">
+                <a:solidFill>
+                  <a:schemeClr val="tx1"/>
+                </a:solidFill>
+                <a:latin typeface="+mn-lt"/>
+                <a:ea typeface="+mn-ea"/>
+                <a:cs typeface="+mn-cs"/>
+              </a:defRPr>
+            </a:lvl8pPr>
+            <a:lvl9pPr marL="3886200" indent="-228600" algn="l" defTabSz="914400" rtl="0" eaLnBrk="1" latinLnBrk="0" hangingPunct="1">
+              <a:lnSpc>
+                <a:spcPct val="90000"/>
+              </a:lnSpc>
+              <a:spcBef>
+                <a:spcPts val="500"/>
+              </a:spcBef>
+              <a:buFont typeface="Arial" panose="020B0604020202020204" pitchFamily="34" charset="0"/>
+              <a:buChar char="•"/>
+              <a:defRPr sz="1800" kern="1200">
+                <a:solidFill>
+                  <a:schemeClr val="tx1"/>
+                </a:solidFill>
+                <a:latin typeface="+mn-lt"/>
+                <a:ea typeface="+mn-ea"/>
+                <a:cs typeface="+mn-cs"/>
+              </a:defRPr>
+            </a:lvl9pPr>
+          </a:lstStyle>
+          <a:p>
+            <a:r>
+              <a:rPr lang="en-US" sz="1800" dirty="0"/>
+              <a:t>Message passing </a:t>
+            </a:r>
+            <a:r>
+              <a:rPr lang="ko-KR" altLang="en-US" sz="1800" dirty="0"/>
+              <a:t>할 때</a:t>
+            </a:r>
+            <a:r>
+              <a:rPr lang="en-US" altLang="ko-KR" sz="1800" dirty="0"/>
+              <a:t>:node</a:t>
+            </a:r>
+            <a:r>
+              <a:rPr lang="ko-KR" altLang="en-US" sz="1800" dirty="0"/>
+              <a:t>수</a:t>
+            </a:r>
+            <a:r>
+              <a:rPr lang="en-US" altLang="ko-KR" sz="1800" dirty="0"/>
+              <a:t>(5) * 10 </a:t>
+            </a:r>
+            <a:r>
+              <a:rPr lang="ko-KR" altLang="en-US" sz="1800" dirty="0"/>
+              <a:t>번 돌렸을 때 약 </a:t>
+            </a:r>
+            <a:r>
+              <a:rPr lang="en-US" altLang="ko-KR" sz="1800" dirty="0"/>
+              <a:t>8~9ms </a:t>
+            </a:r>
+            <a:r>
+              <a:rPr lang="ko-KR" altLang="en-US" sz="1800" dirty="0"/>
+              <a:t>걸림</a:t>
+            </a:r>
+            <a:endParaRPr lang="en-US" altLang="ko-KR" sz="1800" dirty="0"/>
+          </a:p>
+          <a:p>
+            <a:r>
+              <a:rPr lang="ko-KR" altLang="en-US" sz="1800" dirty="0"/>
+              <a:t>즉</a:t>
+            </a:r>
+            <a:r>
+              <a:rPr lang="en-US" altLang="ko-KR" sz="1800" dirty="0"/>
+              <a:t>, ML </a:t>
+            </a:r>
+            <a:r>
+              <a:rPr lang="ko-KR" altLang="en-US" sz="1800" dirty="0"/>
+              <a:t>형태가 대략 </a:t>
+            </a:r>
+            <a:r>
+              <a:rPr lang="en-US" altLang="ko-KR" sz="1800" dirty="0"/>
+              <a:t>10</a:t>
+            </a:r>
+            <a:r>
+              <a:rPr lang="ko-KR" altLang="en-US" sz="1800" dirty="0"/>
+              <a:t>배 </a:t>
+            </a:r>
+            <a:r>
+              <a:rPr lang="en-US" altLang="ko-KR" sz="1800" dirty="0"/>
+              <a:t>(+ </a:t>
+            </a:r>
+            <a:r>
+              <a:rPr lang="ko-KR" altLang="en-US" sz="1800" dirty="0"/>
+              <a:t>통신 오버헤드 만큼</a:t>
+            </a:r>
+            <a:r>
+              <a:rPr lang="en-US" altLang="ko-KR" sz="1800" dirty="0"/>
+              <a:t>)</a:t>
+            </a:r>
+            <a:r>
+              <a:rPr lang="ko-KR" altLang="en-US" sz="1800" dirty="0"/>
+              <a:t>더 빠름</a:t>
+            </a:r>
+            <a:endParaRPr lang="en-US" sz="1800" dirty="0"/>
+          </a:p>
+        </p:txBody>
+      </p:sp>
     </p:spTree>
     <p:extLst>
       <p:ext uri="{BB962C8B-B14F-4D97-AF65-F5344CB8AC3E}">
         <p14:creationId xmlns:p14="http://schemas.microsoft.com/office/powerpoint/2010/main" val="3294571220"/>
+      </p:ext>
+    </p:extLst>
+  </p:cSld>
+  <p:clrMapOvr>
+    <a:masterClrMapping/>
+  </p:clrMapOvr>
+</p:sld>
+</file>
+
+<file path=ppt/slides/slide6.xml><?xml version="1.0" encoding="utf-8"?>
+<p:sld xmlns:a="http://schemas.openxmlformats.org/drawingml/2006/main" xmlns:r="http://schemas.openxmlformats.org/officeDocument/2006/relationships" xmlns:p="http://schemas.openxmlformats.org/presentationml/2006/main">
+  <p:cSld>
+    <p:spTree>
+      <p:nvGrpSpPr>
+        <p:cNvPr id="1" name=""/>
+        <p:cNvGrpSpPr/>
+        <p:nvPr/>
+      </p:nvGrpSpPr>
+      <p:grpSpPr>
+        <a:xfrm>
+          <a:off x="0" y="0"/>
+          <a:ext cx="0" cy="0"/>
+          <a:chOff x="0" y="0"/>
+          <a:chExt cx="0" cy="0"/>
+        </a:xfrm>
+      </p:grpSpPr>
+      <p:pic>
+        <p:nvPicPr>
+          <p:cNvPr id="5" name="Picture 4">
+            <a:extLst>
+              <a:ext uri="{FF2B5EF4-FFF2-40B4-BE49-F238E27FC236}">
+                <a16:creationId xmlns:a16="http://schemas.microsoft.com/office/drawing/2014/main" id="{1CE54864-17B6-4D85-BA49-25011EC7F7F7}"/>
+              </a:ext>
+            </a:extLst>
+          </p:cNvPr>
+          <p:cNvPicPr>
+            <a:picLocks noChangeAspect="1"/>
+          </p:cNvPicPr>
+          <p:nvPr/>
+        </p:nvPicPr>
+        <p:blipFill rotWithShape="1">
+          <a:blip r:embed="rId2"/>
+          <a:srcRect b="2727"/>
+          <a:stretch/>
+        </p:blipFill>
+        <p:spPr>
+          <a:xfrm>
+            <a:off x="665285" y="1114479"/>
+            <a:ext cx="4059360" cy="5743521"/>
+          </a:xfrm>
+          <a:prstGeom prst="rect">
+            <a:avLst/>
+          </a:prstGeom>
+        </p:spPr>
+      </p:pic>
+      <p:sp>
+        <p:nvSpPr>
+          <p:cNvPr id="6" name="Title 1">
+            <a:extLst>
+              <a:ext uri="{FF2B5EF4-FFF2-40B4-BE49-F238E27FC236}">
+                <a16:creationId xmlns:a16="http://schemas.microsoft.com/office/drawing/2014/main" id="{A1533FF3-C1D4-409E-8D7B-A25D01E21A2D}"/>
+              </a:ext>
+            </a:extLst>
+          </p:cNvPr>
+          <p:cNvSpPr>
+            <a:spLocks noGrp="1"/>
+          </p:cNvSpPr>
+          <p:nvPr>
+            <p:ph type="title"/>
+          </p:nvPr>
+        </p:nvSpPr>
+        <p:spPr>
+          <a:xfrm>
+            <a:off x="364705" y="82469"/>
+            <a:ext cx="2902126" cy="490552"/>
+          </a:xfrm>
+        </p:spPr>
+        <p:txBody>
+          <a:bodyPr>
+            <a:normAutofit fontScale="90000"/>
+          </a:bodyPr>
+          <a:lstStyle/>
+          <a:p>
+            <a:r>
+              <a:rPr lang="en-US" sz="3200" dirty="0"/>
+              <a:t>message </a:t>
+            </a:r>
+            <a:r>
+              <a:rPr lang="ko-KR" altLang="en-US" sz="3200" dirty="0"/>
+              <a:t>수렴성</a:t>
+            </a:r>
+            <a:endParaRPr lang="en-US" sz="3200" dirty="0"/>
+          </a:p>
+        </p:txBody>
+      </p:sp>
+      <p:sp>
+        <p:nvSpPr>
+          <p:cNvPr id="7" name="TextBox 6">
+            <a:extLst>
+              <a:ext uri="{FF2B5EF4-FFF2-40B4-BE49-F238E27FC236}">
+                <a16:creationId xmlns:a16="http://schemas.microsoft.com/office/drawing/2014/main" id="{380ACC19-7D13-4708-B021-2EEB22CA4B78}"/>
+              </a:ext>
+            </a:extLst>
+          </p:cNvPr>
+          <p:cNvSpPr txBox="1"/>
+          <p:nvPr/>
+        </p:nvSpPr>
+        <p:spPr>
+          <a:xfrm>
+            <a:off x="-117050" y="745147"/>
+            <a:ext cx="5125915" cy="369332"/>
+          </a:xfrm>
+          <a:prstGeom prst="rect">
+            <a:avLst/>
+          </a:prstGeom>
+          <a:noFill/>
+        </p:spPr>
+        <p:txBody>
+          <a:bodyPr wrap="square">
+            <a:spAutoFit/>
+          </a:bodyPr>
+          <a:lstStyle/>
+          <a:p>
+            <a:pPr algn="ctr"/>
+            <a:r>
+              <a:rPr lang="en-US" altLang="ko-KR" dirty="0"/>
+              <a:t>3</a:t>
+            </a:r>
+            <a:r>
+              <a:rPr lang="ko-KR" altLang="en-US" dirty="0"/>
+              <a:t>가지 버젼의 </a:t>
+            </a:r>
+            <a:r>
+              <a:rPr lang="en-US" altLang="ko-KR" dirty="0"/>
+              <a:t>matching </a:t>
+            </a:r>
+            <a:r>
+              <a:rPr lang="ko-KR" altLang="en-US" dirty="0"/>
+              <a:t>용 </a:t>
+            </a:r>
+            <a:r>
+              <a:rPr lang="en-US" altLang="ko-KR" dirty="0"/>
+              <a:t>message update rules:</a:t>
+            </a:r>
+          </a:p>
+        </p:txBody>
+      </p:sp>
+      <p:pic>
+        <p:nvPicPr>
+          <p:cNvPr id="9" name="Picture 8">
+            <a:extLst>
+              <a:ext uri="{FF2B5EF4-FFF2-40B4-BE49-F238E27FC236}">
+                <a16:creationId xmlns:a16="http://schemas.microsoft.com/office/drawing/2014/main" id="{C53EB096-CD2A-4447-9E91-C966B0930F7A}"/>
+              </a:ext>
+            </a:extLst>
+          </p:cNvPr>
+          <p:cNvPicPr>
+            <a:picLocks noChangeAspect="1"/>
+          </p:cNvPicPr>
+          <p:nvPr/>
+        </p:nvPicPr>
+        <p:blipFill>
+          <a:blip r:embed="rId3"/>
+          <a:stretch>
+            <a:fillRect/>
+          </a:stretch>
+        </p:blipFill>
+        <p:spPr>
+          <a:xfrm>
+            <a:off x="5184797" y="4864255"/>
+            <a:ext cx="3615643" cy="1913114"/>
+          </a:xfrm>
+          <a:prstGeom prst="rect">
+            <a:avLst/>
+          </a:prstGeom>
+          <a:ln w="38100">
+            <a:solidFill>
+              <a:schemeClr val="accent1"/>
+            </a:solidFill>
+          </a:ln>
+        </p:spPr>
+      </p:pic>
+      <p:pic>
+        <p:nvPicPr>
+          <p:cNvPr id="11" name="Picture 10">
+            <a:extLst>
+              <a:ext uri="{FF2B5EF4-FFF2-40B4-BE49-F238E27FC236}">
+                <a16:creationId xmlns:a16="http://schemas.microsoft.com/office/drawing/2014/main" id="{B9298C93-A243-42B3-9EE9-2C3B271A11E8}"/>
+              </a:ext>
+            </a:extLst>
+          </p:cNvPr>
+          <p:cNvPicPr>
+            <a:picLocks noChangeAspect="1"/>
+          </p:cNvPicPr>
+          <p:nvPr/>
+        </p:nvPicPr>
+        <p:blipFill>
+          <a:blip r:embed="rId4"/>
+          <a:stretch>
+            <a:fillRect/>
+          </a:stretch>
+        </p:blipFill>
+        <p:spPr>
+          <a:xfrm>
+            <a:off x="5177426" y="47301"/>
+            <a:ext cx="3301962" cy="2747983"/>
+          </a:xfrm>
+          <a:prstGeom prst="rect">
+            <a:avLst/>
+          </a:prstGeom>
+          <a:ln w="38100">
+            <a:solidFill>
+              <a:schemeClr val="accent1"/>
+            </a:solidFill>
+          </a:ln>
+        </p:spPr>
+      </p:pic>
+      <p:pic>
+        <p:nvPicPr>
+          <p:cNvPr id="13" name="Picture 12">
+            <a:extLst>
+              <a:ext uri="{FF2B5EF4-FFF2-40B4-BE49-F238E27FC236}">
+                <a16:creationId xmlns:a16="http://schemas.microsoft.com/office/drawing/2014/main" id="{C4715450-9C8B-47B4-81F8-4A0FA80600C9}"/>
+              </a:ext>
+            </a:extLst>
+          </p:cNvPr>
+          <p:cNvPicPr>
+            <a:picLocks noChangeAspect="1"/>
+          </p:cNvPicPr>
+          <p:nvPr/>
+        </p:nvPicPr>
+        <p:blipFill>
+          <a:blip r:embed="rId5"/>
+          <a:stretch>
+            <a:fillRect/>
+          </a:stretch>
+        </p:blipFill>
+        <p:spPr>
+          <a:xfrm>
+            <a:off x="5177426" y="2887569"/>
+            <a:ext cx="3458042" cy="1875608"/>
+          </a:xfrm>
+          <a:prstGeom prst="rect">
+            <a:avLst/>
+          </a:prstGeom>
+          <a:ln w="38100">
+            <a:solidFill>
+              <a:schemeClr val="accent1"/>
+            </a:solidFill>
+          </a:ln>
+        </p:spPr>
+      </p:pic>
+      <p:sp>
+        <p:nvSpPr>
+          <p:cNvPr id="14" name="TextBox 13">
+            <a:extLst>
+              <a:ext uri="{FF2B5EF4-FFF2-40B4-BE49-F238E27FC236}">
+                <a16:creationId xmlns:a16="http://schemas.microsoft.com/office/drawing/2014/main" id="{BBD08DD6-EF8A-4109-8F57-7C56837B6119}"/>
+              </a:ext>
+            </a:extLst>
+          </p:cNvPr>
+          <p:cNvSpPr txBox="1"/>
+          <p:nvPr/>
+        </p:nvSpPr>
+        <p:spPr>
+          <a:xfrm>
+            <a:off x="8932169" y="2795284"/>
+            <a:ext cx="2225269" cy="369332"/>
+          </a:xfrm>
+          <a:prstGeom prst="rect">
+            <a:avLst/>
+          </a:prstGeom>
+          <a:noFill/>
+        </p:spPr>
+        <p:txBody>
+          <a:bodyPr wrap="square">
+            <a:spAutoFit/>
+          </a:bodyPr>
+          <a:lstStyle/>
+          <a:p>
+            <a:r>
+              <a:rPr lang="en-US" altLang="ko-KR" dirty="0" err="1"/>
+              <a:t>init</a:t>
+            </a:r>
+            <a:r>
+              <a:rPr lang="en-US" altLang="ko-KR" dirty="0"/>
+              <a:t>: alpha, rho = [0]</a:t>
+            </a:r>
+          </a:p>
+        </p:txBody>
+      </p:sp>
+      <p:pic>
+        <p:nvPicPr>
+          <p:cNvPr id="16" name="Picture 15">
+            <a:extLst>
+              <a:ext uri="{FF2B5EF4-FFF2-40B4-BE49-F238E27FC236}">
+                <a16:creationId xmlns:a16="http://schemas.microsoft.com/office/drawing/2014/main" id="{276D4B83-10BD-4EE2-926B-5D5F4D21AE48}"/>
+              </a:ext>
+            </a:extLst>
+          </p:cNvPr>
+          <p:cNvPicPr>
+            <a:picLocks noChangeAspect="1"/>
+          </p:cNvPicPr>
+          <p:nvPr/>
+        </p:nvPicPr>
+        <p:blipFill>
+          <a:blip r:embed="rId6"/>
+          <a:stretch>
+            <a:fillRect/>
+          </a:stretch>
+        </p:blipFill>
+        <p:spPr>
+          <a:xfrm>
+            <a:off x="8734365" y="3154337"/>
+            <a:ext cx="2768148" cy="1143160"/>
+          </a:xfrm>
+          <a:prstGeom prst="rect">
+            <a:avLst/>
+          </a:prstGeom>
+        </p:spPr>
+      </p:pic>
+      <p:cxnSp>
+        <p:nvCxnSpPr>
+          <p:cNvPr id="19" name="Straight Connector 18">
+            <a:extLst>
+              <a:ext uri="{FF2B5EF4-FFF2-40B4-BE49-F238E27FC236}">
+                <a16:creationId xmlns:a16="http://schemas.microsoft.com/office/drawing/2014/main" id="{FCE45924-D549-4EF1-AFBD-96F38E5AB7AE}"/>
+              </a:ext>
+            </a:extLst>
+          </p:cNvPr>
+          <p:cNvCxnSpPr>
+            <a:stCxn id="11" idx="1"/>
+          </p:cNvCxnSpPr>
+          <p:nvPr/>
+        </p:nvCxnSpPr>
+        <p:spPr>
+          <a:xfrm flipH="1">
+            <a:off x="4360985" y="1421293"/>
+            <a:ext cx="816441" cy="873500"/>
+          </a:xfrm>
+          <a:prstGeom prst="line">
+            <a:avLst/>
+          </a:prstGeom>
+          <a:ln w="28575"/>
+        </p:spPr>
+        <p:style>
+          <a:lnRef idx="1">
+            <a:schemeClr val="accent1"/>
+          </a:lnRef>
+          <a:fillRef idx="0">
+            <a:schemeClr val="accent1"/>
+          </a:fillRef>
+          <a:effectRef idx="0">
+            <a:schemeClr val="accent1"/>
+          </a:effectRef>
+          <a:fontRef idx="minor">
+            <a:schemeClr val="tx1"/>
+          </a:fontRef>
+        </p:style>
+      </p:cxnSp>
+      <p:cxnSp>
+        <p:nvCxnSpPr>
+          <p:cNvPr id="20" name="Straight Connector 19">
+            <a:extLst>
+              <a:ext uri="{FF2B5EF4-FFF2-40B4-BE49-F238E27FC236}">
+                <a16:creationId xmlns:a16="http://schemas.microsoft.com/office/drawing/2014/main" id="{019B29E6-16AE-4172-ACE7-7A133C96EA60}"/>
+              </a:ext>
+            </a:extLst>
+          </p:cNvPr>
+          <p:cNvCxnSpPr>
+            <a:cxnSpLocks/>
+            <a:stCxn id="13" idx="1"/>
+          </p:cNvCxnSpPr>
+          <p:nvPr/>
+        </p:nvCxnSpPr>
+        <p:spPr>
+          <a:xfrm flipH="1">
+            <a:off x="4458536" y="3825373"/>
+            <a:ext cx="718890" cy="169658"/>
+          </a:xfrm>
+          <a:prstGeom prst="line">
+            <a:avLst/>
+          </a:prstGeom>
+          <a:ln w="28575"/>
+        </p:spPr>
+        <p:style>
+          <a:lnRef idx="1">
+            <a:schemeClr val="accent1"/>
+          </a:lnRef>
+          <a:fillRef idx="0">
+            <a:schemeClr val="accent1"/>
+          </a:fillRef>
+          <a:effectRef idx="0">
+            <a:schemeClr val="accent1"/>
+          </a:effectRef>
+          <a:fontRef idx="minor">
+            <a:schemeClr val="tx1"/>
+          </a:fontRef>
+        </p:style>
+      </p:cxnSp>
+      <p:cxnSp>
+        <p:nvCxnSpPr>
+          <p:cNvPr id="23" name="Straight Connector 22">
+            <a:extLst>
+              <a:ext uri="{FF2B5EF4-FFF2-40B4-BE49-F238E27FC236}">
+                <a16:creationId xmlns:a16="http://schemas.microsoft.com/office/drawing/2014/main" id="{E11C5B15-F73D-47A1-B0C2-89D1B1AC412A}"/>
+              </a:ext>
+            </a:extLst>
+          </p:cNvPr>
+          <p:cNvCxnSpPr>
+            <a:cxnSpLocks/>
+            <a:stCxn id="9" idx="1"/>
+          </p:cNvCxnSpPr>
+          <p:nvPr/>
+        </p:nvCxnSpPr>
+        <p:spPr>
+          <a:xfrm flipH="1">
+            <a:off x="4360987" y="5820812"/>
+            <a:ext cx="823810" cy="623949"/>
+          </a:xfrm>
+          <a:prstGeom prst="line">
+            <a:avLst/>
+          </a:prstGeom>
+          <a:ln w="28575"/>
+        </p:spPr>
+        <p:style>
+          <a:lnRef idx="1">
+            <a:schemeClr val="accent1"/>
+          </a:lnRef>
+          <a:fillRef idx="0">
+            <a:schemeClr val="accent1"/>
+          </a:fillRef>
+          <a:effectRef idx="0">
+            <a:schemeClr val="accent1"/>
+          </a:effectRef>
+          <a:fontRef idx="minor">
+            <a:schemeClr val="tx1"/>
+          </a:fontRef>
+        </p:style>
+      </p:cxnSp>
+      <p:sp>
+        <p:nvSpPr>
+          <p:cNvPr id="26" name="TextBox 25">
+            <a:extLst>
+              <a:ext uri="{FF2B5EF4-FFF2-40B4-BE49-F238E27FC236}">
+                <a16:creationId xmlns:a16="http://schemas.microsoft.com/office/drawing/2014/main" id="{F72D61BC-43DE-4DEE-A3BB-45AFF8E20784}"/>
+              </a:ext>
+            </a:extLst>
+          </p:cNvPr>
+          <p:cNvSpPr txBox="1"/>
+          <p:nvPr/>
+        </p:nvSpPr>
+        <p:spPr>
+          <a:xfrm>
+            <a:off x="8800440" y="6337395"/>
+            <a:ext cx="3311501" cy="369332"/>
+          </a:xfrm>
+          <a:prstGeom prst="rect">
+            <a:avLst/>
+          </a:prstGeom>
+          <a:noFill/>
+        </p:spPr>
+        <p:txBody>
+          <a:bodyPr wrap="square">
+            <a:spAutoFit/>
+          </a:bodyPr>
+          <a:lstStyle/>
+          <a:p>
+            <a:r>
+              <a:rPr lang="en-US" altLang="ko-KR" dirty="0"/>
+              <a:t>(2) </a:t>
+            </a:r>
+            <a:r>
+              <a:rPr lang="en-US" altLang="ko-KR" dirty="0" err="1"/>
+              <a:t>init</a:t>
+            </a:r>
+            <a:r>
+              <a:rPr lang="en-US" altLang="ko-KR" dirty="0"/>
+              <a:t>: alpha = w/2 , rho = -w/2</a:t>
+            </a:r>
+          </a:p>
+        </p:txBody>
+      </p:sp>
+      <p:pic>
+        <p:nvPicPr>
+          <p:cNvPr id="28" name="Picture 27">
+            <a:extLst>
+              <a:ext uri="{FF2B5EF4-FFF2-40B4-BE49-F238E27FC236}">
+                <a16:creationId xmlns:a16="http://schemas.microsoft.com/office/drawing/2014/main" id="{E498CBD5-E4A1-4E87-9B67-F12FF9E91CC6}"/>
+              </a:ext>
+            </a:extLst>
+          </p:cNvPr>
+          <p:cNvPicPr>
+            <a:picLocks noChangeAspect="1"/>
+          </p:cNvPicPr>
+          <p:nvPr/>
+        </p:nvPicPr>
+        <p:blipFill>
+          <a:blip r:embed="rId7"/>
+          <a:stretch>
+            <a:fillRect/>
+          </a:stretch>
+        </p:blipFill>
+        <p:spPr>
+          <a:xfrm>
+            <a:off x="8932169" y="4996809"/>
+            <a:ext cx="2819794" cy="1143160"/>
+          </a:xfrm>
+          <a:prstGeom prst="rect">
+            <a:avLst/>
+          </a:prstGeom>
+        </p:spPr>
+      </p:pic>
+      <p:sp>
+        <p:nvSpPr>
+          <p:cNvPr id="29" name="TextBox 28">
+            <a:extLst>
+              <a:ext uri="{FF2B5EF4-FFF2-40B4-BE49-F238E27FC236}">
+                <a16:creationId xmlns:a16="http://schemas.microsoft.com/office/drawing/2014/main" id="{7779FC06-612E-415D-B8D2-5D14AD8E6CEC}"/>
+              </a:ext>
+            </a:extLst>
+          </p:cNvPr>
+          <p:cNvSpPr txBox="1"/>
+          <p:nvPr/>
+        </p:nvSpPr>
+        <p:spPr>
+          <a:xfrm>
+            <a:off x="8767197" y="4656550"/>
+            <a:ext cx="2622014" cy="369332"/>
+          </a:xfrm>
+          <a:prstGeom prst="rect">
+            <a:avLst/>
+          </a:prstGeom>
+          <a:noFill/>
+        </p:spPr>
+        <p:txBody>
+          <a:bodyPr wrap="square">
+            <a:spAutoFit/>
+          </a:bodyPr>
+          <a:lstStyle/>
+          <a:p>
+            <a:r>
+              <a:rPr lang="en-US" altLang="ko-KR" dirty="0"/>
+              <a:t>(1) </a:t>
+            </a:r>
+            <a:r>
+              <a:rPr lang="en-US" altLang="ko-KR" dirty="0" err="1"/>
+              <a:t>init</a:t>
+            </a:r>
+            <a:r>
+              <a:rPr lang="en-US" altLang="ko-KR" dirty="0"/>
+              <a:t>: alpha, rho = [0]</a:t>
+            </a:r>
+          </a:p>
+        </p:txBody>
+      </p:sp>
+      <p:cxnSp>
+        <p:nvCxnSpPr>
+          <p:cNvPr id="31" name="Connector: Curved 30">
+            <a:extLst>
+              <a:ext uri="{FF2B5EF4-FFF2-40B4-BE49-F238E27FC236}">
+                <a16:creationId xmlns:a16="http://schemas.microsoft.com/office/drawing/2014/main" id="{11174288-DA49-4BF7-B25C-1568E1492F84}"/>
+              </a:ext>
+            </a:extLst>
+          </p:cNvPr>
+          <p:cNvCxnSpPr>
+            <a:cxnSpLocks/>
+            <a:endCxn id="16" idx="3"/>
+          </p:cNvCxnSpPr>
+          <p:nvPr/>
+        </p:nvCxnSpPr>
+        <p:spPr>
+          <a:xfrm rot="16200000" flipV="1">
+            <a:off x="10295031" y="4933399"/>
+            <a:ext cx="2796144" cy="381179"/>
+          </a:xfrm>
+          <a:prstGeom prst="curvedConnector2">
+            <a:avLst/>
+          </a:prstGeom>
+          <a:ln w="38100">
+            <a:tailEnd type="triangle"/>
+          </a:ln>
+        </p:spPr>
+        <p:style>
+          <a:lnRef idx="1">
+            <a:schemeClr val="accent1"/>
+          </a:lnRef>
+          <a:fillRef idx="0">
+            <a:schemeClr val="accent1"/>
+          </a:fillRef>
+          <a:effectRef idx="0">
+            <a:schemeClr val="accent1"/>
+          </a:effectRef>
+          <a:fontRef idx="minor">
+            <a:schemeClr val="tx1"/>
+          </a:fontRef>
+        </p:style>
+      </p:cxnSp>
+    </p:spTree>
+    <p:extLst>
+      <p:ext uri="{BB962C8B-B14F-4D97-AF65-F5344CB8AC3E}">
+        <p14:creationId xmlns:p14="http://schemas.microsoft.com/office/powerpoint/2010/main" val="94710740"/>
       </p:ext>
     </p:extLst>
   </p:cSld>

--- a/memo.pptx
+++ b/memo.pptx
@@ -5,7 +5,7 @@
     <p:sldMasterId id="2147483648" r:id="rId1"/>
   </p:sldMasterIdLst>
   <p:notesMasterIdLst>
-    <p:notesMasterId r:id="rId12"/>
+    <p:notesMasterId r:id="rId13"/>
   </p:notesMasterIdLst>
   <p:sldIdLst>
     <p:sldId id="256" r:id="rId2"/>
@@ -18,6 +18,7 @@
     <p:sldId id="263" r:id="rId9"/>
     <p:sldId id="265" r:id="rId10"/>
     <p:sldId id="264" r:id="rId11"/>
+    <p:sldId id="267" r:id="rId12"/>
   </p:sldIdLst>
   <p:sldSz cx="12192000" cy="6858000"/>
   <p:notesSz cx="6858000" cy="9144000"/>
@@ -4134,7 +4135,7 @@
         </p:nvSpPr>
         <p:spPr>
           <a:xfrm>
-            <a:off x="146471" y="2730325"/>
+            <a:off x="146471" y="2590824"/>
             <a:ext cx="8056752" cy="385343"/>
           </a:xfrm>
           <a:prstGeom prst="rect">
@@ -4312,12 +4313,12 @@
           <a:p>
             <a:r>
               <a:rPr lang="en-US" altLang="ko-KR" sz="1800" dirty="0"/>
-              <a:t>REINFORCE reward vs episode –</a:t>
+              <a:t>REINFORCE reward vs episode – </a:t>
             </a:r>
             <a:r>
               <a:rPr lang="ko-KR" altLang="en-US" sz="1800" dirty="0">
                 <a:solidFill>
-                  <a:srgbClr val="FF0000"/>
+                  <a:schemeClr val="accent2"/>
                 </a:solidFill>
               </a:rPr>
               <a:t>학습 </a:t>
@@ -4325,14 +4326,30 @@
             <a:r>
               <a:rPr lang="en-US" altLang="ko-KR" sz="1800" dirty="0">
                 <a:solidFill>
-                  <a:srgbClr val="FF0000"/>
+                  <a:schemeClr val="accent2"/>
                 </a:solidFill>
               </a:rPr>
-              <a:t>X</a:t>
+              <a:t>X (local</a:t>
+            </a:r>
+            <a:r>
+              <a:rPr lang="ko-KR" altLang="en-US" sz="1800" dirty="0">
+                <a:solidFill>
+                  <a:schemeClr val="accent2"/>
+                </a:solidFill>
+              </a:rPr>
+              <a:t> </a:t>
+            </a:r>
+            <a:r>
+              <a:rPr lang="en-US" altLang="ko-KR" sz="1800" dirty="0">
+                <a:solidFill>
+                  <a:schemeClr val="accent2"/>
+                </a:solidFill>
+              </a:rPr>
+              <a:t>optimum)</a:t>
             </a:r>
             <a:endParaRPr lang="en-US" sz="1800" dirty="0">
               <a:solidFill>
-                <a:srgbClr val="FF0000"/>
+                <a:schemeClr val="accent2"/>
               </a:solidFill>
             </a:endParaRPr>
           </a:p>
@@ -4340,10 +4357,828 @@
       </p:sp>
       <p:pic>
         <p:nvPicPr>
-          <p:cNvPr id="19" name="Picture 18">
+          <p:cNvPr id="21" name="Picture 20">
             <a:extLst>
               <a:ext uri="{FF2B5EF4-FFF2-40B4-BE49-F238E27FC236}">
-                <a16:creationId xmlns:a16="http://schemas.microsoft.com/office/drawing/2014/main" id="{51628C11-0559-4195-BA54-5425DFEDB17B}"/>
+                <a16:creationId xmlns:a16="http://schemas.microsoft.com/office/drawing/2014/main" id="{C9EBEA0F-B4B4-48FD-8FBC-77565DFFEFDD}"/>
+              </a:ext>
+            </a:extLst>
+          </p:cNvPr>
+          <p:cNvPicPr>
+            <a:picLocks noChangeAspect="1"/>
+          </p:cNvPicPr>
+          <p:nvPr/>
+        </p:nvPicPr>
+        <p:blipFill rotWithShape="1">
+          <a:blip r:embed="rId3"/>
+          <a:srcRect r="21086" b="53609"/>
+          <a:stretch/>
+        </p:blipFill>
+        <p:spPr>
+          <a:xfrm>
+            <a:off x="5805854" y="3944463"/>
+            <a:ext cx="2819401" cy="2153978"/>
+          </a:xfrm>
+          <a:prstGeom prst="rect">
+            <a:avLst/>
+          </a:prstGeom>
+        </p:spPr>
+      </p:pic>
+      <p:pic>
+        <p:nvPicPr>
+          <p:cNvPr id="25" name="Picture 24">
+            <a:extLst>
+              <a:ext uri="{FF2B5EF4-FFF2-40B4-BE49-F238E27FC236}">
+                <a16:creationId xmlns:a16="http://schemas.microsoft.com/office/drawing/2014/main" id="{98E5B3E1-2C85-49AC-A08A-6F3D3E7FFBF0}"/>
+              </a:ext>
+            </a:extLst>
+          </p:cNvPr>
+          <p:cNvPicPr>
+            <a:picLocks noChangeAspect="1"/>
+          </p:cNvPicPr>
+          <p:nvPr/>
+        </p:nvPicPr>
+        <p:blipFill>
+          <a:blip r:embed="rId4"/>
+          <a:stretch>
+            <a:fillRect/>
+          </a:stretch>
+        </p:blipFill>
+        <p:spPr>
+          <a:xfrm>
+            <a:off x="75704" y="3042443"/>
+            <a:ext cx="5700842" cy="3105560"/>
+          </a:xfrm>
+          <a:prstGeom prst="rect">
+            <a:avLst/>
+          </a:prstGeom>
+        </p:spPr>
+      </p:pic>
+      <p:pic>
+        <p:nvPicPr>
+          <p:cNvPr id="27" name="Picture 26">
+            <a:extLst>
+              <a:ext uri="{FF2B5EF4-FFF2-40B4-BE49-F238E27FC236}">
+                <a16:creationId xmlns:a16="http://schemas.microsoft.com/office/drawing/2014/main" id="{B4B4BC44-A241-47B6-8EC9-ADD0CFF8C4BF}"/>
+              </a:ext>
+            </a:extLst>
+          </p:cNvPr>
+          <p:cNvPicPr>
+            <a:picLocks noChangeAspect="1"/>
+          </p:cNvPicPr>
+          <p:nvPr/>
+        </p:nvPicPr>
+        <p:blipFill>
+          <a:blip r:embed="rId5"/>
+          <a:stretch>
+            <a:fillRect/>
+          </a:stretch>
+        </p:blipFill>
+        <p:spPr>
+          <a:xfrm>
+            <a:off x="6621777" y="830908"/>
+            <a:ext cx="5492124" cy="2886057"/>
+          </a:xfrm>
+          <a:prstGeom prst="rect">
+            <a:avLst/>
+          </a:prstGeom>
+        </p:spPr>
+      </p:pic>
+      <p:pic>
+        <p:nvPicPr>
+          <p:cNvPr id="28" name="Picture 27">
+            <a:extLst>
+              <a:ext uri="{FF2B5EF4-FFF2-40B4-BE49-F238E27FC236}">
+                <a16:creationId xmlns:a16="http://schemas.microsoft.com/office/drawing/2014/main" id="{08830BCE-CA18-4574-BE1D-60217478493A}"/>
+              </a:ext>
+            </a:extLst>
+          </p:cNvPr>
+          <p:cNvPicPr>
+            <a:picLocks noChangeAspect="1"/>
+          </p:cNvPicPr>
+          <p:nvPr/>
+        </p:nvPicPr>
+        <p:blipFill rotWithShape="1">
+          <a:blip r:embed="rId3"/>
+          <a:srcRect t="46052" r="13851"/>
+          <a:stretch/>
+        </p:blipFill>
+        <p:spPr>
+          <a:xfrm>
+            <a:off x="8693273" y="3944463"/>
+            <a:ext cx="3420628" cy="2783808"/>
+          </a:xfrm>
+          <a:prstGeom prst="rect">
+            <a:avLst/>
+          </a:prstGeom>
+        </p:spPr>
+      </p:pic>
+      <mc:AlternateContent xmlns:mc="http://schemas.openxmlformats.org/markup-compatibility/2006">
+        <mc:Choice xmlns:a14="http://schemas.microsoft.com/office/drawing/2010/main" Requires="a14">
+          <p:sp>
+            <p:nvSpPr>
+              <p:cNvPr id="30" name="TextBox 29">
+                <a:extLst>
+                  <a:ext uri="{FF2B5EF4-FFF2-40B4-BE49-F238E27FC236}">
+                    <a16:creationId xmlns:a16="http://schemas.microsoft.com/office/drawing/2014/main" id="{2311FAF6-EA41-42AC-9A68-66D650D928B1}"/>
+                  </a:ext>
+                </a:extLst>
+              </p:cNvPr>
+              <p:cNvSpPr txBox="1"/>
+              <p:nvPr/>
+            </p:nvSpPr>
+            <p:spPr>
+              <a:xfrm>
+                <a:off x="8315326" y="66403"/>
+                <a:ext cx="3624629" cy="764505"/>
+              </a:xfrm>
+              <a:prstGeom prst="rect">
+                <a:avLst/>
+              </a:prstGeom>
+              <a:noFill/>
+            </p:spPr>
+            <p:txBody>
+              <a:bodyPr wrap="square">
+                <a:spAutoFit/>
+              </a:bodyPr>
+              <a:lstStyle/>
+              <a:p>
+                <a:pPr/>
+                <a14:m>
+                  <m:oMathPara xmlns:m="http://schemas.openxmlformats.org/officeDocument/2006/math">
+                    <m:oMathParaPr>
+                      <m:jc m:val="centerGroup"/>
+                    </m:oMathParaPr>
+                    <m:oMath xmlns:m="http://schemas.openxmlformats.org/officeDocument/2006/math">
+                      <m:r>
+                        <a:rPr lang="en-US" sz="1800" b="0" i="1" smtClean="0">
+                          <a:latin typeface="Cambria Math" panose="02040503050406030204" pitchFamily="18" charset="0"/>
+                        </a:rPr>
+                        <m:t>𝑙𝑜𝑠𝑠</m:t>
+                      </m:r>
+                      <m:r>
+                        <a:rPr lang="en-US" sz="1800" b="0" i="1" smtClean="0">
+                          <a:latin typeface="Cambria Math" panose="02040503050406030204" pitchFamily="18" charset="0"/>
+                        </a:rPr>
+                        <m:t>=−</m:t>
+                      </m:r>
+                      <m:nary>
+                        <m:naryPr>
+                          <m:chr m:val="∑"/>
+                          <m:supHide m:val="on"/>
+                          <m:ctrlPr>
+                            <a:rPr lang="en-US" sz="1800" b="0" i="1" smtClean="0">
+                              <a:latin typeface="Cambria Math" panose="02040503050406030204" pitchFamily="18" charset="0"/>
+                            </a:rPr>
+                          </m:ctrlPr>
+                        </m:naryPr>
+                        <m:sub>
+                          <m:r>
+                            <a:rPr lang="en-US" sz="1800" b="0" i="1" smtClean="0">
+                              <a:latin typeface="Cambria Math" panose="02040503050406030204" pitchFamily="18" charset="0"/>
+                            </a:rPr>
+                            <m:t>𝑡</m:t>
+                          </m:r>
+                        </m:sub>
+                        <m:sup/>
+                        <m:e>
+                          <m:r>
+                            <a:rPr lang="en-US" i="1" smtClean="0">
+                              <a:solidFill>
+                                <a:schemeClr val="tx1"/>
+                              </a:solidFill>
+                              <a:latin typeface="Cambria Math" panose="02040503050406030204" pitchFamily="18" charset="0"/>
+                            </a:rPr>
+                            <m:t>𝑙𝑜𝑔</m:t>
+                          </m:r>
+                          <m:sSub>
+                            <m:sSubPr>
+                              <m:ctrlPr>
+                                <a:rPr lang="en-US" i="1">
+                                  <a:solidFill>
+                                    <a:schemeClr val="tx1"/>
+                                  </a:solidFill>
+                                  <a:latin typeface="Cambria Math" panose="02040503050406030204" pitchFamily="18" charset="0"/>
+                                </a:rPr>
+                              </m:ctrlPr>
+                            </m:sSubPr>
+                            <m:e>
+                              <m:r>
+                                <a:rPr lang="en-US" i="1">
+                                  <a:solidFill>
+                                    <a:schemeClr val="tx1"/>
+                                  </a:solidFill>
+                                  <a:latin typeface="Cambria Math" panose="02040503050406030204" pitchFamily="18" charset="0"/>
+                                </a:rPr>
+                                <m:t>𝜋</m:t>
+                              </m:r>
+                            </m:e>
+                            <m:sub>
+                              <m:r>
+                                <a:rPr lang="en-US" i="1">
+                                  <a:solidFill>
+                                    <a:schemeClr val="tx1"/>
+                                  </a:solidFill>
+                                  <a:latin typeface="Cambria Math" panose="02040503050406030204" pitchFamily="18" charset="0"/>
+                                </a:rPr>
+                                <m:t>𝜃</m:t>
+                              </m:r>
+                            </m:sub>
+                          </m:sSub>
+                          <m:d>
+                            <m:dPr>
+                              <m:ctrlPr>
+                                <a:rPr lang="en-US" i="1">
+                                  <a:solidFill>
+                                    <a:schemeClr val="tx1"/>
+                                  </a:solidFill>
+                                  <a:latin typeface="Cambria Math" panose="02040503050406030204" pitchFamily="18" charset="0"/>
+                                </a:rPr>
+                              </m:ctrlPr>
+                            </m:dPr>
+                            <m:e>
+                              <m:sSup>
+                                <m:sSupPr>
+                                  <m:ctrlPr>
+                                    <a:rPr lang="en-US" i="1">
+                                      <a:solidFill>
+                                        <a:schemeClr val="tx1"/>
+                                      </a:solidFill>
+                                      <a:latin typeface="Cambria Math" panose="02040503050406030204" pitchFamily="18" charset="0"/>
+                                    </a:rPr>
+                                  </m:ctrlPr>
+                                </m:sSupPr>
+                                <m:e>
+                                  <m:r>
+                                    <a:rPr lang="en-US" i="1">
+                                      <a:solidFill>
+                                        <a:schemeClr val="tx1"/>
+                                      </a:solidFill>
+                                      <a:latin typeface="Cambria Math" panose="02040503050406030204" pitchFamily="18" charset="0"/>
+                                    </a:rPr>
+                                    <m:t>𝑎</m:t>
+                                  </m:r>
+                                </m:e>
+                                <m:sup>
+                                  <m:r>
+                                    <a:rPr lang="en-US" i="1">
+                                      <a:solidFill>
+                                        <a:schemeClr val="tx1"/>
+                                      </a:solidFill>
+                                      <a:latin typeface="Cambria Math" panose="02040503050406030204" pitchFamily="18" charset="0"/>
+                                    </a:rPr>
+                                    <m:t>𝑡</m:t>
+                                  </m:r>
+                                </m:sup>
+                              </m:sSup>
+                            </m:e>
+                            <m:e>
+                              <m:sSup>
+                                <m:sSupPr>
+                                  <m:ctrlPr>
+                                    <a:rPr lang="en-US" i="1">
+                                      <a:solidFill>
+                                        <a:schemeClr val="tx1"/>
+                                      </a:solidFill>
+                                      <a:latin typeface="Cambria Math" panose="02040503050406030204" pitchFamily="18" charset="0"/>
+                                    </a:rPr>
+                                  </m:ctrlPr>
+                                </m:sSupPr>
+                                <m:e>
+                                  <m:r>
+                                    <a:rPr lang="en-US" i="1">
+                                      <a:solidFill>
+                                        <a:schemeClr val="tx1"/>
+                                      </a:solidFill>
+                                      <a:latin typeface="Cambria Math" panose="02040503050406030204" pitchFamily="18" charset="0"/>
+                                    </a:rPr>
+                                    <m:t>𝑠</m:t>
+                                  </m:r>
+                                </m:e>
+                                <m:sup>
+                                  <m:r>
+                                    <a:rPr lang="en-US" i="1">
+                                      <a:solidFill>
+                                        <a:schemeClr val="tx1"/>
+                                      </a:solidFill>
+                                      <a:latin typeface="Cambria Math" panose="02040503050406030204" pitchFamily="18" charset="0"/>
+                                    </a:rPr>
+                                    <m:t>𝑡</m:t>
+                                  </m:r>
+                                </m:sup>
+                              </m:sSup>
+                            </m:e>
+                          </m:d>
+                          <m:r>
+                            <a:rPr lang="en-US" b="0" i="1" smtClean="0">
+                              <a:solidFill>
+                                <a:schemeClr val="tx1"/>
+                              </a:solidFill>
+                              <a:latin typeface="Cambria Math" panose="02040503050406030204" pitchFamily="18" charset="0"/>
+                            </a:rPr>
+                            <m:t>⋅</m:t>
+                          </m:r>
+                          <m:sSup>
+                            <m:sSupPr>
+                              <m:ctrlPr>
+                                <a:rPr lang="en-US" i="1">
+                                  <a:latin typeface="Cambria Math" panose="02040503050406030204" pitchFamily="18" charset="0"/>
+                                </a:rPr>
+                              </m:ctrlPr>
+                            </m:sSupPr>
+                            <m:e>
+                              <m:r>
+                                <m:rPr>
+                                  <m:sty m:val="p"/>
+                                </m:rPr>
+                                <a:rPr lang="en-US">
+                                  <a:latin typeface="Cambria Math" panose="02040503050406030204" pitchFamily="18" charset="0"/>
+                                </a:rPr>
+                                <m:t>r</m:t>
+                              </m:r>
+                            </m:e>
+                            <m:sup>
+                              <m:r>
+                                <m:rPr>
+                                  <m:sty m:val="p"/>
+                                </m:rPr>
+                                <a:rPr lang="en-US">
+                                  <a:latin typeface="Cambria Math" panose="02040503050406030204" pitchFamily="18" charset="0"/>
+                                </a:rPr>
+                                <m:t>t</m:t>
+                              </m:r>
+                            </m:sup>
+                          </m:sSup>
+                        </m:e>
+                      </m:nary>
+                    </m:oMath>
+                  </m:oMathPara>
+                </a14:m>
+                <a:endParaRPr lang="en-US" dirty="0"/>
+              </a:p>
+            </p:txBody>
+          </p:sp>
+        </mc:Choice>
+        <mc:Fallback>
+          <p:sp>
+            <p:nvSpPr>
+              <p:cNvPr id="30" name="TextBox 29">
+                <a:extLst>
+                  <a:ext uri="{FF2B5EF4-FFF2-40B4-BE49-F238E27FC236}">
+                    <a16:creationId xmlns:a16="http://schemas.microsoft.com/office/drawing/2014/main" id="{2311FAF6-EA41-42AC-9A68-66D650D928B1}"/>
+                  </a:ext>
+                </a:extLst>
+              </p:cNvPr>
+              <p:cNvSpPr txBox="1">
+                <a:spLocks noRot="1" noChangeAspect="1" noMove="1" noResize="1" noEditPoints="1" noAdjustHandles="1" noChangeArrowheads="1" noChangeShapeType="1" noTextEdit="1"/>
+              </p:cNvSpPr>
+              <p:nvPr/>
+            </p:nvSpPr>
+            <p:spPr>
+              <a:xfrm>
+                <a:off x="8315326" y="66403"/>
+                <a:ext cx="3624629" cy="764505"/>
+              </a:xfrm>
+              <a:prstGeom prst="rect">
+                <a:avLst/>
+              </a:prstGeom>
+              <a:blipFill>
+                <a:blip r:embed="rId6"/>
+                <a:stretch>
+                  <a:fillRect/>
+                </a:stretch>
+              </a:blipFill>
+            </p:spPr>
+            <p:txBody>
+              <a:bodyPr/>
+              <a:lstStyle/>
+              <a:p>
+                <a:r>
+                  <a:rPr lang="en-US">
+                    <a:noFill/>
+                  </a:rPr>
+                  <a:t> </a:t>
+                </a:r>
+              </a:p>
+            </p:txBody>
+          </p:sp>
+        </mc:Fallback>
+      </mc:AlternateContent>
+    </p:spTree>
+    <p:extLst>
+      <p:ext uri="{BB962C8B-B14F-4D97-AF65-F5344CB8AC3E}">
+        <p14:creationId xmlns:p14="http://schemas.microsoft.com/office/powerpoint/2010/main" val="599698447"/>
+      </p:ext>
+    </p:extLst>
+  </p:cSld>
+  <p:clrMapOvr>
+    <a:masterClrMapping/>
+  </p:clrMapOvr>
+</p:sld>
+</file>
+
+<file path=ppt/slides/slide11.xml><?xml version="1.0" encoding="utf-8"?>
+<p:sld xmlns:a="http://schemas.openxmlformats.org/drawingml/2006/main" xmlns:r="http://schemas.openxmlformats.org/officeDocument/2006/relationships" xmlns:p="http://schemas.openxmlformats.org/presentationml/2006/main">
+  <p:cSld>
+    <p:spTree>
+      <p:nvGrpSpPr>
+        <p:cNvPr id="1" name=""/>
+        <p:cNvGrpSpPr/>
+        <p:nvPr/>
+      </p:nvGrpSpPr>
+      <p:grpSpPr>
+        <a:xfrm>
+          <a:off x="0" y="0"/>
+          <a:ext cx="0" cy="0"/>
+          <a:chOff x="0" y="0"/>
+          <a:chExt cx="0" cy="0"/>
+        </a:xfrm>
+      </p:grpSpPr>
+      <p:sp>
+        <p:nvSpPr>
+          <p:cNvPr id="8" name="Title 1">
+            <a:extLst>
+              <a:ext uri="{FF2B5EF4-FFF2-40B4-BE49-F238E27FC236}">
+                <a16:creationId xmlns:a16="http://schemas.microsoft.com/office/drawing/2014/main" id="{A0C5A584-F771-42FE-A23D-884F4E1037F2}"/>
+              </a:ext>
+            </a:extLst>
+          </p:cNvPr>
+          <p:cNvSpPr>
+            <a:spLocks noGrp="1"/>
+          </p:cNvSpPr>
+          <p:nvPr>
+            <p:ph type="title"/>
+          </p:nvPr>
+        </p:nvSpPr>
+        <p:spPr>
+          <a:xfrm>
+            <a:off x="364704" y="82469"/>
+            <a:ext cx="9394757" cy="490552"/>
+          </a:xfrm>
+        </p:spPr>
+        <p:txBody>
+          <a:bodyPr>
+            <a:normAutofit fontScale="90000"/>
+          </a:bodyPr>
+          <a:lstStyle/>
+          <a:p>
+            <a:r>
+              <a:rPr lang="en-US" sz="3200" dirty="0"/>
+              <a:t>REINFORCE (Monte Carlo policy gradient)  - </a:t>
+            </a:r>
+            <a:r>
+              <a:rPr lang="ko-KR" altLang="en-US" sz="3200" dirty="0"/>
+              <a:t>개선 방안</a:t>
+            </a:r>
+            <a:r>
+              <a:rPr lang="en-US" altLang="ko-KR" sz="3200" dirty="0"/>
+              <a:t>, </a:t>
+            </a:r>
+            <a:r>
+              <a:rPr lang="ko-KR" altLang="en-US" sz="3200" dirty="0"/>
+              <a:t>계획</a:t>
+            </a:r>
+            <a:endParaRPr lang="en-US" sz="3200" dirty="0"/>
+          </a:p>
+        </p:txBody>
+      </p:sp>
+      <p:sp>
+        <p:nvSpPr>
+          <p:cNvPr id="9" name="Content Placeholder 2">
+            <a:extLst>
+              <a:ext uri="{FF2B5EF4-FFF2-40B4-BE49-F238E27FC236}">
+                <a16:creationId xmlns:a16="http://schemas.microsoft.com/office/drawing/2014/main" id="{BF95B729-1FFC-4CE9-B332-EB09C87EC19A}"/>
+              </a:ext>
+            </a:extLst>
+          </p:cNvPr>
+          <p:cNvSpPr>
+            <a:spLocks noGrp="1"/>
+          </p:cNvSpPr>
+          <p:nvPr>
+            <p:ph idx="1"/>
+          </p:nvPr>
+        </p:nvSpPr>
+        <p:spPr>
+          <a:xfrm>
+            <a:off x="146471" y="643357"/>
+            <a:ext cx="4873937" cy="3735212"/>
+          </a:xfrm>
+        </p:spPr>
+        <p:txBody>
+          <a:bodyPr>
+            <a:normAutofit/>
+          </a:bodyPr>
+          <a:lstStyle/>
+          <a:p>
+            <a:r>
+              <a:rPr lang="en-US" sz="1800" dirty="0"/>
+              <a:t>Policy </a:t>
+            </a:r>
+            <a:r>
+              <a:rPr lang="ko-KR" altLang="en-US" sz="1800" dirty="0"/>
+              <a:t>신경망 간소화 </a:t>
+            </a:r>
+            <a:r>
+              <a:rPr lang="en-US" altLang="ko-KR" sz="1800" dirty="0"/>
+              <a:t>+ </a:t>
+            </a:r>
+            <a:r>
+              <a:rPr lang="ko-KR" altLang="en-US" sz="1800" dirty="0"/>
+              <a:t>전략 구체화</a:t>
+            </a:r>
+            <a:endParaRPr lang="en-US" altLang="ko-KR" sz="1800" dirty="0"/>
+          </a:p>
+          <a:p>
+            <a:pPr marL="800100" lvl="1" indent="-342900">
+              <a:buFont typeface="+mj-lt"/>
+              <a:buAutoNum type="arabicPeriod"/>
+            </a:pPr>
+            <a:r>
+              <a:rPr lang="ko-KR" altLang="en-US" sz="1800" dirty="0"/>
+              <a:t>매칭문제의 </a:t>
+            </a:r>
+            <a:r>
+              <a:rPr lang="en-US" altLang="ko-KR" sz="1800" dirty="0"/>
+              <a:t>MP </a:t>
+            </a:r>
+            <a:r>
+              <a:rPr lang="ko-KR" altLang="en-US" sz="1800" dirty="0"/>
+              <a:t>성질을 반영</a:t>
+            </a:r>
+            <a:endParaRPr lang="en-US" altLang="ko-KR" sz="1800" dirty="0"/>
+          </a:p>
+          <a:p>
+            <a:pPr lvl="2"/>
+            <a:r>
+              <a:rPr lang="en-US" altLang="ko-KR" sz="1800" dirty="0"/>
+              <a:t>Alpha, rho </a:t>
+            </a:r>
+            <a:r>
+              <a:rPr lang="ko-KR" altLang="en-US" sz="1800" dirty="0"/>
+              <a:t>업데이트 패턴의 유사성</a:t>
+            </a:r>
+            <a:br>
+              <a:rPr lang="en-US" altLang="ko-KR" sz="1800" dirty="0"/>
+            </a:br>
+            <a:r>
+              <a:rPr lang="en-US" altLang="ko-KR" sz="1800" dirty="0"/>
+              <a:t>(row-wise &amp; column-wise maximum)</a:t>
+            </a:r>
+          </a:p>
+          <a:p>
+            <a:pPr lvl="2"/>
+            <a:endParaRPr lang="en-US" altLang="ko-KR" sz="1800" dirty="0"/>
+          </a:p>
+          <a:p>
+            <a:pPr lvl="2"/>
+            <a:endParaRPr lang="en-US" sz="1800" dirty="0"/>
+          </a:p>
+        </p:txBody>
+      </p:sp>
+      <p:sp>
+        <p:nvSpPr>
+          <p:cNvPr id="16" name="Content Placeholder 2">
+            <a:extLst>
+              <a:ext uri="{FF2B5EF4-FFF2-40B4-BE49-F238E27FC236}">
+                <a16:creationId xmlns:a16="http://schemas.microsoft.com/office/drawing/2014/main" id="{604CC625-83C4-4F7A-8DD7-3300CB966A1C}"/>
+              </a:ext>
+            </a:extLst>
+          </p:cNvPr>
+          <p:cNvSpPr txBox="1">
+            <a:spLocks/>
+          </p:cNvSpPr>
+          <p:nvPr/>
+        </p:nvSpPr>
+        <p:spPr>
+          <a:xfrm>
+            <a:off x="146471" y="5604161"/>
+            <a:ext cx="8056752" cy="385343"/>
+          </a:xfrm>
+          <a:prstGeom prst="rect">
+            <a:avLst/>
+          </a:prstGeom>
+        </p:spPr>
+        <p:txBody>
+          <a:bodyPr vert="horz" lIns="91440" tIns="45720" rIns="91440" bIns="45720" rtlCol="0">
+            <a:normAutofit/>
+          </a:bodyPr>
+          <a:lstStyle>
+            <a:lvl1pPr marL="228600" indent="-228600" algn="l" defTabSz="914400" rtl="0" eaLnBrk="1" latinLnBrk="0" hangingPunct="1">
+              <a:lnSpc>
+                <a:spcPct val="90000"/>
+              </a:lnSpc>
+              <a:spcBef>
+                <a:spcPts val="1000"/>
+              </a:spcBef>
+              <a:buFont typeface="Arial" panose="020B0604020202020204" pitchFamily="34" charset="0"/>
+              <a:buChar char="•"/>
+              <a:defRPr sz="2800" kern="1200">
+                <a:solidFill>
+                  <a:schemeClr val="tx1"/>
+                </a:solidFill>
+                <a:latin typeface="+mn-lt"/>
+                <a:ea typeface="+mn-ea"/>
+                <a:cs typeface="+mn-cs"/>
+              </a:defRPr>
+            </a:lvl1pPr>
+            <a:lvl2pPr marL="685800" indent="-228600" algn="l" defTabSz="914400" rtl="0" eaLnBrk="1" latinLnBrk="0" hangingPunct="1">
+              <a:lnSpc>
+                <a:spcPct val="90000"/>
+              </a:lnSpc>
+              <a:spcBef>
+                <a:spcPts val="500"/>
+              </a:spcBef>
+              <a:buFont typeface="Arial" panose="020B0604020202020204" pitchFamily="34" charset="0"/>
+              <a:buChar char="•"/>
+              <a:defRPr sz="2400" kern="1200">
+                <a:solidFill>
+                  <a:schemeClr val="tx1"/>
+                </a:solidFill>
+                <a:latin typeface="+mn-lt"/>
+                <a:ea typeface="+mn-ea"/>
+                <a:cs typeface="+mn-cs"/>
+              </a:defRPr>
+            </a:lvl2pPr>
+            <a:lvl3pPr marL="1143000" indent="-228600" algn="l" defTabSz="914400" rtl="0" eaLnBrk="1" latinLnBrk="0" hangingPunct="1">
+              <a:lnSpc>
+                <a:spcPct val="90000"/>
+              </a:lnSpc>
+              <a:spcBef>
+                <a:spcPts val="500"/>
+              </a:spcBef>
+              <a:buFont typeface="Arial" panose="020B0604020202020204" pitchFamily="34" charset="0"/>
+              <a:buChar char="•"/>
+              <a:defRPr sz="2000" kern="1200">
+                <a:solidFill>
+                  <a:schemeClr val="tx1"/>
+                </a:solidFill>
+                <a:latin typeface="+mn-lt"/>
+                <a:ea typeface="+mn-ea"/>
+                <a:cs typeface="+mn-cs"/>
+              </a:defRPr>
+            </a:lvl3pPr>
+            <a:lvl4pPr marL="1600200" indent="-228600" algn="l" defTabSz="914400" rtl="0" eaLnBrk="1" latinLnBrk="0" hangingPunct="1">
+              <a:lnSpc>
+                <a:spcPct val="90000"/>
+              </a:lnSpc>
+              <a:spcBef>
+                <a:spcPts val="500"/>
+              </a:spcBef>
+              <a:buFont typeface="Arial" panose="020B0604020202020204" pitchFamily="34" charset="0"/>
+              <a:buChar char="•"/>
+              <a:defRPr sz="1800" kern="1200">
+                <a:solidFill>
+                  <a:schemeClr val="tx1"/>
+                </a:solidFill>
+                <a:latin typeface="+mn-lt"/>
+                <a:ea typeface="+mn-ea"/>
+                <a:cs typeface="+mn-cs"/>
+              </a:defRPr>
+            </a:lvl4pPr>
+            <a:lvl5pPr marL="2057400" indent="-228600" algn="l" defTabSz="914400" rtl="0" eaLnBrk="1" latinLnBrk="0" hangingPunct="1">
+              <a:lnSpc>
+                <a:spcPct val="90000"/>
+              </a:lnSpc>
+              <a:spcBef>
+                <a:spcPts val="500"/>
+              </a:spcBef>
+              <a:buFont typeface="Arial" panose="020B0604020202020204" pitchFamily="34" charset="0"/>
+              <a:buChar char="•"/>
+              <a:defRPr sz="1800" kern="1200">
+                <a:solidFill>
+                  <a:schemeClr val="tx1"/>
+                </a:solidFill>
+                <a:latin typeface="+mn-lt"/>
+                <a:ea typeface="+mn-ea"/>
+                <a:cs typeface="+mn-cs"/>
+              </a:defRPr>
+            </a:lvl5pPr>
+            <a:lvl6pPr marL="2514600" indent="-228600" algn="l" defTabSz="914400" rtl="0" eaLnBrk="1" latinLnBrk="0" hangingPunct="1">
+              <a:lnSpc>
+                <a:spcPct val="90000"/>
+              </a:lnSpc>
+              <a:spcBef>
+                <a:spcPts val="500"/>
+              </a:spcBef>
+              <a:buFont typeface="Arial" panose="020B0604020202020204" pitchFamily="34" charset="0"/>
+              <a:buChar char="•"/>
+              <a:defRPr sz="1800" kern="1200">
+                <a:solidFill>
+                  <a:schemeClr val="tx1"/>
+                </a:solidFill>
+                <a:latin typeface="+mn-lt"/>
+                <a:ea typeface="+mn-ea"/>
+                <a:cs typeface="+mn-cs"/>
+              </a:defRPr>
+            </a:lvl6pPr>
+            <a:lvl7pPr marL="2971800" indent="-228600" algn="l" defTabSz="914400" rtl="0" eaLnBrk="1" latinLnBrk="0" hangingPunct="1">
+              <a:lnSpc>
+                <a:spcPct val="90000"/>
+              </a:lnSpc>
+              <a:spcBef>
+                <a:spcPts val="500"/>
+              </a:spcBef>
+              <a:buFont typeface="Arial" panose="020B0604020202020204" pitchFamily="34" charset="0"/>
+              <a:buChar char="•"/>
+              <a:defRPr sz="1800" kern="1200">
+                <a:solidFill>
+                  <a:schemeClr val="tx1"/>
+                </a:solidFill>
+                <a:latin typeface="+mn-lt"/>
+                <a:ea typeface="+mn-ea"/>
+                <a:cs typeface="+mn-cs"/>
+              </a:defRPr>
+            </a:lvl7pPr>
+            <a:lvl8pPr marL="3429000" indent="-228600" algn="l" defTabSz="914400" rtl="0" eaLnBrk="1" latinLnBrk="0" hangingPunct="1">
+              <a:lnSpc>
+                <a:spcPct val="90000"/>
+              </a:lnSpc>
+              <a:spcBef>
+                <a:spcPts val="500"/>
+              </a:spcBef>
+              <a:buFont typeface="Arial" panose="020B0604020202020204" pitchFamily="34" charset="0"/>
+              <a:buChar char="•"/>
+              <a:defRPr sz="1800" kern="1200">
+                <a:solidFill>
+                  <a:schemeClr val="tx1"/>
+                </a:solidFill>
+                <a:latin typeface="+mn-lt"/>
+                <a:ea typeface="+mn-ea"/>
+                <a:cs typeface="+mn-cs"/>
+              </a:defRPr>
+            </a:lvl8pPr>
+            <a:lvl9pPr marL="3886200" indent="-228600" algn="l" defTabSz="914400" rtl="0" eaLnBrk="1" latinLnBrk="0" hangingPunct="1">
+              <a:lnSpc>
+                <a:spcPct val="90000"/>
+              </a:lnSpc>
+              <a:spcBef>
+                <a:spcPts val="500"/>
+              </a:spcBef>
+              <a:buFont typeface="Arial" panose="020B0604020202020204" pitchFamily="34" charset="0"/>
+              <a:buChar char="•"/>
+              <a:defRPr sz="1800" kern="1200">
+                <a:solidFill>
+                  <a:schemeClr val="tx1"/>
+                </a:solidFill>
+                <a:latin typeface="+mn-lt"/>
+                <a:ea typeface="+mn-ea"/>
+                <a:cs typeface="+mn-cs"/>
+              </a:defRPr>
+            </a:lvl9pPr>
+          </a:lstStyle>
+          <a:p>
+            <a:r>
+              <a:rPr lang="en-US" sz="1800" dirty="0"/>
+              <a:t>reward </a:t>
+            </a:r>
+            <a:r>
+              <a:rPr lang="ko-KR" altLang="en-US" sz="1800" dirty="0"/>
+              <a:t>함수 </a:t>
+            </a:r>
+            <a:r>
+              <a:rPr lang="en-US" altLang="ko-KR" sz="1800" dirty="0"/>
+              <a:t>manipulation</a:t>
+            </a:r>
+            <a:endParaRPr lang="en-US" sz="1800" dirty="0"/>
+          </a:p>
+        </p:txBody>
+      </p:sp>
+      <p:pic>
+        <p:nvPicPr>
+          <p:cNvPr id="3" name="Picture 2">
+            <a:extLst>
+              <a:ext uri="{FF2B5EF4-FFF2-40B4-BE49-F238E27FC236}">
+                <a16:creationId xmlns:a16="http://schemas.microsoft.com/office/drawing/2014/main" id="{FE7A1FD4-8E70-42F3-958A-BA5FAFFA1C8F}"/>
+              </a:ext>
+            </a:extLst>
+          </p:cNvPr>
+          <p:cNvPicPr>
+            <a:picLocks noChangeAspect="1"/>
+          </p:cNvPicPr>
+          <p:nvPr/>
+        </p:nvPicPr>
+        <p:blipFill>
+          <a:blip r:embed="rId2"/>
+          <a:stretch>
+            <a:fillRect/>
+          </a:stretch>
+        </p:blipFill>
+        <p:spPr>
+          <a:xfrm>
+            <a:off x="7426409" y="4706440"/>
+            <a:ext cx="4619120" cy="2431600"/>
+          </a:xfrm>
+          <a:prstGeom prst="rect">
+            <a:avLst/>
+          </a:prstGeom>
+        </p:spPr>
+      </p:pic>
+      <p:pic>
+        <p:nvPicPr>
+          <p:cNvPr id="10" name="Picture 9">
+            <a:extLst>
+              <a:ext uri="{FF2B5EF4-FFF2-40B4-BE49-F238E27FC236}">
+                <a16:creationId xmlns:a16="http://schemas.microsoft.com/office/drawing/2014/main" id="{F22626B0-6223-4375-8A61-849060DE3BB6}"/>
               </a:ext>
             </a:extLst>
           </p:cNvPr>
@@ -4360,8 +5195,8 @@
         </p:blipFill>
         <p:spPr>
           <a:xfrm>
-            <a:off x="146471" y="3046503"/>
-            <a:ext cx="6657741" cy="3700192"/>
+            <a:off x="5402277" y="643357"/>
+            <a:ext cx="3286584" cy="4553585"/>
           </a:xfrm>
           <a:prstGeom prst="rect">
             <a:avLst/>
@@ -4370,10 +5205,10 @@
       </p:pic>
       <p:pic>
         <p:nvPicPr>
-          <p:cNvPr id="21" name="Picture 20">
+          <p:cNvPr id="12" name="Picture 11">
             <a:extLst>
               <a:ext uri="{FF2B5EF4-FFF2-40B4-BE49-F238E27FC236}">
-                <a16:creationId xmlns:a16="http://schemas.microsoft.com/office/drawing/2014/main" id="{C9EBEA0F-B4B4-48FD-8FBC-77565DFFEFDD}"/>
+                <a16:creationId xmlns:a16="http://schemas.microsoft.com/office/drawing/2014/main" id="{BA1BA4DA-41E8-4AC1-B89D-25CB834BA9A5}"/>
               </a:ext>
             </a:extLst>
           </p:cNvPr>
@@ -4390,8 +5225,8 @@
         </p:blipFill>
         <p:spPr>
           <a:xfrm>
-            <a:off x="7144872" y="1448406"/>
-            <a:ext cx="3924634" cy="5100467"/>
+            <a:off x="8720608" y="645653"/>
+            <a:ext cx="3258005" cy="4572638"/>
           </a:xfrm>
           <a:prstGeom prst="rect">
             <a:avLst/>
@@ -4401,7 +5236,7 @@
     </p:spTree>
     <p:extLst>
       <p:ext uri="{BB962C8B-B14F-4D97-AF65-F5344CB8AC3E}">
-        <p14:creationId xmlns:p14="http://schemas.microsoft.com/office/powerpoint/2010/main" val="599698447"/>
+        <p14:creationId xmlns:p14="http://schemas.microsoft.com/office/powerpoint/2010/main" val="2237282321"/>
       </p:ext>
     </p:extLst>
   </p:cSld>
@@ -8888,7 +9723,7 @@
             <p:spPr>
               <a:xfrm>
                 <a:off x="5781619" y="1407228"/>
-                <a:ext cx="5076160" cy="4860854"/>
+                <a:ext cx="5076160" cy="5336846"/>
               </a:xfrm>
               <a:prstGeom prst="rect">
                 <a:avLst/>
@@ -9309,9 +10144,6 @@
                   <a:t>on-policy</a:t>
                 </a:r>
               </a:p>
-              <a:p>
-                <a:endParaRPr lang="en-US" sz="1800" dirty="0"/>
-              </a:p>
             </p:txBody>
           </p:sp>
         </mc:Choice>
@@ -9333,7 +10165,7 @@
             <p:spPr>
               <a:xfrm>
                 <a:off x="5781619" y="1407228"/>
-                <a:ext cx="5076160" cy="4860854"/>
+                <a:ext cx="5076160" cy="5336846"/>
               </a:xfrm>
               <a:prstGeom prst="rect">
                 <a:avLst/>
@@ -9341,7 +10173,7 @@
               <a:blipFill>
                 <a:blip r:embed="rId3"/>
                 <a:stretch>
-                  <a:fillRect l="-720" t="-1255"/>
+                  <a:fillRect l="-720" t="-1143"/>
                 </a:stretch>
               </a:blipFill>
             </p:spPr>
@@ -9388,7 +10220,7 @@
           <a:graphicData uri="http://schemas.openxmlformats.org/presentationml/2006/ole">
             <mc:AlternateContent xmlns:mc="http://schemas.openxmlformats.org/markup-compatibility/2006">
               <mc:Choice xmlns:v="urn:schemas-microsoft-com:vml" Requires="v">
-                <p:oleObj spid="_x0000_s1053" name="Equation" r:id="rId4" imgW="2311200" imgH="457200" progId="Equation.DSMT4">
+                <p:oleObj spid="_x0000_s1097" name="Equation" r:id="rId4" imgW="2311200" imgH="457200" progId="Equation.DSMT4">
                   <p:embed/>
                 </p:oleObj>
               </mc:Choice>
@@ -9451,7 +10283,7 @@
           <a:graphicData uri="http://schemas.openxmlformats.org/presentationml/2006/ole">
             <mc:AlternateContent xmlns:mc="http://schemas.openxmlformats.org/markup-compatibility/2006">
               <mc:Choice xmlns:v="urn:schemas-microsoft-com:vml" Requires="v">
-                <p:oleObj spid="_x0000_s1054" name="Equation" r:id="rId6" imgW="1942920" imgH="253800" progId="Equation.DSMT4">
+                <p:oleObj spid="_x0000_s1098" name="Equation" r:id="rId6" imgW="1942920" imgH="253800" progId="Equation.DSMT4">
                   <p:embed/>
                 </p:oleObj>
               </mc:Choice>
@@ -9514,7 +10346,7 @@
           <a:graphicData uri="http://schemas.openxmlformats.org/presentationml/2006/ole">
             <mc:AlternateContent xmlns:mc="http://schemas.openxmlformats.org/markup-compatibility/2006">
               <mc:Choice xmlns:v="urn:schemas-microsoft-com:vml" Requires="v">
-                <p:oleObj spid="_x0000_s1055" name="Equation" r:id="rId8" imgW="1218960" imgH="253800" progId="Equation.DSMT4">
+                <p:oleObj spid="_x0000_s1099" name="Equation" r:id="rId8" imgW="1218960" imgH="253800" progId="Equation.DSMT4">
                   <p:embed/>
                 </p:oleObj>
               </mc:Choice>
@@ -9577,7 +10409,7 @@
           <a:graphicData uri="http://schemas.openxmlformats.org/presentationml/2006/ole">
             <mc:AlternateContent xmlns:mc="http://schemas.openxmlformats.org/markup-compatibility/2006">
               <mc:Choice xmlns:v="urn:schemas-microsoft-com:vml" Requires="v">
-                <p:oleObj spid="_x0000_s1056" name="Equation" r:id="rId10" imgW="2755800" imgH="457200" progId="Equation.DSMT4">
+                <p:oleObj spid="_x0000_s1100" name="Equation" r:id="rId10" imgW="2755800" imgH="457200" progId="Equation.DSMT4">
                   <p:embed/>
                 </p:oleObj>
               </mc:Choice>
@@ -11163,11 +11995,11 @@
             </a:br>
             <a:r>
               <a:rPr lang="en-US" altLang="ko-KR" sz="1800" dirty="0"/>
-              <a:t>(categorical log-probability</a:t>
+              <a:t>(log-probability</a:t>
             </a:r>
             <a:r>
               <a:rPr lang="ko-KR" altLang="en-US" sz="1800" dirty="0"/>
-              <a:t>가 </a:t>
+              <a:t>합이 </a:t>
             </a:r>
             <a:r>
               <a:rPr lang="en-US" altLang="ko-KR" sz="1800" dirty="0"/>
@@ -14581,7 +15413,7 @@
                     </a:highlight>
                     <a:latin typeface="Cambria Math" panose="02040503050406030204" pitchFamily="18" charset="0"/>
                   </a:rPr>
-                  <a:t>ex) 200</a:t>
+                  <a:t>200</a:t>
                 </a:r>
                 <a:r>
                   <a:rPr lang="ko-KR" altLang="en-US" sz="1200" i="1" dirty="0">
@@ -14599,7 +15431,16 @@
                     </a:highlight>
                     <a:latin typeface="Cambria Math" panose="02040503050406030204" pitchFamily="18" charset="0"/>
                   </a:rPr>
-                  <a:t>sampling</a:t>
+                  <a:t>Bernoulli sampling </a:t>
+                </a:r>
+                <a:r>
+                  <a:rPr lang="ko-KR" altLang="en-US" sz="1200" i="1" dirty="0">
+                    <a:highlight>
+                      <a:srgbClr val="FFFF00"/>
+                    </a:highlight>
+                    <a:latin typeface="Cambria Math" panose="02040503050406030204" pitchFamily="18" charset="0"/>
+                  </a:rPr>
+                  <a:t>예시</a:t>
                 </a:r>
                 <a:endParaRPr lang="en-US" sz="1200" i="1" dirty="0">
                   <a:highlight>
@@ -15866,7 +16707,7 @@
           <a:p>
             <a:r>
               <a:rPr lang="en-US" sz="3200" dirty="0"/>
-              <a:t>REINFORCE – bipartite (primitive) formulation</a:t>
+              <a:t>REINFORCE – (very primitive) bipartite formulation</a:t>
             </a:r>
           </a:p>
         </p:txBody>
@@ -18765,7 +19606,7 @@
             <p:spPr>
               <a:xfrm>
                 <a:off x="167619" y="648252"/>
-                <a:ext cx="11077743" cy="3483839"/>
+                <a:ext cx="11077743" cy="3481338"/>
               </a:xfrm>
               <a:prstGeom prst="rect">
                 <a:avLst/>
@@ -18777,6 +19618,48 @@
                 <a:spAutoFit/>
               </a:bodyPr>
               <a:lstStyle/>
+              <a:p>
+                <a:pPr marL="285750" indent="-285750">
+                  <a:lnSpc>
+                    <a:spcPct val="150000"/>
+                  </a:lnSpc>
+                  <a:buFont typeface="Arial" panose="020B0604020202020204" pitchFamily="34" charset="0"/>
+                  <a:buChar char="•"/>
+                </a:pPr>
+                <a:r>
+                  <a:rPr lang="en-US" altLang="ko-KR" sz="1800" b="0" dirty="0">
+                    <a:latin typeface="Cambria Math" panose="02040503050406030204" pitchFamily="18" charset="0"/>
+                  </a:rPr>
+                  <a:t>(</a:t>
+                </a:r>
+                <a:r>
+                  <a:rPr lang="ko-KR" altLang="en-US" sz="1800" b="0" dirty="0">
+                    <a:latin typeface="Cambria Math" panose="02040503050406030204" pitchFamily="18" charset="0"/>
+                  </a:rPr>
+                  <a:t>결론</a:t>
+                </a:r>
+                <a:r>
+                  <a:rPr lang="en-US" altLang="ko-KR" sz="1800" b="0" dirty="0">
+                    <a:latin typeface="Cambria Math" panose="02040503050406030204" pitchFamily="18" charset="0"/>
+                  </a:rPr>
+                  <a:t>: </a:t>
+                </a:r>
+                <a:r>
+                  <a:rPr lang="ko-KR" altLang="en-US" sz="1800" b="0" dirty="0">
+                    <a:latin typeface="Cambria Math" panose="02040503050406030204" pitchFamily="18" charset="0"/>
+                  </a:rPr>
+                  <a:t>모델링의 한계로 인해 학습 미달</a:t>
+                </a:r>
+                <a:r>
+                  <a:rPr lang="en-US" altLang="ko-KR" dirty="0">
+                    <a:latin typeface="Cambria Math" panose="02040503050406030204" pitchFamily="18" charset="0"/>
+                  </a:rPr>
+                  <a:t>)</a:t>
+                </a:r>
+                <a:endParaRPr lang="en-US" sz="1800" b="0" dirty="0">
+                  <a:latin typeface="Cambria Math" panose="02040503050406030204" pitchFamily="18" charset="0"/>
+                </a:endParaRPr>
+              </a:p>
               <a:p>
                 <a:pPr marL="285750" indent="-285750">
                   <a:lnSpc>
@@ -20065,16 +20948,6 @@
                 </a14:m>
                 <a:endParaRPr lang="en-US" sz="1800" dirty="0"/>
               </a:p>
-              <a:p>
-                <a:pPr marL="285750" indent="-285750">
-                  <a:lnSpc>
-                    <a:spcPct val="150000"/>
-                  </a:lnSpc>
-                  <a:buFont typeface="Arial" panose="020B0604020202020204" pitchFamily="34" charset="0"/>
-                  <a:buChar char="•"/>
-                </a:pPr>
-                <a:endParaRPr lang="en-US" sz="1800" dirty="0"/>
-              </a:p>
             </p:txBody>
           </p:sp>
         </mc:Choice>
@@ -20096,7 +20969,7 @@
             <p:spPr>
               <a:xfrm>
                 <a:off x="167619" y="648252"/>
-                <a:ext cx="11077743" cy="3483839"/>
+                <a:ext cx="11077743" cy="3481338"/>
               </a:xfrm>
               <a:prstGeom prst="rect">
                 <a:avLst/>
@@ -20104,7 +20977,7 @@
               <a:blipFill>
                 <a:blip r:embed="rId11"/>
                 <a:stretch>
-                  <a:fillRect l="-330" b="-6818"/>
+                  <a:fillRect l="-330" b="-18914"/>
                 </a:stretch>
               </a:blipFill>
             </p:spPr>
